--- a/textual/pre-textual/Lourenço Carlos - 2023106060.pptx
+++ b/textual/pre-textual/Lourenço Carlos - 2023106060.pptx
@@ -5,7 +5,7 @@
     <p:sldMasterId id="2147483648" r:id="rId1"/>
   </p:sldMasterIdLst>
   <p:notesMasterIdLst>
-    <p:notesMasterId r:id="rId12"/>
+    <p:notesMasterId r:id="rId24"/>
   </p:notesMasterIdLst>
   <p:sldIdLst>
     <p:sldId id="257" r:id="rId2"/>
@@ -15,9 +15,21 @@
     <p:sldId id="261" r:id="rId6"/>
     <p:sldId id="262" r:id="rId7"/>
     <p:sldId id="263" r:id="rId8"/>
-    <p:sldId id="264" r:id="rId9"/>
-    <p:sldId id="266" r:id="rId10"/>
-    <p:sldId id="267" r:id="rId11"/>
+    <p:sldId id="268" r:id="rId9"/>
+    <p:sldId id="269" r:id="rId10"/>
+    <p:sldId id="270" r:id="rId11"/>
+    <p:sldId id="273" r:id="rId12"/>
+    <p:sldId id="274" r:id="rId13"/>
+    <p:sldId id="275" r:id="rId14"/>
+    <p:sldId id="276" r:id="rId15"/>
+    <p:sldId id="279" r:id="rId16"/>
+    <p:sldId id="266" r:id="rId17"/>
+    <p:sldId id="271" r:id="rId18"/>
+    <p:sldId id="264" r:id="rId19"/>
+    <p:sldId id="272" r:id="rId20"/>
+    <p:sldId id="278" r:id="rId21"/>
+    <p:sldId id="277" r:id="rId22"/>
+    <p:sldId id="280" r:id="rId23"/>
   </p:sldIdLst>
   <p:sldSz cx="12192000" cy="6858000"/>
   <p:notesSz cx="6858000" cy="9144000"/>
@@ -225,7 +237,7 @@
           <a:p>
             <a:fld id="{77580C95-64CF-A944-B598-66CE90B6060C}" type="datetimeFigureOut">
               <a:rPr lang="en-PT" smtClean="0"/>
-              <a:t>03/11/2024</a:t>
+              <a:t>06/23/2024</a:t>
             </a:fld>
             <a:endParaRPr lang="en-PT"/>
           </a:p>
@@ -607,7 +619,7 @@
   <p:cSld>
     <p:spTree>
       <p:nvGrpSpPr>
-        <p:cNvPr id="1" name="Shape 346"/>
+        <p:cNvPr id="1" name="Shape 314"/>
         <p:cNvGrpSpPr/>
         <p:nvPr/>
       </p:nvGrpSpPr>
@@ -621,7 +633,7 @@
       </p:grpSpPr>
       <p:sp>
         <p:nvSpPr>
-          <p:cNvPr id="347" name="Google Shape;347;p15:notes"/>
+          <p:cNvPr id="315" name="Google Shape;315;p11:notes"/>
           <p:cNvSpPr txBox="1">
             <a:spLocks noGrp="1"/>
           </p:cNvSpPr>
@@ -659,7 +671,7 @@
       </p:sp>
       <p:sp>
         <p:nvSpPr>
-          <p:cNvPr id="348" name="Google Shape;348;p15:notes"/>
+          <p:cNvPr id="316" name="Google Shape;316;p11:notes"/>
           <p:cNvSpPr>
             <a:spLocks noGrp="1" noRot="1" noChangeAspect="1"/>
           </p:cNvSpPr>
@@ -701,7 +713,988 @@
     </p:spTree>
     <p:extLst>
       <p:ext uri="{BB962C8B-B14F-4D97-AF65-F5344CB8AC3E}">
-        <p14:creationId xmlns:p14="http://schemas.microsoft.com/office/powerpoint/2010/main" val="2887652823"/>
+        <p14:creationId xmlns:p14="http://schemas.microsoft.com/office/powerpoint/2010/main" val="356403510"/>
+      </p:ext>
+    </p:extLst>
+  </p:cSld>
+  <p:clrMapOvr>
+    <a:masterClrMapping/>
+  </p:clrMapOvr>
+</p:notes>
+</file>
+
+<file path=ppt/notesSlides/notesSlide11.xml><?xml version="1.0" encoding="utf-8"?>
+<p:notes xmlns:a="http://schemas.openxmlformats.org/drawingml/2006/main" xmlns:r="http://schemas.openxmlformats.org/officeDocument/2006/relationships" xmlns:p="http://schemas.openxmlformats.org/presentationml/2006/main" showMasterSp="0" showMasterPhAnim="0">
+  <p:cSld>
+    <p:spTree>
+      <p:nvGrpSpPr>
+        <p:cNvPr id="1" name="Shape 338"/>
+        <p:cNvGrpSpPr/>
+        <p:nvPr/>
+      </p:nvGrpSpPr>
+      <p:grpSpPr>
+        <a:xfrm>
+          <a:off x="0" y="0"/>
+          <a:ext cx="0" cy="0"/>
+          <a:chOff x="0" y="0"/>
+          <a:chExt cx="0" cy="0"/>
+        </a:xfrm>
+      </p:grpSpPr>
+      <p:sp>
+        <p:nvSpPr>
+          <p:cNvPr id="339" name="Google Shape;339;p14:notes"/>
+          <p:cNvSpPr txBox="1">
+            <a:spLocks noGrp="1"/>
+          </p:cNvSpPr>
+          <p:nvPr>
+            <p:ph type="body" idx="1"/>
+          </p:nvPr>
+        </p:nvSpPr>
+        <p:spPr>
+          <a:xfrm>
+            <a:off x="685800" y="4400550"/>
+            <a:ext cx="5486400" cy="3600450"/>
+          </a:xfrm>
+          <a:prstGeom prst="rect">
+            <a:avLst/>
+          </a:prstGeom>
+        </p:spPr>
+        <p:txBody>
+          <a:bodyPr spcFirstLastPara="1" wrap="square" lIns="91425" tIns="91425" rIns="91425" bIns="91425" anchor="t" anchorCtr="0">
+            <a:noAutofit/>
+          </a:bodyPr>
+          <a:lstStyle/>
+          <a:p>
+            <a:pPr marL="0" lvl="0" indent="0" algn="l" rtl="0">
+              <a:spcBef>
+                <a:spcPts val="0"/>
+              </a:spcBef>
+              <a:spcAft>
+                <a:spcPts val="0"/>
+              </a:spcAft>
+              <a:buNone/>
+            </a:pPr>
+            <a:endParaRPr dirty="0"/>
+          </a:p>
+        </p:txBody>
+      </p:sp>
+      <p:sp>
+        <p:nvSpPr>
+          <p:cNvPr id="340" name="Google Shape;340;p14:notes"/>
+          <p:cNvSpPr>
+            <a:spLocks noGrp="1" noRot="1" noChangeAspect="1"/>
+          </p:cNvSpPr>
+          <p:nvPr>
+            <p:ph type="sldImg" idx="2"/>
+          </p:nvPr>
+        </p:nvSpPr>
+        <p:spPr>
+          <a:xfrm>
+            <a:off x="685800" y="1143000"/>
+            <a:ext cx="5486400" cy="3086100"/>
+          </a:xfrm>
+          <a:custGeom>
+            <a:avLst/>
+            <a:gdLst/>
+            <a:ahLst/>
+            <a:cxnLst/>
+            <a:rect l="l" t="t" r="r" b="b"/>
+            <a:pathLst>
+              <a:path w="120000" h="120000" extrusionOk="0">
+                <a:moveTo>
+                  <a:pt x="0" y="0"/>
+                </a:moveTo>
+                <a:lnTo>
+                  <a:pt x="120000" y="0"/>
+                </a:lnTo>
+                <a:lnTo>
+                  <a:pt x="120000" y="120000"/>
+                </a:lnTo>
+                <a:lnTo>
+                  <a:pt x="0" y="120000"/>
+                </a:lnTo>
+                <a:close/>
+              </a:path>
+            </a:pathLst>
+          </a:custGeom>
+        </p:spPr>
+      </p:sp>
+    </p:spTree>
+    <p:extLst>
+      <p:ext uri="{BB962C8B-B14F-4D97-AF65-F5344CB8AC3E}">
+        <p14:creationId xmlns:p14="http://schemas.microsoft.com/office/powerpoint/2010/main" val="2447058179"/>
+      </p:ext>
+    </p:extLst>
+  </p:cSld>
+  <p:clrMapOvr>
+    <a:masterClrMapping/>
+  </p:clrMapOvr>
+</p:notes>
+</file>
+
+<file path=ppt/notesSlides/notesSlide12.xml><?xml version="1.0" encoding="utf-8"?>
+<p:notes xmlns:a="http://schemas.openxmlformats.org/drawingml/2006/main" xmlns:r="http://schemas.openxmlformats.org/officeDocument/2006/relationships" xmlns:p="http://schemas.openxmlformats.org/presentationml/2006/main" showMasterSp="0" showMasterPhAnim="0">
+  <p:cSld>
+    <p:spTree>
+      <p:nvGrpSpPr>
+        <p:cNvPr id="1" name="Shape 338"/>
+        <p:cNvGrpSpPr/>
+        <p:nvPr/>
+      </p:nvGrpSpPr>
+      <p:grpSpPr>
+        <a:xfrm>
+          <a:off x="0" y="0"/>
+          <a:ext cx="0" cy="0"/>
+          <a:chOff x="0" y="0"/>
+          <a:chExt cx="0" cy="0"/>
+        </a:xfrm>
+      </p:grpSpPr>
+      <p:sp>
+        <p:nvSpPr>
+          <p:cNvPr id="339" name="Google Shape;339;p14:notes"/>
+          <p:cNvSpPr txBox="1">
+            <a:spLocks noGrp="1"/>
+          </p:cNvSpPr>
+          <p:nvPr>
+            <p:ph type="body" idx="1"/>
+          </p:nvPr>
+        </p:nvSpPr>
+        <p:spPr>
+          <a:xfrm>
+            <a:off x="685800" y="4400550"/>
+            <a:ext cx="5486400" cy="3600450"/>
+          </a:xfrm>
+          <a:prstGeom prst="rect">
+            <a:avLst/>
+          </a:prstGeom>
+        </p:spPr>
+        <p:txBody>
+          <a:bodyPr spcFirstLastPara="1" wrap="square" lIns="91425" tIns="91425" rIns="91425" bIns="91425" anchor="t" anchorCtr="0">
+            <a:noAutofit/>
+          </a:bodyPr>
+          <a:lstStyle/>
+          <a:p>
+            <a:pPr marL="0" lvl="0" indent="0" algn="l" rtl="0">
+              <a:spcBef>
+                <a:spcPts val="0"/>
+              </a:spcBef>
+              <a:spcAft>
+                <a:spcPts val="0"/>
+              </a:spcAft>
+              <a:buNone/>
+            </a:pPr>
+            <a:endParaRPr dirty="0"/>
+          </a:p>
+        </p:txBody>
+      </p:sp>
+      <p:sp>
+        <p:nvSpPr>
+          <p:cNvPr id="340" name="Google Shape;340;p14:notes"/>
+          <p:cNvSpPr>
+            <a:spLocks noGrp="1" noRot="1" noChangeAspect="1"/>
+          </p:cNvSpPr>
+          <p:nvPr>
+            <p:ph type="sldImg" idx="2"/>
+          </p:nvPr>
+        </p:nvSpPr>
+        <p:spPr>
+          <a:xfrm>
+            <a:off x="685800" y="1143000"/>
+            <a:ext cx="5486400" cy="3086100"/>
+          </a:xfrm>
+          <a:custGeom>
+            <a:avLst/>
+            <a:gdLst/>
+            <a:ahLst/>
+            <a:cxnLst/>
+            <a:rect l="l" t="t" r="r" b="b"/>
+            <a:pathLst>
+              <a:path w="120000" h="120000" extrusionOk="0">
+                <a:moveTo>
+                  <a:pt x="0" y="0"/>
+                </a:moveTo>
+                <a:lnTo>
+                  <a:pt x="120000" y="0"/>
+                </a:lnTo>
+                <a:lnTo>
+                  <a:pt x="120000" y="120000"/>
+                </a:lnTo>
+                <a:lnTo>
+                  <a:pt x="0" y="120000"/>
+                </a:lnTo>
+                <a:close/>
+              </a:path>
+            </a:pathLst>
+          </a:custGeom>
+        </p:spPr>
+      </p:sp>
+    </p:spTree>
+    <p:extLst>
+      <p:ext uri="{BB962C8B-B14F-4D97-AF65-F5344CB8AC3E}">
+        <p14:creationId xmlns:p14="http://schemas.microsoft.com/office/powerpoint/2010/main" val="1839162325"/>
+      </p:ext>
+    </p:extLst>
+  </p:cSld>
+  <p:clrMapOvr>
+    <a:masterClrMapping/>
+  </p:clrMapOvr>
+</p:notes>
+</file>
+
+<file path=ppt/notesSlides/notesSlide13.xml><?xml version="1.0" encoding="utf-8"?>
+<p:notes xmlns:a="http://schemas.openxmlformats.org/drawingml/2006/main" xmlns:r="http://schemas.openxmlformats.org/officeDocument/2006/relationships" xmlns:p="http://schemas.openxmlformats.org/presentationml/2006/main" showMasterSp="0" showMasterPhAnim="0">
+  <p:cSld>
+    <p:spTree>
+      <p:nvGrpSpPr>
+        <p:cNvPr id="1" name="Shape 338"/>
+        <p:cNvGrpSpPr/>
+        <p:nvPr/>
+      </p:nvGrpSpPr>
+      <p:grpSpPr>
+        <a:xfrm>
+          <a:off x="0" y="0"/>
+          <a:ext cx="0" cy="0"/>
+          <a:chOff x="0" y="0"/>
+          <a:chExt cx="0" cy="0"/>
+        </a:xfrm>
+      </p:grpSpPr>
+      <p:sp>
+        <p:nvSpPr>
+          <p:cNvPr id="339" name="Google Shape;339;p14:notes"/>
+          <p:cNvSpPr txBox="1">
+            <a:spLocks noGrp="1"/>
+          </p:cNvSpPr>
+          <p:nvPr>
+            <p:ph type="body" idx="1"/>
+          </p:nvPr>
+        </p:nvSpPr>
+        <p:spPr>
+          <a:xfrm>
+            <a:off x="685800" y="4400550"/>
+            <a:ext cx="5486400" cy="3600450"/>
+          </a:xfrm>
+          <a:prstGeom prst="rect">
+            <a:avLst/>
+          </a:prstGeom>
+        </p:spPr>
+        <p:txBody>
+          <a:bodyPr spcFirstLastPara="1" wrap="square" lIns="91425" tIns="91425" rIns="91425" bIns="91425" anchor="t" anchorCtr="0">
+            <a:noAutofit/>
+          </a:bodyPr>
+          <a:lstStyle/>
+          <a:p>
+            <a:pPr marL="0" lvl="0" indent="0" algn="l" rtl="0">
+              <a:spcBef>
+                <a:spcPts val="0"/>
+              </a:spcBef>
+              <a:spcAft>
+                <a:spcPts val="0"/>
+              </a:spcAft>
+              <a:buNone/>
+            </a:pPr>
+            <a:endParaRPr dirty="0"/>
+          </a:p>
+        </p:txBody>
+      </p:sp>
+      <p:sp>
+        <p:nvSpPr>
+          <p:cNvPr id="340" name="Google Shape;340;p14:notes"/>
+          <p:cNvSpPr>
+            <a:spLocks noGrp="1" noRot="1" noChangeAspect="1"/>
+          </p:cNvSpPr>
+          <p:nvPr>
+            <p:ph type="sldImg" idx="2"/>
+          </p:nvPr>
+        </p:nvSpPr>
+        <p:spPr>
+          <a:xfrm>
+            <a:off x="685800" y="1143000"/>
+            <a:ext cx="5486400" cy="3086100"/>
+          </a:xfrm>
+          <a:custGeom>
+            <a:avLst/>
+            <a:gdLst/>
+            <a:ahLst/>
+            <a:cxnLst/>
+            <a:rect l="l" t="t" r="r" b="b"/>
+            <a:pathLst>
+              <a:path w="120000" h="120000" extrusionOk="0">
+                <a:moveTo>
+                  <a:pt x="0" y="0"/>
+                </a:moveTo>
+                <a:lnTo>
+                  <a:pt x="120000" y="0"/>
+                </a:lnTo>
+                <a:lnTo>
+                  <a:pt x="120000" y="120000"/>
+                </a:lnTo>
+                <a:lnTo>
+                  <a:pt x="0" y="120000"/>
+                </a:lnTo>
+                <a:close/>
+              </a:path>
+            </a:pathLst>
+          </a:custGeom>
+        </p:spPr>
+      </p:sp>
+    </p:spTree>
+    <p:extLst>
+      <p:ext uri="{BB962C8B-B14F-4D97-AF65-F5344CB8AC3E}">
+        <p14:creationId xmlns:p14="http://schemas.microsoft.com/office/powerpoint/2010/main" val="3789039792"/>
+      </p:ext>
+    </p:extLst>
+  </p:cSld>
+  <p:clrMapOvr>
+    <a:masterClrMapping/>
+  </p:clrMapOvr>
+</p:notes>
+</file>
+
+<file path=ppt/notesSlides/notesSlide14.xml><?xml version="1.0" encoding="utf-8"?>
+<p:notes xmlns:a="http://schemas.openxmlformats.org/drawingml/2006/main" xmlns:r="http://schemas.openxmlformats.org/officeDocument/2006/relationships" xmlns:p="http://schemas.openxmlformats.org/presentationml/2006/main" showMasterSp="0" showMasterPhAnim="0">
+  <p:cSld>
+    <p:spTree>
+      <p:nvGrpSpPr>
+        <p:cNvPr id="1" name="Shape 338"/>
+        <p:cNvGrpSpPr/>
+        <p:nvPr/>
+      </p:nvGrpSpPr>
+      <p:grpSpPr>
+        <a:xfrm>
+          <a:off x="0" y="0"/>
+          <a:ext cx="0" cy="0"/>
+          <a:chOff x="0" y="0"/>
+          <a:chExt cx="0" cy="0"/>
+        </a:xfrm>
+      </p:grpSpPr>
+      <p:sp>
+        <p:nvSpPr>
+          <p:cNvPr id="339" name="Google Shape;339;p14:notes"/>
+          <p:cNvSpPr txBox="1">
+            <a:spLocks noGrp="1"/>
+          </p:cNvSpPr>
+          <p:nvPr>
+            <p:ph type="body" idx="1"/>
+          </p:nvPr>
+        </p:nvSpPr>
+        <p:spPr>
+          <a:xfrm>
+            <a:off x="685800" y="4400550"/>
+            <a:ext cx="5486400" cy="3600450"/>
+          </a:xfrm>
+          <a:prstGeom prst="rect">
+            <a:avLst/>
+          </a:prstGeom>
+        </p:spPr>
+        <p:txBody>
+          <a:bodyPr spcFirstLastPara="1" wrap="square" lIns="91425" tIns="91425" rIns="91425" bIns="91425" anchor="t" anchorCtr="0">
+            <a:noAutofit/>
+          </a:bodyPr>
+          <a:lstStyle/>
+          <a:p>
+            <a:pPr marL="0" lvl="0" indent="0" algn="l" rtl="0">
+              <a:spcBef>
+                <a:spcPts val="0"/>
+              </a:spcBef>
+              <a:spcAft>
+                <a:spcPts val="0"/>
+              </a:spcAft>
+              <a:buNone/>
+            </a:pPr>
+            <a:endParaRPr dirty="0"/>
+          </a:p>
+        </p:txBody>
+      </p:sp>
+      <p:sp>
+        <p:nvSpPr>
+          <p:cNvPr id="340" name="Google Shape;340;p14:notes"/>
+          <p:cNvSpPr>
+            <a:spLocks noGrp="1" noRot="1" noChangeAspect="1"/>
+          </p:cNvSpPr>
+          <p:nvPr>
+            <p:ph type="sldImg" idx="2"/>
+          </p:nvPr>
+        </p:nvSpPr>
+        <p:spPr>
+          <a:xfrm>
+            <a:off x="685800" y="1143000"/>
+            <a:ext cx="5486400" cy="3086100"/>
+          </a:xfrm>
+          <a:custGeom>
+            <a:avLst/>
+            <a:gdLst/>
+            <a:ahLst/>
+            <a:cxnLst/>
+            <a:rect l="l" t="t" r="r" b="b"/>
+            <a:pathLst>
+              <a:path w="120000" h="120000" extrusionOk="0">
+                <a:moveTo>
+                  <a:pt x="0" y="0"/>
+                </a:moveTo>
+                <a:lnTo>
+                  <a:pt x="120000" y="0"/>
+                </a:lnTo>
+                <a:lnTo>
+                  <a:pt x="120000" y="120000"/>
+                </a:lnTo>
+                <a:lnTo>
+                  <a:pt x="0" y="120000"/>
+                </a:lnTo>
+                <a:close/>
+              </a:path>
+            </a:pathLst>
+          </a:custGeom>
+        </p:spPr>
+      </p:sp>
+    </p:spTree>
+    <p:extLst>
+      <p:ext uri="{BB962C8B-B14F-4D97-AF65-F5344CB8AC3E}">
+        <p14:creationId xmlns:p14="http://schemas.microsoft.com/office/powerpoint/2010/main" val="640866187"/>
+      </p:ext>
+    </p:extLst>
+  </p:cSld>
+  <p:clrMapOvr>
+    <a:masterClrMapping/>
+  </p:clrMapOvr>
+</p:notes>
+</file>
+
+<file path=ppt/notesSlides/notesSlide15.xml><?xml version="1.0" encoding="utf-8"?>
+<p:notes xmlns:a="http://schemas.openxmlformats.org/drawingml/2006/main" xmlns:r="http://schemas.openxmlformats.org/officeDocument/2006/relationships" xmlns:p="http://schemas.openxmlformats.org/presentationml/2006/main" showMasterSp="0" showMasterPhAnim="0">
+  <p:cSld>
+    <p:spTree>
+      <p:nvGrpSpPr>
+        <p:cNvPr id="1" name="Shape 338"/>
+        <p:cNvGrpSpPr/>
+        <p:nvPr/>
+      </p:nvGrpSpPr>
+      <p:grpSpPr>
+        <a:xfrm>
+          <a:off x="0" y="0"/>
+          <a:ext cx="0" cy="0"/>
+          <a:chOff x="0" y="0"/>
+          <a:chExt cx="0" cy="0"/>
+        </a:xfrm>
+      </p:grpSpPr>
+      <p:sp>
+        <p:nvSpPr>
+          <p:cNvPr id="339" name="Google Shape;339;p14:notes"/>
+          <p:cNvSpPr txBox="1">
+            <a:spLocks noGrp="1"/>
+          </p:cNvSpPr>
+          <p:nvPr>
+            <p:ph type="body" idx="1"/>
+          </p:nvPr>
+        </p:nvSpPr>
+        <p:spPr>
+          <a:xfrm>
+            <a:off x="685800" y="4400550"/>
+            <a:ext cx="5486400" cy="3600450"/>
+          </a:xfrm>
+          <a:prstGeom prst="rect">
+            <a:avLst/>
+          </a:prstGeom>
+        </p:spPr>
+        <p:txBody>
+          <a:bodyPr spcFirstLastPara="1" wrap="square" lIns="91425" tIns="91425" rIns="91425" bIns="91425" anchor="t" anchorCtr="0">
+            <a:noAutofit/>
+          </a:bodyPr>
+          <a:lstStyle/>
+          <a:p>
+            <a:pPr marL="0" lvl="0" indent="0" algn="l" rtl="0">
+              <a:spcBef>
+                <a:spcPts val="0"/>
+              </a:spcBef>
+              <a:spcAft>
+                <a:spcPts val="0"/>
+              </a:spcAft>
+              <a:buNone/>
+            </a:pPr>
+            <a:endParaRPr dirty="0"/>
+          </a:p>
+        </p:txBody>
+      </p:sp>
+      <p:sp>
+        <p:nvSpPr>
+          <p:cNvPr id="340" name="Google Shape;340;p14:notes"/>
+          <p:cNvSpPr>
+            <a:spLocks noGrp="1" noRot="1" noChangeAspect="1"/>
+          </p:cNvSpPr>
+          <p:nvPr>
+            <p:ph type="sldImg" idx="2"/>
+          </p:nvPr>
+        </p:nvSpPr>
+        <p:spPr>
+          <a:xfrm>
+            <a:off x="685800" y="1143000"/>
+            <a:ext cx="5486400" cy="3086100"/>
+          </a:xfrm>
+          <a:custGeom>
+            <a:avLst/>
+            <a:gdLst/>
+            <a:ahLst/>
+            <a:cxnLst/>
+            <a:rect l="l" t="t" r="r" b="b"/>
+            <a:pathLst>
+              <a:path w="120000" h="120000" extrusionOk="0">
+                <a:moveTo>
+                  <a:pt x="0" y="0"/>
+                </a:moveTo>
+                <a:lnTo>
+                  <a:pt x="120000" y="0"/>
+                </a:lnTo>
+                <a:lnTo>
+                  <a:pt x="120000" y="120000"/>
+                </a:lnTo>
+                <a:lnTo>
+                  <a:pt x="0" y="120000"/>
+                </a:lnTo>
+                <a:close/>
+              </a:path>
+            </a:pathLst>
+          </a:custGeom>
+        </p:spPr>
+      </p:sp>
+    </p:spTree>
+    <p:extLst>
+      <p:ext uri="{BB962C8B-B14F-4D97-AF65-F5344CB8AC3E}">
+        <p14:creationId xmlns:p14="http://schemas.microsoft.com/office/powerpoint/2010/main" val="2749231132"/>
+      </p:ext>
+    </p:extLst>
+  </p:cSld>
+  <p:clrMapOvr>
+    <a:masterClrMapping/>
+  </p:clrMapOvr>
+</p:notes>
+</file>
+
+<file path=ppt/notesSlides/notesSlide16.xml><?xml version="1.0" encoding="utf-8"?>
+<p:notes xmlns:a="http://schemas.openxmlformats.org/drawingml/2006/main" xmlns:r="http://schemas.openxmlformats.org/officeDocument/2006/relationships" xmlns:p="http://schemas.openxmlformats.org/presentationml/2006/main" showMasterSp="0" showMasterPhAnim="0">
+  <p:cSld>
+    <p:spTree>
+      <p:nvGrpSpPr>
+        <p:cNvPr id="1" name="Shape 338"/>
+        <p:cNvGrpSpPr/>
+        <p:nvPr/>
+      </p:nvGrpSpPr>
+      <p:grpSpPr>
+        <a:xfrm>
+          <a:off x="0" y="0"/>
+          <a:ext cx="0" cy="0"/>
+          <a:chOff x="0" y="0"/>
+          <a:chExt cx="0" cy="0"/>
+        </a:xfrm>
+      </p:grpSpPr>
+      <p:sp>
+        <p:nvSpPr>
+          <p:cNvPr id="339" name="Google Shape;339;p14:notes"/>
+          <p:cNvSpPr txBox="1">
+            <a:spLocks noGrp="1"/>
+          </p:cNvSpPr>
+          <p:nvPr>
+            <p:ph type="body" idx="1"/>
+          </p:nvPr>
+        </p:nvSpPr>
+        <p:spPr>
+          <a:xfrm>
+            <a:off x="685800" y="4400550"/>
+            <a:ext cx="5486400" cy="3600450"/>
+          </a:xfrm>
+          <a:prstGeom prst="rect">
+            <a:avLst/>
+          </a:prstGeom>
+        </p:spPr>
+        <p:txBody>
+          <a:bodyPr spcFirstLastPara="1" wrap="square" lIns="91425" tIns="91425" rIns="91425" bIns="91425" anchor="t" anchorCtr="0">
+            <a:noAutofit/>
+          </a:bodyPr>
+          <a:lstStyle/>
+          <a:p>
+            <a:pPr marL="0" lvl="0" indent="0" algn="l" rtl="0">
+              <a:spcBef>
+                <a:spcPts val="0"/>
+              </a:spcBef>
+              <a:spcAft>
+                <a:spcPts val="0"/>
+              </a:spcAft>
+              <a:buNone/>
+            </a:pPr>
+            <a:endParaRPr dirty="0"/>
+          </a:p>
+        </p:txBody>
+      </p:sp>
+      <p:sp>
+        <p:nvSpPr>
+          <p:cNvPr id="340" name="Google Shape;340;p14:notes"/>
+          <p:cNvSpPr>
+            <a:spLocks noGrp="1" noRot="1" noChangeAspect="1"/>
+          </p:cNvSpPr>
+          <p:nvPr>
+            <p:ph type="sldImg" idx="2"/>
+          </p:nvPr>
+        </p:nvSpPr>
+        <p:spPr>
+          <a:xfrm>
+            <a:off x="685800" y="1143000"/>
+            <a:ext cx="5486400" cy="3086100"/>
+          </a:xfrm>
+          <a:custGeom>
+            <a:avLst/>
+            <a:gdLst/>
+            <a:ahLst/>
+            <a:cxnLst/>
+            <a:rect l="l" t="t" r="r" b="b"/>
+            <a:pathLst>
+              <a:path w="120000" h="120000" extrusionOk="0">
+                <a:moveTo>
+                  <a:pt x="0" y="0"/>
+                </a:moveTo>
+                <a:lnTo>
+                  <a:pt x="120000" y="0"/>
+                </a:lnTo>
+                <a:lnTo>
+                  <a:pt x="120000" y="120000"/>
+                </a:lnTo>
+                <a:lnTo>
+                  <a:pt x="0" y="120000"/>
+                </a:lnTo>
+                <a:close/>
+              </a:path>
+            </a:pathLst>
+          </a:custGeom>
+        </p:spPr>
+      </p:sp>
+    </p:spTree>
+    <p:extLst>
+      <p:ext uri="{BB962C8B-B14F-4D97-AF65-F5344CB8AC3E}">
+        <p14:creationId xmlns:p14="http://schemas.microsoft.com/office/powerpoint/2010/main" val="4154270484"/>
+      </p:ext>
+    </p:extLst>
+  </p:cSld>
+  <p:clrMapOvr>
+    <a:masterClrMapping/>
+  </p:clrMapOvr>
+</p:notes>
+</file>
+
+<file path=ppt/notesSlides/notesSlide17.xml><?xml version="1.0" encoding="utf-8"?>
+<p:notes xmlns:a="http://schemas.openxmlformats.org/drawingml/2006/main" xmlns:r="http://schemas.openxmlformats.org/officeDocument/2006/relationships" xmlns:p="http://schemas.openxmlformats.org/presentationml/2006/main" showMasterSp="0" showMasterPhAnim="0">
+  <p:cSld>
+    <p:spTree>
+      <p:nvGrpSpPr>
+        <p:cNvPr id="1" name="Shape 314"/>
+        <p:cNvGrpSpPr/>
+        <p:nvPr/>
+      </p:nvGrpSpPr>
+      <p:grpSpPr>
+        <a:xfrm>
+          <a:off x="0" y="0"/>
+          <a:ext cx="0" cy="0"/>
+          <a:chOff x="0" y="0"/>
+          <a:chExt cx="0" cy="0"/>
+        </a:xfrm>
+      </p:grpSpPr>
+      <p:sp>
+        <p:nvSpPr>
+          <p:cNvPr id="315" name="Google Shape;315;p11:notes"/>
+          <p:cNvSpPr txBox="1">
+            <a:spLocks noGrp="1"/>
+          </p:cNvSpPr>
+          <p:nvPr>
+            <p:ph type="body" idx="1"/>
+          </p:nvPr>
+        </p:nvSpPr>
+        <p:spPr>
+          <a:xfrm>
+            <a:off x="685800" y="4400550"/>
+            <a:ext cx="5486400" cy="3600450"/>
+          </a:xfrm>
+          <a:prstGeom prst="rect">
+            <a:avLst/>
+          </a:prstGeom>
+        </p:spPr>
+        <p:txBody>
+          <a:bodyPr spcFirstLastPara="1" wrap="square" lIns="91425" tIns="91425" rIns="91425" bIns="91425" anchor="t" anchorCtr="0">
+            <a:noAutofit/>
+          </a:bodyPr>
+          <a:lstStyle/>
+          <a:p>
+            <a:pPr marL="0" lvl="0" indent="0" algn="l" rtl="0">
+              <a:spcBef>
+                <a:spcPts val="0"/>
+              </a:spcBef>
+              <a:spcAft>
+                <a:spcPts val="0"/>
+              </a:spcAft>
+              <a:buNone/>
+            </a:pPr>
+            <a:endParaRPr dirty="0"/>
+          </a:p>
+        </p:txBody>
+      </p:sp>
+      <p:sp>
+        <p:nvSpPr>
+          <p:cNvPr id="316" name="Google Shape;316;p11:notes"/>
+          <p:cNvSpPr>
+            <a:spLocks noGrp="1" noRot="1" noChangeAspect="1"/>
+          </p:cNvSpPr>
+          <p:nvPr>
+            <p:ph type="sldImg" idx="2"/>
+          </p:nvPr>
+        </p:nvSpPr>
+        <p:spPr>
+          <a:xfrm>
+            <a:off x="685800" y="1143000"/>
+            <a:ext cx="5486400" cy="3086100"/>
+          </a:xfrm>
+          <a:custGeom>
+            <a:avLst/>
+            <a:gdLst/>
+            <a:ahLst/>
+            <a:cxnLst/>
+            <a:rect l="l" t="t" r="r" b="b"/>
+            <a:pathLst>
+              <a:path w="120000" h="120000" extrusionOk="0">
+                <a:moveTo>
+                  <a:pt x="0" y="0"/>
+                </a:moveTo>
+                <a:lnTo>
+                  <a:pt x="120000" y="0"/>
+                </a:lnTo>
+                <a:lnTo>
+                  <a:pt x="120000" y="120000"/>
+                </a:lnTo>
+                <a:lnTo>
+                  <a:pt x="0" y="120000"/>
+                </a:lnTo>
+                <a:close/>
+              </a:path>
+            </a:pathLst>
+          </a:custGeom>
+        </p:spPr>
+      </p:sp>
+    </p:spTree>
+    <p:extLst>
+      <p:ext uri="{BB962C8B-B14F-4D97-AF65-F5344CB8AC3E}">
+        <p14:creationId xmlns:p14="http://schemas.microsoft.com/office/powerpoint/2010/main" val="349026281"/>
+      </p:ext>
+    </p:extLst>
+  </p:cSld>
+  <p:clrMapOvr>
+    <a:masterClrMapping/>
+  </p:clrMapOvr>
+</p:notes>
+</file>
+
+<file path=ppt/notesSlides/notesSlide18.xml><?xml version="1.0" encoding="utf-8"?>
+<p:notes xmlns:a="http://schemas.openxmlformats.org/drawingml/2006/main" xmlns:r="http://schemas.openxmlformats.org/officeDocument/2006/relationships" xmlns:p="http://schemas.openxmlformats.org/presentationml/2006/main" showMasterSp="0" showMasterPhAnim="0">
+  <p:cSld>
+    <p:spTree>
+      <p:nvGrpSpPr>
+        <p:cNvPr id="1" name="Shape 322"/>
+        <p:cNvGrpSpPr/>
+        <p:nvPr/>
+      </p:nvGrpSpPr>
+      <p:grpSpPr>
+        <a:xfrm>
+          <a:off x="0" y="0"/>
+          <a:ext cx="0" cy="0"/>
+          <a:chOff x="0" y="0"/>
+          <a:chExt cx="0" cy="0"/>
+        </a:xfrm>
+      </p:grpSpPr>
+      <p:sp>
+        <p:nvSpPr>
+          <p:cNvPr id="323" name="Google Shape;323;p12:notes"/>
+          <p:cNvSpPr txBox="1">
+            <a:spLocks noGrp="1"/>
+          </p:cNvSpPr>
+          <p:nvPr>
+            <p:ph type="body" idx="1"/>
+          </p:nvPr>
+        </p:nvSpPr>
+        <p:spPr>
+          <a:xfrm>
+            <a:off x="685800" y="4400550"/>
+            <a:ext cx="5486400" cy="3600450"/>
+          </a:xfrm>
+          <a:prstGeom prst="rect">
+            <a:avLst/>
+          </a:prstGeom>
+        </p:spPr>
+        <p:txBody>
+          <a:bodyPr spcFirstLastPara="1" wrap="square" lIns="91425" tIns="91425" rIns="91425" bIns="91425" anchor="t" anchorCtr="0">
+            <a:noAutofit/>
+          </a:bodyPr>
+          <a:lstStyle/>
+          <a:p>
+            <a:pPr marL="0" lvl="0" indent="0" algn="l" rtl="0">
+              <a:spcBef>
+                <a:spcPts val="0"/>
+              </a:spcBef>
+              <a:spcAft>
+                <a:spcPts val="0"/>
+              </a:spcAft>
+              <a:buNone/>
+            </a:pPr>
+            <a:endParaRPr dirty="0"/>
+          </a:p>
+        </p:txBody>
+      </p:sp>
+      <p:sp>
+        <p:nvSpPr>
+          <p:cNvPr id="324" name="Google Shape;324;p12:notes"/>
+          <p:cNvSpPr>
+            <a:spLocks noGrp="1" noRot="1" noChangeAspect="1"/>
+          </p:cNvSpPr>
+          <p:nvPr>
+            <p:ph type="sldImg" idx="2"/>
+          </p:nvPr>
+        </p:nvSpPr>
+        <p:spPr>
+          <a:xfrm>
+            <a:off x="685800" y="1143000"/>
+            <a:ext cx="5486400" cy="3086100"/>
+          </a:xfrm>
+          <a:custGeom>
+            <a:avLst/>
+            <a:gdLst/>
+            <a:ahLst/>
+            <a:cxnLst/>
+            <a:rect l="l" t="t" r="r" b="b"/>
+            <a:pathLst>
+              <a:path w="120000" h="120000" extrusionOk="0">
+                <a:moveTo>
+                  <a:pt x="0" y="0"/>
+                </a:moveTo>
+                <a:lnTo>
+                  <a:pt x="120000" y="0"/>
+                </a:lnTo>
+                <a:lnTo>
+                  <a:pt x="120000" y="120000"/>
+                </a:lnTo>
+                <a:lnTo>
+                  <a:pt x="0" y="120000"/>
+                </a:lnTo>
+                <a:close/>
+              </a:path>
+            </a:pathLst>
+          </a:custGeom>
+        </p:spPr>
+      </p:sp>
+    </p:spTree>
+    <p:extLst>
+      <p:ext uri="{BB962C8B-B14F-4D97-AF65-F5344CB8AC3E}">
+        <p14:creationId xmlns:p14="http://schemas.microsoft.com/office/powerpoint/2010/main" val="913745015"/>
+      </p:ext>
+    </p:extLst>
+  </p:cSld>
+  <p:clrMapOvr>
+    <a:masterClrMapping/>
+  </p:clrMapOvr>
+</p:notes>
+</file>
+
+<file path=ppt/notesSlides/notesSlide19.xml><?xml version="1.0" encoding="utf-8"?>
+<p:notes xmlns:a="http://schemas.openxmlformats.org/drawingml/2006/main" xmlns:r="http://schemas.openxmlformats.org/officeDocument/2006/relationships" xmlns:p="http://schemas.openxmlformats.org/presentationml/2006/main" showMasterSp="0" showMasterPhAnim="0">
+  <p:cSld>
+    <p:spTree>
+      <p:nvGrpSpPr>
+        <p:cNvPr id="1" name="Shape 322"/>
+        <p:cNvGrpSpPr/>
+        <p:nvPr/>
+      </p:nvGrpSpPr>
+      <p:grpSpPr>
+        <a:xfrm>
+          <a:off x="0" y="0"/>
+          <a:ext cx="0" cy="0"/>
+          <a:chOff x="0" y="0"/>
+          <a:chExt cx="0" cy="0"/>
+        </a:xfrm>
+      </p:grpSpPr>
+      <p:sp>
+        <p:nvSpPr>
+          <p:cNvPr id="323" name="Google Shape;323;p12:notes"/>
+          <p:cNvSpPr txBox="1">
+            <a:spLocks noGrp="1"/>
+          </p:cNvSpPr>
+          <p:nvPr>
+            <p:ph type="body" idx="1"/>
+          </p:nvPr>
+        </p:nvSpPr>
+        <p:spPr>
+          <a:xfrm>
+            <a:off x="685800" y="4400550"/>
+            <a:ext cx="5486400" cy="3600450"/>
+          </a:xfrm>
+          <a:prstGeom prst="rect">
+            <a:avLst/>
+          </a:prstGeom>
+        </p:spPr>
+        <p:txBody>
+          <a:bodyPr spcFirstLastPara="1" wrap="square" lIns="91425" tIns="91425" rIns="91425" bIns="91425" anchor="t" anchorCtr="0">
+            <a:noAutofit/>
+          </a:bodyPr>
+          <a:lstStyle/>
+          <a:p>
+            <a:pPr marL="0" lvl="0" indent="0" algn="l" rtl="0">
+              <a:spcBef>
+                <a:spcPts val="0"/>
+              </a:spcBef>
+              <a:spcAft>
+                <a:spcPts val="0"/>
+              </a:spcAft>
+              <a:buNone/>
+            </a:pPr>
+            <a:endParaRPr dirty="0"/>
+          </a:p>
+        </p:txBody>
+      </p:sp>
+      <p:sp>
+        <p:nvSpPr>
+          <p:cNvPr id="324" name="Google Shape;324;p12:notes"/>
+          <p:cNvSpPr>
+            <a:spLocks noGrp="1" noRot="1" noChangeAspect="1"/>
+          </p:cNvSpPr>
+          <p:nvPr>
+            <p:ph type="sldImg" idx="2"/>
+          </p:nvPr>
+        </p:nvSpPr>
+        <p:spPr>
+          <a:xfrm>
+            <a:off x="685800" y="1143000"/>
+            <a:ext cx="5486400" cy="3086100"/>
+          </a:xfrm>
+          <a:custGeom>
+            <a:avLst/>
+            <a:gdLst/>
+            <a:ahLst/>
+            <a:cxnLst/>
+            <a:rect l="l" t="t" r="r" b="b"/>
+            <a:pathLst>
+              <a:path w="120000" h="120000" extrusionOk="0">
+                <a:moveTo>
+                  <a:pt x="0" y="0"/>
+                </a:moveTo>
+                <a:lnTo>
+                  <a:pt x="120000" y="0"/>
+                </a:lnTo>
+                <a:lnTo>
+                  <a:pt x="120000" y="120000"/>
+                </a:lnTo>
+                <a:lnTo>
+                  <a:pt x="0" y="120000"/>
+                </a:lnTo>
+                <a:close/>
+              </a:path>
+            </a:pathLst>
+          </a:custGeom>
+        </p:spPr>
+      </p:sp>
+    </p:spTree>
+    <p:extLst>
+      <p:ext uri="{BB962C8B-B14F-4D97-AF65-F5344CB8AC3E}">
+        <p14:creationId xmlns:p14="http://schemas.microsoft.com/office/powerpoint/2010/main" val="1190270309"/>
       </p:ext>
     </p:extLst>
   </p:cSld>
@@ -811,6 +1804,333 @@
     <p:extLst>
       <p:ext uri="{BB962C8B-B14F-4D97-AF65-F5344CB8AC3E}">
         <p14:creationId xmlns:p14="http://schemas.microsoft.com/office/powerpoint/2010/main" val="539336662"/>
+      </p:ext>
+    </p:extLst>
+  </p:cSld>
+  <p:clrMapOvr>
+    <a:masterClrMapping/>
+  </p:clrMapOvr>
+</p:notes>
+</file>
+
+<file path=ppt/notesSlides/notesSlide20.xml><?xml version="1.0" encoding="utf-8"?>
+<p:notes xmlns:a="http://schemas.openxmlformats.org/drawingml/2006/main" xmlns:r="http://schemas.openxmlformats.org/officeDocument/2006/relationships" xmlns:p="http://schemas.openxmlformats.org/presentationml/2006/main" showMasterSp="0" showMasterPhAnim="0">
+  <p:cSld>
+    <p:spTree>
+      <p:nvGrpSpPr>
+        <p:cNvPr id="1" name="Shape 322"/>
+        <p:cNvGrpSpPr/>
+        <p:nvPr/>
+      </p:nvGrpSpPr>
+      <p:grpSpPr>
+        <a:xfrm>
+          <a:off x="0" y="0"/>
+          <a:ext cx="0" cy="0"/>
+          <a:chOff x="0" y="0"/>
+          <a:chExt cx="0" cy="0"/>
+        </a:xfrm>
+      </p:grpSpPr>
+      <p:sp>
+        <p:nvSpPr>
+          <p:cNvPr id="323" name="Google Shape;323;p12:notes"/>
+          <p:cNvSpPr txBox="1">
+            <a:spLocks noGrp="1"/>
+          </p:cNvSpPr>
+          <p:nvPr>
+            <p:ph type="body" idx="1"/>
+          </p:nvPr>
+        </p:nvSpPr>
+        <p:spPr>
+          <a:xfrm>
+            <a:off x="685800" y="4400550"/>
+            <a:ext cx="5486400" cy="3600450"/>
+          </a:xfrm>
+          <a:prstGeom prst="rect">
+            <a:avLst/>
+          </a:prstGeom>
+        </p:spPr>
+        <p:txBody>
+          <a:bodyPr spcFirstLastPara="1" wrap="square" lIns="91425" tIns="91425" rIns="91425" bIns="91425" anchor="t" anchorCtr="0">
+            <a:noAutofit/>
+          </a:bodyPr>
+          <a:lstStyle/>
+          <a:p>
+            <a:pPr marL="0" lvl="0" indent="0" algn="l" rtl="0">
+              <a:spcBef>
+                <a:spcPts val="0"/>
+              </a:spcBef>
+              <a:spcAft>
+                <a:spcPts val="0"/>
+              </a:spcAft>
+              <a:buNone/>
+            </a:pPr>
+            <a:endParaRPr dirty="0"/>
+          </a:p>
+        </p:txBody>
+      </p:sp>
+      <p:sp>
+        <p:nvSpPr>
+          <p:cNvPr id="324" name="Google Shape;324;p12:notes"/>
+          <p:cNvSpPr>
+            <a:spLocks noGrp="1" noRot="1" noChangeAspect="1"/>
+          </p:cNvSpPr>
+          <p:nvPr>
+            <p:ph type="sldImg" idx="2"/>
+          </p:nvPr>
+        </p:nvSpPr>
+        <p:spPr>
+          <a:xfrm>
+            <a:off x="685800" y="1143000"/>
+            <a:ext cx="5486400" cy="3086100"/>
+          </a:xfrm>
+          <a:custGeom>
+            <a:avLst/>
+            <a:gdLst/>
+            <a:ahLst/>
+            <a:cxnLst/>
+            <a:rect l="l" t="t" r="r" b="b"/>
+            <a:pathLst>
+              <a:path w="120000" h="120000" extrusionOk="0">
+                <a:moveTo>
+                  <a:pt x="0" y="0"/>
+                </a:moveTo>
+                <a:lnTo>
+                  <a:pt x="120000" y="0"/>
+                </a:lnTo>
+                <a:lnTo>
+                  <a:pt x="120000" y="120000"/>
+                </a:lnTo>
+                <a:lnTo>
+                  <a:pt x="0" y="120000"/>
+                </a:lnTo>
+                <a:close/>
+              </a:path>
+            </a:pathLst>
+          </a:custGeom>
+        </p:spPr>
+      </p:sp>
+    </p:spTree>
+    <p:extLst>
+      <p:ext uri="{BB962C8B-B14F-4D97-AF65-F5344CB8AC3E}">
+        <p14:creationId xmlns:p14="http://schemas.microsoft.com/office/powerpoint/2010/main" val="1143370864"/>
+      </p:ext>
+    </p:extLst>
+  </p:cSld>
+  <p:clrMapOvr>
+    <a:masterClrMapping/>
+  </p:clrMapOvr>
+</p:notes>
+</file>
+
+<file path=ppt/notesSlides/notesSlide21.xml><?xml version="1.0" encoding="utf-8"?>
+<p:notes xmlns:a="http://schemas.openxmlformats.org/drawingml/2006/main" xmlns:r="http://schemas.openxmlformats.org/officeDocument/2006/relationships" xmlns:p="http://schemas.openxmlformats.org/presentationml/2006/main" showMasterSp="0" showMasterPhAnim="0">
+  <p:cSld>
+    <p:spTree>
+      <p:nvGrpSpPr>
+        <p:cNvPr id="1" name="Shape 322"/>
+        <p:cNvGrpSpPr/>
+        <p:nvPr/>
+      </p:nvGrpSpPr>
+      <p:grpSpPr>
+        <a:xfrm>
+          <a:off x="0" y="0"/>
+          <a:ext cx="0" cy="0"/>
+          <a:chOff x="0" y="0"/>
+          <a:chExt cx="0" cy="0"/>
+        </a:xfrm>
+      </p:grpSpPr>
+      <p:sp>
+        <p:nvSpPr>
+          <p:cNvPr id="323" name="Google Shape;323;p12:notes"/>
+          <p:cNvSpPr txBox="1">
+            <a:spLocks noGrp="1"/>
+          </p:cNvSpPr>
+          <p:nvPr>
+            <p:ph type="body" idx="1"/>
+          </p:nvPr>
+        </p:nvSpPr>
+        <p:spPr>
+          <a:xfrm>
+            <a:off x="685800" y="4400550"/>
+            <a:ext cx="5486400" cy="3600450"/>
+          </a:xfrm>
+          <a:prstGeom prst="rect">
+            <a:avLst/>
+          </a:prstGeom>
+        </p:spPr>
+        <p:txBody>
+          <a:bodyPr spcFirstLastPara="1" wrap="square" lIns="91425" tIns="91425" rIns="91425" bIns="91425" anchor="t" anchorCtr="0">
+            <a:noAutofit/>
+          </a:bodyPr>
+          <a:lstStyle/>
+          <a:p>
+            <a:pPr marL="0" lvl="0" indent="0" algn="l" rtl="0">
+              <a:spcBef>
+                <a:spcPts val="0"/>
+              </a:spcBef>
+              <a:spcAft>
+                <a:spcPts val="0"/>
+              </a:spcAft>
+              <a:buNone/>
+            </a:pPr>
+            <a:endParaRPr dirty="0"/>
+          </a:p>
+        </p:txBody>
+      </p:sp>
+      <p:sp>
+        <p:nvSpPr>
+          <p:cNvPr id="324" name="Google Shape;324;p12:notes"/>
+          <p:cNvSpPr>
+            <a:spLocks noGrp="1" noRot="1" noChangeAspect="1"/>
+          </p:cNvSpPr>
+          <p:nvPr>
+            <p:ph type="sldImg" idx="2"/>
+          </p:nvPr>
+        </p:nvSpPr>
+        <p:spPr>
+          <a:xfrm>
+            <a:off x="685800" y="1143000"/>
+            <a:ext cx="5486400" cy="3086100"/>
+          </a:xfrm>
+          <a:custGeom>
+            <a:avLst/>
+            <a:gdLst/>
+            <a:ahLst/>
+            <a:cxnLst/>
+            <a:rect l="l" t="t" r="r" b="b"/>
+            <a:pathLst>
+              <a:path w="120000" h="120000" extrusionOk="0">
+                <a:moveTo>
+                  <a:pt x="0" y="0"/>
+                </a:moveTo>
+                <a:lnTo>
+                  <a:pt x="120000" y="0"/>
+                </a:lnTo>
+                <a:lnTo>
+                  <a:pt x="120000" y="120000"/>
+                </a:lnTo>
+                <a:lnTo>
+                  <a:pt x="0" y="120000"/>
+                </a:lnTo>
+                <a:close/>
+              </a:path>
+            </a:pathLst>
+          </a:custGeom>
+        </p:spPr>
+      </p:sp>
+    </p:spTree>
+    <p:extLst>
+      <p:ext uri="{BB962C8B-B14F-4D97-AF65-F5344CB8AC3E}">
+        <p14:creationId xmlns:p14="http://schemas.microsoft.com/office/powerpoint/2010/main" val="1971616926"/>
+      </p:ext>
+    </p:extLst>
+  </p:cSld>
+  <p:clrMapOvr>
+    <a:masterClrMapping/>
+  </p:clrMapOvr>
+</p:notes>
+</file>
+
+<file path=ppt/notesSlides/notesSlide22.xml><?xml version="1.0" encoding="utf-8"?>
+<p:notes xmlns:a="http://schemas.openxmlformats.org/drawingml/2006/main" xmlns:r="http://schemas.openxmlformats.org/officeDocument/2006/relationships" xmlns:p="http://schemas.openxmlformats.org/presentationml/2006/main" showMasterSp="0" showMasterPhAnim="0">
+  <p:cSld>
+    <p:spTree>
+      <p:nvGrpSpPr>
+        <p:cNvPr id="1" name="Shape 290"/>
+        <p:cNvGrpSpPr/>
+        <p:nvPr/>
+      </p:nvGrpSpPr>
+      <p:grpSpPr>
+        <a:xfrm>
+          <a:off x="0" y="0"/>
+          <a:ext cx="0" cy="0"/>
+          <a:chOff x="0" y="0"/>
+          <a:chExt cx="0" cy="0"/>
+        </a:xfrm>
+      </p:grpSpPr>
+      <p:sp>
+        <p:nvSpPr>
+          <p:cNvPr id="291" name="Google Shape;291;p8:notes"/>
+          <p:cNvSpPr txBox="1">
+            <a:spLocks noGrp="1"/>
+          </p:cNvSpPr>
+          <p:nvPr>
+            <p:ph type="body" idx="1"/>
+          </p:nvPr>
+        </p:nvSpPr>
+        <p:spPr>
+          <a:xfrm>
+            <a:off x="685800" y="4400550"/>
+            <a:ext cx="5486400" cy="3600450"/>
+          </a:xfrm>
+          <a:prstGeom prst="rect">
+            <a:avLst/>
+          </a:prstGeom>
+        </p:spPr>
+        <p:txBody>
+          <a:bodyPr spcFirstLastPara="1" wrap="square" lIns="91425" tIns="91425" rIns="91425" bIns="91425" anchor="t" anchorCtr="0">
+            <a:noAutofit/>
+          </a:bodyPr>
+          <a:lstStyle/>
+          <a:p>
+            <a:pPr marL="0" lvl="0" indent="0" algn="l" rtl="0">
+              <a:spcBef>
+                <a:spcPts val="0"/>
+              </a:spcBef>
+              <a:spcAft>
+                <a:spcPts val="0"/>
+              </a:spcAft>
+              <a:buNone/>
+            </a:pPr>
+            <a:endParaRPr dirty="0"/>
+          </a:p>
+        </p:txBody>
+      </p:sp>
+      <p:sp>
+        <p:nvSpPr>
+          <p:cNvPr id="292" name="Google Shape;292;p8:notes"/>
+          <p:cNvSpPr>
+            <a:spLocks noGrp="1" noRot="1" noChangeAspect="1"/>
+          </p:cNvSpPr>
+          <p:nvPr>
+            <p:ph type="sldImg" idx="2"/>
+          </p:nvPr>
+        </p:nvSpPr>
+        <p:spPr>
+          <a:xfrm>
+            <a:off x="685800" y="1143000"/>
+            <a:ext cx="5486400" cy="3086100"/>
+          </a:xfrm>
+          <a:custGeom>
+            <a:avLst/>
+            <a:gdLst/>
+            <a:ahLst/>
+            <a:cxnLst/>
+            <a:rect l="l" t="t" r="r" b="b"/>
+            <a:pathLst>
+              <a:path w="120000" h="120000" extrusionOk="0">
+                <a:moveTo>
+                  <a:pt x="0" y="0"/>
+                </a:moveTo>
+                <a:lnTo>
+                  <a:pt x="120000" y="0"/>
+                </a:lnTo>
+                <a:lnTo>
+                  <a:pt x="120000" y="120000"/>
+                </a:lnTo>
+                <a:lnTo>
+                  <a:pt x="0" y="120000"/>
+                </a:lnTo>
+                <a:close/>
+              </a:path>
+            </a:pathLst>
+          </a:custGeom>
+        </p:spPr>
+      </p:sp>
+    </p:spTree>
+    <p:extLst>
+      <p:ext uri="{BB962C8B-B14F-4D97-AF65-F5344CB8AC3E}">
+        <p14:creationId xmlns:p14="http://schemas.microsoft.com/office/powerpoint/2010/main" val="2566144751"/>
       </p:ext>
     </p:extLst>
   </p:cSld>
@@ -1370,7 +2690,7 @@
   <p:cSld>
     <p:spTree>
       <p:nvGrpSpPr>
-        <p:cNvPr id="1" name="Shape 322"/>
+        <p:cNvPr id="1" name="Shape 314"/>
         <p:cNvGrpSpPr/>
         <p:nvPr/>
       </p:nvGrpSpPr>
@@ -1384,7 +2704,7 @@
       </p:grpSpPr>
       <p:sp>
         <p:nvSpPr>
-          <p:cNvPr id="323" name="Google Shape;323;p12:notes"/>
+          <p:cNvPr id="315" name="Google Shape;315;p11:notes"/>
           <p:cNvSpPr txBox="1">
             <a:spLocks noGrp="1"/>
           </p:cNvSpPr>
@@ -1422,7 +2742,7 @@
       </p:sp>
       <p:sp>
         <p:nvSpPr>
-          <p:cNvPr id="324" name="Google Shape;324;p12:notes"/>
+          <p:cNvPr id="316" name="Google Shape;316;p11:notes"/>
           <p:cNvSpPr>
             <a:spLocks noGrp="1" noRot="1" noChangeAspect="1"/>
           </p:cNvSpPr>
@@ -1464,7 +2784,7 @@
     </p:spTree>
     <p:extLst>
       <p:ext uri="{BB962C8B-B14F-4D97-AF65-F5344CB8AC3E}">
-        <p14:creationId xmlns:p14="http://schemas.microsoft.com/office/powerpoint/2010/main" val="913745015"/>
+        <p14:creationId xmlns:p14="http://schemas.microsoft.com/office/powerpoint/2010/main" val="3607002152"/>
       </p:ext>
     </p:extLst>
   </p:cSld>
@@ -1479,7 +2799,7 @@
   <p:cSld>
     <p:spTree>
       <p:nvGrpSpPr>
-        <p:cNvPr id="1" name="Shape 338"/>
+        <p:cNvPr id="1" name="Shape 314"/>
         <p:cNvGrpSpPr/>
         <p:nvPr/>
       </p:nvGrpSpPr>
@@ -1493,7 +2813,7 @@
       </p:grpSpPr>
       <p:sp>
         <p:nvSpPr>
-          <p:cNvPr id="339" name="Google Shape;339;p14:notes"/>
+          <p:cNvPr id="315" name="Google Shape;315;p11:notes"/>
           <p:cNvSpPr txBox="1">
             <a:spLocks noGrp="1"/>
           </p:cNvSpPr>
@@ -1531,7 +2851,7 @@
       </p:sp>
       <p:sp>
         <p:nvSpPr>
-          <p:cNvPr id="340" name="Google Shape;340;p14:notes"/>
+          <p:cNvPr id="316" name="Google Shape;316;p11:notes"/>
           <p:cNvSpPr>
             <a:spLocks noGrp="1" noRot="1" noChangeAspect="1"/>
           </p:cNvSpPr>
@@ -1573,7 +2893,7 @@
     </p:spTree>
     <p:extLst>
       <p:ext uri="{BB962C8B-B14F-4D97-AF65-F5344CB8AC3E}">
-        <p14:creationId xmlns:p14="http://schemas.microsoft.com/office/powerpoint/2010/main" val="4154270484"/>
+        <p14:creationId xmlns:p14="http://schemas.microsoft.com/office/powerpoint/2010/main" val="1795151695"/>
       </p:ext>
     </p:extLst>
   </p:cSld>
@@ -1732,7 +3052,7 @@
           <a:p>
             <a:fld id="{034A2FF2-27FD-6D47-BD6E-BB4F6E0B6DFB}" type="datetimeFigureOut">
               <a:rPr lang="en-PT" smtClean="0"/>
-              <a:t>03/11/2024</a:t>
+              <a:t>06/23/2024</a:t>
             </a:fld>
             <a:endParaRPr lang="en-PT"/>
           </a:p>
@@ -1932,7 +3252,7 @@
           <a:p>
             <a:fld id="{034A2FF2-27FD-6D47-BD6E-BB4F6E0B6DFB}" type="datetimeFigureOut">
               <a:rPr lang="en-PT" smtClean="0"/>
-              <a:t>03/11/2024</a:t>
+              <a:t>06/23/2024</a:t>
             </a:fld>
             <a:endParaRPr lang="en-PT"/>
           </a:p>
@@ -2142,7 +3462,7 @@
           <a:p>
             <a:fld id="{034A2FF2-27FD-6D47-BD6E-BB4F6E0B6DFB}" type="datetimeFigureOut">
               <a:rPr lang="en-PT" smtClean="0"/>
-              <a:t>03/11/2024</a:t>
+              <a:t>06/23/2024</a:t>
             </a:fld>
             <a:endParaRPr lang="en-PT"/>
           </a:p>
@@ -2342,7 +3662,7 @@
           <a:p>
             <a:fld id="{034A2FF2-27FD-6D47-BD6E-BB4F6E0B6DFB}" type="datetimeFigureOut">
               <a:rPr lang="en-PT" smtClean="0"/>
-              <a:t>03/11/2024</a:t>
+              <a:t>06/23/2024</a:t>
             </a:fld>
             <a:endParaRPr lang="en-PT"/>
           </a:p>
@@ -2618,7 +3938,7 @@
           <a:p>
             <a:fld id="{034A2FF2-27FD-6D47-BD6E-BB4F6E0B6DFB}" type="datetimeFigureOut">
               <a:rPr lang="en-PT" smtClean="0"/>
-              <a:t>03/11/2024</a:t>
+              <a:t>06/23/2024</a:t>
             </a:fld>
             <a:endParaRPr lang="en-PT"/>
           </a:p>
@@ -2886,7 +4206,7 @@
           <a:p>
             <a:fld id="{034A2FF2-27FD-6D47-BD6E-BB4F6E0B6DFB}" type="datetimeFigureOut">
               <a:rPr lang="en-PT" smtClean="0"/>
-              <a:t>03/11/2024</a:t>
+              <a:t>06/23/2024</a:t>
             </a:fld>
             <a:endParaRPr lang="en-PT"/>
           </a:p>
@@ -3301,7 +4621,7 @@
           <a:p>
             <a:fld id="{034A2FF2-27FD-6D47-BD6E-BB4F6E0B6DFB}" type="datetimeFigureOut">
               <a:rPr lang="en-PT" smtClean="0"/>
-              <a:t>03/11/2024</a:t>
+              <a:t>06/23/2024</a:t>
             </a:fld>
             <a:endParaRPr lang="en-PT"/>
           </a:p>
@@ -3443,7 +4763,7 @@
           <a:p>
             <a:fld id="{034A2FF2-27FD-6D47-BD6E-BB4F6E0B6DFB}" type="datetimeFigureOut">
               <a:rPr lang="en-PT" smtClean="0"/>
-              <a:t>03/11/2024</a:t>
+              <a:t>06/23/2024</a:t>
             </a:fld>
             <a:endParaRPr lang="en-PT"/>
           </a:p>
@@ -3556,7 +4876,7 @@
           <a:p>
             <a:fld id="{034A2FF2-27FD-6D47-BD6E-BB4F6E0B6DFB}" type="datetimeFigureOut">
               <a:rPr lang="en-PT" smtClean="0"/>
-              <a:t>03/11/2024</a:t>
+              <a:t>06/23/2024</a:t>
             </a:fld>
             <a:endParaRPr lang="en-PT"/>
           </a:p>
@@ -3869,7 +5189,7 @@
           <a:p>
             <a:fld id="{034A2FF2-27FD-6D47-BD6E-BB4F6E0B6DFB}" type="datetimeFigureOut">
               <a:rPr lang="en-PT" smtClean="0"/>
-              <a:t>03/11/2024</a:t>
+              <a:t>06/23/2024</a:t>
             </a:fld>
             <a:endParaRPr lang="en-PT"/>
           </a:p>
@@ -4158,7 +5478,7 @@
           <a:p>
             <a:fld id="{034A2FF2-27FD-6D47-BD6E-BB4F6E0B6DFB}" type="datetimeFigureOut">
               <a:rPr lang="en-PT" smtClean="0"/>
-              <a:t>03/11/2024</a:t>
+              <a:t>06/23/2024</a:t>
             </a:fld>
             <a:endParaRPr lang="en-PT"/>
           </a:p>
@@ -4401,7 +5721,7 @@
           <a:p>
             <a:fld id="{034A2FF2-27FD-6D47-BD6E-BB4F6E0B6DFB}" type="datetimeFigureOut">
               <a:rPr lang="en-PT" smtClean="0"/>
-              <a:t>03/11/2024</a:t>
+              <a:t>06/23/2024</a:t>
             </a:fld>
             <a:endParaRPr lang="en-PT"/>
           </a:p>
@@ -4910,17 +6230,7 @@
                 <a:latin typeface="Gill Sans MT"/>
                 <a:sym typeface="Arial"/>
               </a:rPr>
-              <a:t>MEI – Ambient intelligence                                10-</a:t>
-            </a:r>
-            <a:r>
-              <a:rPr lang="en-US" sz="1400" dirty="0" smtClean="0">
-                <a:solidFill>
-                  <a:srgbClr val="4D4D4D"/>
-                </a:solidFill>
-                <a:latin typeface="Gill Sans MT"/>
-                <a:sym typeface="Arial"/>
-              </a:rPr>
-              <a:t>03-2024</a:t>
+              <a:t>MEI – Ambient intelligence                                10-03-2024</a:t>
             </a:r>
             <a:endParaRPr sz="1400" dirty="0">
               <a:latin typeface="Gill Sans MT" panose="020B0502020104020203" pitchFamily="34" charset="77"/>
@@ -4970,23 +6280,8 @@
               <a:buSzPts val="7200"/>
             </a:pPr>
             <a:r>
-              <a:rPr lang="pt-PT" b="1" dirty="0" smtClean="0"/>
-              <a:t>Desenvolvimento </a:t>
-            </a:r>
-            <a:r>
               <a:rPr lang="pt-PT" b="1" dirty="0"/>
-              <a:t>de uma Progressive Web App (PWA) para Turismo em Coimbra</a:t>
-            </a:r>
-            <a:r>
-              <a:rPr lang="en-US" sz="5062" dirty="0">
-                <a:solidFill>
-                  <a:schemeClr val="dk1"/>
-                </a:solidFill>
-                <a:latin typeface="Gill Sans MT" panose="020B0502020104020203" pitchFamily="34" charset="77"/>
-                <a:ea typeface="Arial"/>
-                <a:sym typeface="Arial"/>
-              </a:rPr>
-              <a:t/>
+              <a:t>Desenvolvimento de uma Progressive Web App (PWA) para Turismo em Coimbra</a:t>
             </a:r>
             <a:br>
               <a:rPr lang="en-US" sz="5062" dirty="0">
@@ -5139,18 +6434,7 @@
                 <a:ea typeface="Arial"/>
                 <a:sym typeface="Arial"/>
               </a:rPr>
-              <a:t> </a:t>
-            </a:r>
-            <a:r>
-              <a:rPr lang="en-US" sz="3600" dirty="0" smtClean="0">
-                <a:solidFill>
-                  <a:schemeClr val="dk1"/>
-                </a:solidFill>
-                <a:latin typeface="Gill Sans MT" panose="020B0502020104020203" pitchFamily="34" charset="77"/>
-                <a:ea typeface="Arial"/>
-                <a:sym typeface="Arial"/>
-              </a:rPr>
-              <a:t>Lourenço Carlos</a:t>
+              <a:t> Lourenço Carlos</a:t>
             </a:r>
             <a:endParaRPr sz="3600" dirty="0">
               <a:latin typeface="Gill Sans MT" panose="020B0502020104020203" pitchFamily="34" charset="77"/>
@@ -5243,13 +6527,6 @@
   <p:transition spd="slow">
     <p:fade thruBlk="1"/>
   </p:transition>
-  <p:timing>
-    <p:tnLst>
-      <p:par>
-        <p:cTn id="1" dur="indefinite" restart="never" nodeType="tmRoot"/>
-      </p:par>
-    </p:tnLst>
-  </p:timing>
 </p:sld>
 </file>
 
@@ -5258,7 +6535,7 @@
   <p:cSld>
     <p:spTree>
       <p:nvGrpSpPr>
-        <p:cNvPr id="1" name="Shape 349"/>
+        <p:cNvPr id="1" name="Shape 317"/>
         <p:cNvGrpSpPr/>
         <p:nvPr/>
       </p:nvGrpSpPr>
@@ -5272,14 +6549,14 @@
       </p:grpSpPr>
       <p:sp>
         <p:nvSpPr>
-          <p:cNvPr id="350" name="Google Shape;350;p71"/>
+          <p:cNvPr id="318" name="Google Shape;318;p67"/>
           <p:cNvSpPr txBox="1"/>
           <p:nvPr/>
         </p:nvSpPr>
         <p:spPr>
           <a:xfrm>
-            <a:off x="9929067" y="312539"/>
-            <a:ext cx="315599" cy="241102"/>
+            <a:off x="9929068" y="312539"/>
+            <a:ext cx="235520" cy="241102"/>
           </a:xfrm>
           <a:prstGeom prst="rect">
             <a:avLst/>
@@ -5325,7 +6602,7 @@
       </p:sp>
       <p:sp>
         <p:nvSpPr>
-          <p:cNvPr id="351" name="Google Shape;351;p71"/>
+          <p:cNvPr id="319" name="Google Shape;319;p67"/>
           <p:cNvSpPr txBox="1">
             <a:spLocks noGrp="1"/>
           </p:cNvSpPr>
@@ -5336,7 +6613,2132 @@
         <p:spPr>
           <a:xfrm>
             <a:off x="913859" y="723305"/>
-            <a:ext cx="10599268" cy="812602"/>
+            <a:ext cx="8036719" cy="812602"/>
+          </a:xfrm>
+          <a:prstGeom prst="rect">
+            <a:avLst/>
+          </a:prstGeom>
+          <a:noFill/>
+          <a:ln>
+            <a:noFill/>
+          </a:ln>
+        </p:spPr>
+        <p:txBody>
+          <a:bodyPr spcFirstLastPara="1" vert="horz" wrap="square" lIns="0" tIns="0" rIns="0" bIns="0" rtlCol="0" anchor="t" anchorCtr="0">
+            <a:noAutofit/>
+          </a:bodyPr>
+          <a:lstStyle/>
+          <a:p>
+            <a:pPr>
+              <a:lnSpc>
+                <a:spcPct val="100000"/>
+              </a:lnSpc>
+              <a:spcBef>
+                <a:spcPts val="0"/>
+              </a:spcBef>
+              <a:buClr>
+                <a:schemeClr val="dk1"/>
+              </a:buClr>
+              <a:buSzPts val="6400"/>
+            </a:pPr>
+            <a:r>
+              <a:rPr lang="en-US" sz="4800" dirty="0">
+                <a:solidFill>
+                  <a:schemeClr val="dk1"/>
+                </a:solidFill>
+                <a:latin typeface="Gill Sans MT" panose="020B0502020104020203" pitchFamily="34" charset="77"/>
+                <a:sym typeface="Arial"/>
+              </a:rPr>
+              <a:t>Dados a </a:t>
+            </a:r>
+            <a:r>
+              <a:rPr lang="en-US" sz="4800" dirty="0" err="1">
+                <a:solidFill>
+                  <a:schemeClr val="dk1"/>
+                </a:solidFill>
+                <a:latin typeface="Gill Sans MT" panose="020B0502020104020203" pitchFamily="34" charset="77"/>
+                <a:sym typeface="Arial"/>
+              </a:rPr>
+              <a:t>recolher</a:t>
+            </a:r>
+            <a:r>
+              <a:rPr lang="en-US" sz="4500" dirty="0">
+                <a:solidFill>
+                  <a:schemeClr val="dk1"/>
+                </a:solidFill>
+                <a:ea typeface="Arial"/>
+                <a:sym typeface="Arial"/>
+              </a:rPr>
+              <a:t> </a:t>
+            </a:r>
+            <a:r>
+              <a:rPr lang="en-US" sz="4800" dirty="0">
+                <a:solidFill>
+                  <a:schemeClr val="dk1"/>
+                </a:solidFill>
+                <a:latin typeface="Gill Sans MT" panose="020B0502020104020203" pitchFamily="34" charset="77"/>
+                <a:sym typeface="Arial"/>
+              </a:rPr>
+              <a:t>e/</a:t>
+            </a:r>
+            <a:r>
+              <a:rPr lang="en-US" sz="4800" dirty="0" err="1">
+                <a:solidFill>
+                  <a:schemeClr val="dk1"/>
+                </a:solidFill>
+                <a:latin typeface="Gill Sans MT" panose="020B0502020104020203" pitchFamily="34" charset="77"/>
+                <a:sym typeface="Arial"/>
+              </a:rPr>
+              <a:t>ou</a:t>
+            </a:r>
+            <a:r>
+              <a:rPr lang="en-US" sz="4800" dirty="0">
+                <a:solidFill>
+                  <a:schemeClr val="dk1"/>
+                </a:solidFill>
+                <a:latin typeface="Gill Sans MT" panose="020B0502020104020203" pitchFamily="34" charset="77"/>
+                <a:sym typeface="Arial"/>
+              </a:rPr>
+              <a:t> </a:t>
+            </a:r>
+            <a:r>
+              <a:rPr lang="en-US" sz="4800" dirty="0" err="1">
+                <a:solidFill>
+                  <a:schemeClr val="dk1"/>
+                </a:solidFill>
+                <a:latin typeface="Gill Sans MT" panose="020B0502020104020203" pitchFamily="34" charset="77"/>
+                <a:sym typeface="Arial"/>
+              </a:rPr>
+              <a:t>externos</a:t>
+            </a:r>
+            <a:br>
+              <a:rPr lang="en-US" sz="4500" dirty="0">
+                <a:solidFill>
+                  <a:schemeClr val="dk1"/>
+                </a:solidFill>
+                <a:ea typeface="Arial"/>
+                <a:sym typeface="Arial"/>
+              </a:rPr>
+            </a:br>
+            <a:endParaRPr dirty="0"/>
+          </a:p>
+        </p:txBody>
+      </p:sp>
+      <p:sp>
+        <p:nvSpPr>
+          <p:cNvPr id="8" name="Google Shape;279;p62"/>
+          <p:cNvSpPr txBox="1"/>
+          <p:nvPr/>
+        </p:nvSpPr>
+        <p:spPr>
+          <a:xfrm>
+            <a:off x="900463" y="312539"/>
+            <a:ext cx="11054469" cy="241102"/>
+          </a:xfrm>
+          <a:prstGeom prst="rect">
+            <a:avLst/>
+          </a:prstGeom>
+          <a:noFill/>
+          <a:ln>
+            <a:noFill/>
+          </a:ln>
+        </p:spPr>
+        <p:txBody>
+          <a:bodyPr spcFirstLastPara="1" wrap="square" lIns="0" tIns="0" rIns="0" bIns="0" anchor="b" anchorCtr="0">
+            <a:noAutofit/>
+          </a:bodyPr>
+          <a:lstStyle/>
+          <a:p>
+            <a:pPr lvl="0">
+              <a:buClr>
+                <a:srgbClr val="4D4D4D"/>
+              </a:buClr>
+              <a:buSzPts val="1400"/>
+            </a:pPr>
+            <a:r>
+              <a:rPr lang="pt-PT" sz="950" b="1" dirty="0">
+                <a:solidFill>
+                  <a:schemeClr val="accent3">
+                    <a:lumMod val="75000"/>
+                  </a:schemeClr>
+                </a:solidFill>
+              </a:rPr>
+              <a:t>Desenvolvimento de uma Progressive Web App (PWA) para Turismo em Coimbra </a:t>
+            </a:r>
+            <a:r>
+              <a:rPr lang="en-US" sz="950" dirty="0">
+                <a:solidFill>
+                  <a:schemeClr val="accent3">
+                    <a:lumMod val="75000"/>
+                  </a:schemeClr>
+                </a:solidFill>
+                <a:latin typeface="Gill Sans MT"/>
+                <a:sym typeface="Arial"/>
+              </a:rPr>
+              <a:t>			</a:t>
+            </a:r>
+            <a:endParaRPr sz="950" dirty="0">
+              <a:solidFill>
+                <a:schemeClr val="accent3">
+                  <a:lumMod val="75000"/>
+                </a:schemeClr>
+              </a:solidFill>
+              <a:latin typeface="Gill Sans MT" panose="020B0502020104020203" pitchFamily="34" charset="77"/>
+            </a:endParaRPr>
+          </a:p>
+        </p:txBody>
+      </p:sp>
+      <p:sp>
+        <p:nvSpPr>
+          <p:cNvPr id="10" name="Google Shape;279;p62">
+            <a:extLst>
+              <a:ext uri="{FF2B5EF4-FFF2-40B4-BE49-F238E27FC236}">
+                <a16:creationId xmlns:a16="http://schemas.microsoft.com/office/drawing/2014/main" id="{D37D04E9-28F6-412C-9EAB-C698A0A61F9B}"/>
+              </a:ext>
+            </a:extLst>
+          </p:cNvPr>
+          <p:cNvSpPr txBox="1"/>
+          <p:nvPr/>
+        </p:nvSpPr>
+        <p:spPr>
+          <a:xfrm>
+            <a:off x="4902329" y="4986866"/>
+            <a:ext cx="2641471" cy="198921"/>
+          </a:xfrm>
+          <a:prstGeom prst="rect">
+            <a:avLst/>
+          </a:prstGeom>
+          <a:noFill/>
+          <a:ln>
+            <a:noFill/>
+          </a:ln>
+        </p:spPr>
+        <p:txBody>
+          <a:bodyPr spcFirstLastPara="1" wrap="square" lIns="0" tIns="0" rIns="0" bIns="0" anchor="b" anchorCtr="0">
+            <a:noAutofit/>
+          </a:bodyPr>
+          <a:lstStyle/>
+          <a:p>
+            <a:pPr lvl="0">
+              <a:buClr>
+                <a:srgbClr val="4D4D4D"/>
+              </a:buClr>
+              <a:buSzPts val="1400"/>
+            </a:pPr>
+            <a:r>
+              <a:rPr lang="pt-PT" sz="1600" b="1" dirty="0">
+                <a:effectLst/>
+                <a:latin typeface="Gill Sans MT" panose="020B0502020104020203" pitchFamily="34" charset="0"/>
+                <a:ea typeface="Times New Roman" panose="02020603050405020304" pitchFamily="18" charset="0"/>
+              </a:rPr>
+              <a:t>Utilizadores da plataforma</a:t>
+            </a:r>
+            <a:endParaRPr lang="pt-PT" sz="1050" b="1" dirty="0">
+              <a:solidFill>
+                <a:srgbClr val="4D4D4D"/>
+              </a:solidFill>
+              <a:latin typeface="Gill Sans MT" panose="020B0502020104020203" pitchFamily="34" charset="0"/>
+            </a:endParaRPr>
+          </a:p>
+        </p:txBody>
+      </p:sp>
+      <p:pic>
+        <p:nvPicPr>
+          <p:cNvPr id="9" name="Imagem 8">
+            <a:extLst>
+              <a:ext uri="{FF2B5EF4-FFF2-40B4-BE49-F238E27FC236}">
+                <a16:creationId xmlns:a16="http://schemas.microsoft.com/office/drawing/2014/main" id="{1A1A68EE-F4C4-451A-AAC1-6ECC079D10E4}"/>
+              </a:ext>
+            </a:extLst>
+          </p:cNvPr>
+          <p:cNvPicPr/>
+          <p:nvPr/>
+        </p:nvPicPr>
+        <p:blipFill>
+          <a:blip r:embed="rId3">
+            <a:extLst>
+              <a:ext uri="{28A0092B-C50C-407E-A947-70E740481C1C}">
+                <a14:useLocalDpi xmlns:a14="http://schemas.microsoft.com/office/drawing/2010/main" val="0"/>
+              </a:ext>
+            </a:extLst>
+          </a:blip>
+          <a:srcRect/>
+          <a:stretch>
+            <a:fillRect/>
+          </a:stretch>
+        </p:blipFill>
+        <p:spPr bwMode="auto">
+          <a:xfrm>
+            <a:off x="3462779" y="2413212"/>
+            <a:ext cx="5556868" cy="2361988"/>
+          </a:xfrm>
+          <a:prstGeom prst="rect">
+            <a:avLst/>
+          </a:prstGeom>
+          <a:noFill/>
+          <a:ln>
+            <a:noFill/>
+          </a:ln>
+        </p:spPr>
+      </p:pic>
+    </p:spTree>
+    <p:extLst>
+      <p:ext uri="{BB962C8B-B14F-4D97-AF65-F5344CB8AC3E}">
+        <p14:creationId xmlns:p14="http://schemas.microsoft.com/office/powerpoint/2010/main" val="979894314"/>
+      </p:ext>
+    </p:extLst>
+  </p:cSld>
+  <p:clrMapOvr>
+    <a:masterClrMapping/>
+  </p:clrMapOvr>
+  <p:transition spd="slow">
+    <p:fade thruBlk="1"/>
+  </p:transition>
+</p:sld>
+</file>
+
+<file path=ppt/slides/slide11.xml><?xml version="1.0" encoding="utf-8"?>
+<p:sld xmlns:a="http://schemas.openxmlformats.org/drawingml/2006/main" xmlns:r="http://schemas.openxmlformats.org/officeDocument/2006/relationships" xmlns:p="http://schemas.openxmlformats.org/presentationml/2006/main">
+  <p:cSld>
+    <p:spTree>
+      <p:nvGrpSpPr>
+        <p:cNvPr id="1" name="Shape 341"/>
+        <p:cNvGrpSpPr/>
+        <p:nvPr/>
+      </p:nvGrpSpPr>
+      <p:grpSpPr>
+        <a:xfrm>
+          <a:off x="0" y="0"/>
+          <a:ext cx="0" cy="0"/>
+          <a:chOff x="0" y="0"/>
+          <a:chExt cx="0" cy="0"/>
+        </a:xfrm>
+      </p:grpSpPr>
+      <p:sp>
+        <p:nvSpPr>
+          <p:cNvPr id="342" name="Google Shape;342;p70"/>
+          <p:cNvSpPr txBox="1"/>
+          <p:nvPr/>
+        </p:nvSpPr>
+        <p:spPr>
+          <a:xfrm>
+            <a:off x="9929067" y="276821"/>
+            <a:ext cx="340999" cy="276820"/>
+          </a:xfrm>
+          <a:prstGeom prst="rect">
+            <a:avLst/>
+          </a:prstGeom>
+          <a:noFill/>
+          <a:ln>
+            <a:noFill/>
+          </a:ln>
+        </p:spPr>
+        <p:txBody>
+          <a:bodyPr spcFirstLastPara="1" wrap="square" lIns="64283" tIns="32133" rIns="64283" bIns="32133" anchor="t" anchorCtr="0">
+            <a:noAutofit/>
+          </a:bodyPr>
+          <a:lstStyle/>
+          <a:p>
+            <a:pPr algn="r">
+              <a:buClr>
+                <a:srgbClr val="4D4D4D"/>
+              </a:buClr>
+              <a:buSzPts val="1400"/>
+            </a:pPr>
+            <a:fld id="{00000000-1234-1234-1234-123412341234}" type="slidenum">
+              <a:rPr lang="en-US" sz="984">
+                <a:solidFill>
+                  <a:srgbClr val="4D4D4D"/>
+                </a:solidFill>
+                <a:latin typeface="Gill Sans MT" panose="020B0502020104020203" pitchFamily="34" charset="77"/>
+                <a:sym typeface="Arial"/>
+              </a:rPr>
+              <a:pPr algn="r">
+                <a:buClr>
+                  <a:srgbClr val="4D4D4D"/>
+                </a:buClr>
+                <a:buSzPts val="1400"/>
+              </a:pPr>
+              <a:t>11</a:t>
+            </a:fld>
+            <a:endParaRPr sz="1266" dirty="0">
+              <a:latin typeface="Gill Sans MT" panose="020B0502020104020203" pitchFamily="34" charset="77"/>
+            </a:endParaRPr>
+          </a:p>
+        </p:txBody>
+      </p:sp>
+      <p:sp>
+        <p:nvSpPr>
+          <p:cNvPr id="343" name="Google Shape;343;p70"/>
+          <p:cNvSpPr txBox="1">
+            <a:spLocks noGrp="1"/>
+          </p:cNvSpPr>
+          <p:nvPr>
+            <p:ph type="title"/>
+          </p:nvPr>
+        </p:nvSpPr>
+        <p:spPr>
+          <a:xfrm>
+            <a:off x="1857257" y="2768600"/>
+            <a:ext cx="8071810" cy="1130896"/>
+          </a:xfrm>
+          <a:prstGeom prst="rect">
+            <a:avLst/>
+          </a:prstGeom>
+          <a:noFill/>
+          <a:ln>
+            <a:noFill/>
+          </a:ln>
+        </p:spPr>
+        <p:txBody>
+          <a:bodyPr spcFirstLastPara="1" vert="horz" wrap="square" lIns="0" tIns="0" rIns="0" bIns="0" rtlCol="0" anchor="t" anchorCtr="0">
+            <a:noAutofit/>
+          </a:bodyPr>
+          <a:lstStyle/>
+          <a:p>
+            <a:pPr algn="ctr">
+              <a:lnSpc>
+                <a:spcPct val="100000"/>
+              </a:lnSpc>
+              <a:spcBef>
+                <a:spcPts val="0"/>
+              </a:spcBef>
+              <a:buClr>
+                <a:schemeClr val="dk1"/>
+              </a:buClr>
+              <a:buSzPts val="4800"/>
+            </a:pPr>
+            <a:r>
+              <a:rPr lang="en-US" sz="4800" dirty="0">
+                <a:solidFill>
+                  <a:schemeClr val="dk1"/>
+                </a:solidFill>
+                <a:latin typeface="Gill Sans MT" panose="020B0502020104020203" pitchFamily="34" charset="77"/>
+                <a:sym typeface="Arial"/>
+              </a:rPr>
+              <a:t>	</a:t>
+            </a:r>
+            <a:r>
+              <a:rPr lang="en-US" sz="4800" dirty="0" err="1">
+                <a:solidFill>
+                  <a:schemeClr val="dk1"/>
+                </a:solidFill>
+                <a:latin typeface="Gill Sans MT" panose="020B0502020104020203" pitchFamily="34" charset="77"/>
+                <a:sym typeface="Arial"/>
+              </a:rPr>
+              <a:t>Visualização</a:t>
+            </a:r>
+            <a:r>
+              <a:rPr lang="en-US" sz="4800" dirty="0">
+                <a:solidFill>
+                  <a:schemeClr val="dk1"/>
+                </a:solidFill>
+                <a:latin typeface="Gill Sans MT" panose="020B0502020104020203" pitchFamily="34" charset="77"/>
+                <a:sym typeface="Arial"/>
+              </a:rPr>
+              <a:t> de dados</a:t>
+            </a:r>
+            <a:br>
+              <a:rPr lang="en-US" sz="4800" dirty="0">
+                <a:solidFill>
+                  <a:schemeClr val="dk1"/>
+                </a:solidFill>
+                <a:latin typeface="Gill Sans MT" panose="020B0502020104020203" pitchFamily="34" charset="77"/>
+                <a:sym typeface="Arial"/>
+              </a:rPr>
+            </a:br>
+            <a:br>
+              <a:rPr lang="en-US" sz="4500" dirty="0">
+                <a:solidFill>
+                  <a:schemeClr val="dk1"/>
+                </a:solidFill>
+                <a:ea typeface="Arial"/>
+                <a:sym typeface="Arial"/>
+              </a:rPr>
+            </a:br>
+            <a:endParaRPr dirty="0"/>
+          </a:p>
+        </p:txBody>
+      </p:sp>
+      <p:sp>
+        <p:nvSpPr>
+          <p:cNvPr id="7" name="Google Shape;279;p62"/>
+          <p:cNvSpPr txBox="1"/>
+          <p:nvPr/>
+        </p:nvSpPr>
+        <p:spPr>
+          <a:xfrm>
+            <a:off x="900463" y="312539"/>
+            <a:ext cx="11054469" cy="241102"/>
+          </a:xfrm>
+          <a:prstGeom prst="rect">
+            <a:avLst/>
+          </a:prstGeom>
+          <a:noFill/>
+          <a:ln>
+            <a:noFill/>
+          </a:ln>
+        </p:spPr>
+        <p:txBody>
+          <a:bodyPr spcFirstLastPara="1" wrap="square" lIns="0" tIns="0" rIns="0" bIns="0" anchor="b" anchorCtr="0">
+            <a:noAutofit/>
+          </a:bodyPr>
+          <a:lstStyle/>
+          <a:p>
+            <a:pPr lvl="0">
+              <a:buClr>
+                <a:srgbClr val="4D4D4D"/>
+              </a:buClr>
+              <a:buSzPts val="1400"/>
+            </a:pPr>
+            <a:r>
+              <a:rPr lang="pt-PT" sz="950" b="1" dirty="0">
+                <a:solidFill>
+                  <a:schemeClr val="accent3">
+                    <a:lumMod val="75000"/>
+                  </a:schemeClr>
+                </a:solidFill>
+              </a:rPr>
+              <a:t>Desenvolvimento de uma Progressive Web App (PWA) para Turismo em Coimbra </a:t>
+            </a:r>
+            <a:r>
+              <a:rPr lang="en-US" sz="950" dirty="0">
+                <a:solidFill>
+                  <a:schemeClr val="accent3">
+                    <a:lumMod val="75000"/>
+                  </a:schemeClr>
+                </a:solidFill>
+                <a:latin typeface="Gill Sans MT"/>
+                <a:sym typeface="Arial"/>
+              </a:rPr>
+              <a:t>			</a:t>
+            </a:r>
+            <a:endParaRPr sz="950" dirty="0">
+              <a:solidFill>
+                <a:schemeClr val="accent3">
+                  <a:lumMod val="75000"/>
+                </a:schemeClr>
+              </a:solidFill>
+              <a:latin typeface="Gill Sans MT" panose="020B0502020104020203" pitchFamily="34" charset="77"/>
+            </a:endParaRPr>
+          </a:p>
+        </p:txBody>
+      </p:sp>
+    </p:spTree>
+    <p:extLst>
+      <p:ext uri="{BB962C8B-B14F-4D97-AF65-F5344CB8AC3E}">
+        <p14:creationId xmlns:p14="http://schemas.microsoft.com/office/powerpoint/2010/main" val="3084323414"/>
+      </p:ext>
+    </p:extLst>
+  </p:cSld>
+  <p:clrMapOvr>
+    <a:masterClrMapping/>
+  </p:clrMapOvr>
+  <p:transition spd="slow">
+    <p:fade thruBlk="1"/>
+  </p:transition>
+</p:sld>
+</file>
+
+<file path=ppt/slides/slide12.xml><?xml version="1.0" encoding="utf-8"?>
+<p:sld xmlns:a="http://schemas.openxmlformats.org/drawingml/2006/main" xmlns:r="http://schemas.openxmlformats.org/officeDocument/2006/relationships" xmlns:p="http://schemas.openxmlformats.org/presentationml/2006/main">
+  <p:cSld>
+    <p:spTree>
+      <p:nvGrpSpPr>
+        <p:cNvPr id="1" name="Shape 341"/>
+        <p:cNvGrpSpPr/>
+        <p:nvPr/>
+      </p:nvGrpSpPr>
+      <p:grpSpPr>
+        <a:xfrm>
+          <a:off x="0" y="0"/>
+          <a:ext cx="0" cy="0"/>
+          <a:chOff x="0" y="0"/>
+          <a:chExt cx="0" cy="0"/>
+        </a:xfrm>
+      </p:grpSpPr>
+      <p:sp>
+        <p:nvSpPr>
+          <p:cNvPr id="342" name="Google Shape;342;p70"/>
+          <p:cNvSpPr txBox="1"/>
+          <p:nvPr/>
+        </p:nvSpPr>
+        <p:spPr>
+          <a:xfrm>
+            <a:off x="9929067" y="276821"/>
+            <a:ext cx="340999" cy="276820"/>
+          </a:xfrm>
+          <a:prstGeom prst="rect">
+            <a:avLst/>
+          </a:prstGeom>
+          <a:noFill/>
+          <a:ln>
+            <a:noFill/>
+          </a:ln>
+        </p:spPr>
+        <p:txBody>
+          <a:bodyPr spcFirstLastPara="1" wrap="square" lIns="64283" tIns="32133" rIns="64283" bIns="32133" anchor="t" anchorCtr="0">
+            <a:noAutofit/>
+          </a:bodyPr>
+          <a:lstStyle/>
+          <a:p>
+            <a:pPr algn="r">
+              <a:buClr>
+                <a:srgbClr val="4D4D4D"/>
+              </a:buClr>
+              <a:buSzPts val="1400"/>
+            </a:pPr>
+            <a:fld id="{00000000-1234-1234-1234-123412341234}" type="slidenum">
+              <a:rPr lang="en-US" sz="984">
+                <a:solidFill>
+                  <a:srgbClr val="4D4D4D"/>
+                </a:solidFill>
+                <a:latin typeface="Gill Sans MT" panose="020B0502020104020203" pitchFamily="34" charset="77"/>
+                <a:sym typeface="Arial"/>
+              </a:rPr>
+              <a:pPr algn="r">
+                <a:buClr>
+                  <a:srgbClr val="4D4D4D"/>
+                </a:buClr>
+                <a:buSzPts val="1400"/>
+              </a:pPr>
+              <a:t>12</a:t>
+            </a:fld>
+            <a:endParaRPr sz="1266" dirty="0">
+              <a:latin typeface="Gill Sans MT" panose="020B0502020104020203" pitchFamily="34" charset="77"/>
+            </a:endParaRPr>
+          </a:p>
+        </p:txBody>
+      </p:sp>
+      <p:sp>
+        <p:nvSpPr>
+          <p:cNvPr id="343" name="Google Shape;343;p70"/>
+          <p:cNvSpPr txBox="1">
+            <a:spLocks noGrp="1"/>
+          </p:cNvSpPr>
+          <p:nvPr>
+            <p:ph type="title"/>
+          </p:nvPr>
+        </p:nvSpPr>
+        <p:spPr>
+          <a:xfrm>
+            <a:off x="3372791" y="863600"/>
+            <a:ext cx="5779676" cy="922867"/>
+          </a:xfrm>
+          <a:prstGeom prst="rect">
+            <a:avLst/>
+          </a:prstGeom>
+          <a:noFill/>
+          <a:ln>
+            <a:noFill/>
+          </a:ln>
+        </p:spPr>
+        <p:txBody>
+          <a:bodyPr spcFirstLastPara="1" vert="horz" wrap="square" lIns="0" tIns="0" rIns="0" bIns="0" rtlCol="0" anchor="t" anchorCtr="0">
+            <a:noAutofit/>
+          </a:bodyPr>
+          <a:lstStyle/>
+          <a:p>
+            <a:pPr algn="ctr">
+              <a:lnSpc>
+                <a:spcPct val="100000"/>
+              </a:lnSpc>
+              <a:spcBef>
+                <a:spcPts val="0"/>
+              </a:spcBef>
+              <a:buClr>
+                <a:schemeClr val="dk1"/>
+              </a:buClr>
+              <a:buSzPts val="4800"/>
+            </a:pPr>
+            <a:r>
+              <a:rPr lang="en-US" sz="2800" dirty="0" err="1">
+                <a:solidFill>
+                  <a:schemeClr val="dk1"/>
+                </a:solidFill>
+                <a:latin typeface="Gill Sans MT" panose="020B0502020104020203" pitchFamily="34" charset="77"/>
+                <a:sym typeface="Arial"/>
+              </a:rPr>
+              <a:t>Mapas</a:t>
+            </a:r>
+            <a:r>
+              <a:rPr lang="en-US" sz="2800" dirty="0">
+                <a:solidFill>
+                  <a:schemeClr val="dk1"/>
+                </a:solidFill>
+                <a:latin typeface="Gill Sans MT" panose="020B0502020104020203" pitchFamily="34" charset="77"/>
+                <a:sym typeface="Arial"/>
+              </a:rPr>
+              <a:t> </a:t>
+            </a:r>
+            <a:r>
+              <a:rPr lang="en-US" sz="2800" dirty="0" err="1">
+                <a:solidFill>
+                  <a:schemeClr val="dk1"/>
+                </a:solidFill>
+                <a:latin typeface="Gill Sans MT" panose="020B0502020104020203" pitchFamily="34" charset="77"/>
+                <a:sym typeface="Arial"/>
+              </a:rPr>
+              <a:t>Interativos</a:t>
+            </a:r>
+            <a:br>
+              <a:rPr lang="en-US" sz="2800" dirty="0">
+                <a:solidFill>
+                  <a:schemeClr val="dk1"/>
+                </a:solidFill>
+                <a:latin typeface="Gill Sans MT" panose="020B0502020104020203" pitchFamily="34" charset="77"/>
+                <a:sym typeface="Arial"/>
+              </a:rPr>
+            </a:br>
+            <a:br>
+              <a:rPr lang="en-US" sz="2800" dirty="0">
+                <a:solidFill>
+                  <a:schemeClr val="dk1"/>
+                </a:solidFill>
+                <a:ea typeface="Arial"/>
+                <a:sym typeface="Arial"/>
+              </a:rPr>
+            </a:br>
+            <a:endParaRPr sz="2400" dirty="0"/>
+          </a:p>
+        </p:txBody>
+      </p:sp>
+      <p:sp>
+        <p:nvSpPr>
+          <p:cNvPr id="7" name="Google Shape;279;p62"/>
+          <p:cNvSpPr txBox="1"/>
+          <p:nvPr/>
+        </p:nvSpPr>
+        <p:spPr>
+          <a:xfrm>
+            <a:off x="900463" y="312539"/>
+            <a:ext cx="11054469" cy="241102"/>
+          </a:xfrm>
+          <a:prstGeom prst="rect">
+            <a:avLst/>
+          </a:prstGeom>
+          <a:noFill/>
+          <a:ln>
+            <a:noFill/>
+          </a:ln>
+        </p:spPr>
+        <p:txBody>
+          <a:bodyPr spcFirstLastPara="1" wrap="square" lIns="0" tIns="0" rIns="0" bIns="0" anchor="b" anchorCtr="0">
+            <a:noAutofit/>
+          </a:bodyPr>
+          <a:lstStyle/>
+          <a:p>
+            <a:pPr lvl="0">
+              <a:buClr>
+                <a:srgbClr val="4D4D4D"/>
+              </a:buClr>
+              <a:buSzPts val="1400"/>
+            </a:pPr>
+            <a:r>
+              <a:rPr lang="pt-PT" sz="950" b="1" dirty="0">
+                <a:solidFill>
+                  <a:schemeClr val="accent3">
+                    <a:lumMod val="75000"/>
+                  </a:schemeClr>
+                </a:solidFill>
+              </a:rPr>
+              <a:t>Desenvolvimento de uma Progressive Web App (PWA) para Turismo em Coimbra </a:t>
+            </a:r>
+            <a:r>
+              <a:rPr lang="en-US" sz="950" dirty="0">
+                <a:solidFill>
+                  <a:schemeClr val="accent3">
+                    <a:lumMod val="75000"/>
+                  </a:schemeClr>
+                </a:solidFill>
+                <a:latin typeface="Gill Sans MT"/>
+                <a:sym typeface="Arial"/>
+              </a:rPr>
+              <a:t>			</a:t>
+            </a:r>
+            <a:endParaRPr sz="950" dirty="0">
+              <a:solidFill>
+                <a:schemeClr val="accent3">
+                  <a:lumMod val="75000"/>
+                </a:schemeClr>
+              </a:solidFill>
+              <a:latin typeface="Gill Sans MT" panose="020B0502020104020203" pitchFamily="34" charset="77"/>
+            </a:endParaRPr>
+          </a:p>
+        </p:txBody>
+      </p:sp>
+      <p:pic>
+        <p:nvPicPr>
+          <p:cNvPr id="5" name="Imagem 4">
+            <a:extLst>
+              <a:ext uri="{FF2B5EF4-FFF2-40B4-BE49-F238E27FC236}">
+                <a16:creationId xmlns:a16="http://schemas.microsoft.com/office/drawing/2014/main" id="{E89542F8-C115-4FBE-875E-096D4DF55AB1}"/>
+              </a:ext>
+            </a:extLst>
+          </p:cNvPr>
+          <p:cNvPicPr/>
+          <p:nvPr/>
+        </p:nvPicPr>
+        <p:blipFill>
+          <a:blip r:embed="rId3" cstate="print">
+            <a:extLst>
+              <a:ext uri="{28A0092B-C50C-407E-A947-70E740481C1C}">
+                <a14:useLocalDpi xmlns:a14="http://schemas.microsoft.com/office/drawing/2010/main" val="0"/>
+              </a:ext>
+            </a:extLst>
+          </a:blip>
+          <a:srcRect/>
+          <a:stretch>
+            <a:fillRect/>
+          </a:stretch>
+        </p:blipFill>
+        <p:spPr bwMode="auto">
+          <a:xfrm>
+            <a:off x="2768070" y="1401233"/>
+            <a:ext cx="7087129" cy="4593167"/>
+          </a:xfrm>
+          <a:prstGeom prst="rect">
+            <a:avLst/>
+          </a:prstGeom>
+          <a:noFill/>
+          <a:ln>
+            <a:noFill/>
+          </a:ln>
+        </p:spPr>
+      </p:pic>
+      <p:sp>
+        <p:nvSpPr>
+          <p:cNvPr id="6" name="Google Shape;279;p62">
+            <a:extLst>
+              <a:ext uri="{FF2B5EF4-FFF2-40B4-BE49-F238E27FC236}">
+                <a16:creationId xmlns:a16="http://schemas.microsoft.com/office/drawing/2014/main" id="{8F33FB6F-0767-4BEA-A5EA-E497470894B2}"/>
+              </a:ext>
+            </a:extLst>
+          </p:cNvPr>
+          <p:cNvSpPr txBox="1"/>
+          <p:nvPr/>
+        </p:nvSpPr>
+        <p:spPr>
+          <a:xfrm>
+            <a:off x="2768070" y="6219526"/>
+            <a:ext cx="9084733" cy="241102"/>
+          </a:xfrm>
+          <a:prstGeom prst="rect">
+            <a:avLst/>
+          </a:prstGeom>
+          <a:noFill/>
+          <a:ln>
+            <a:noFill/>
+          </a:ln>
+        </p:spPr>
+        <p:txBody>
+          <a:bodyPr spcFirstLastPara="1" wrap="square" lIns="0" tIns="0" rIns="0" bIns="0" anchor="b" anchorCtr="0">
+            <a:noAutofit/>
+          </a:bodyPr>
+          <a:lstStyle/>
+          <a:p>
+            <a:pPr lvl="0">
+              <a:buClr>
+                <a:srgbClr val="4D4D4D"/>
+              </a:buClr>
+              <a:buSzPts val="1400"/>
+            </a:pPr>
+            <a:r>
+              <a:rPr lang="pt-PT" sz="1200" b="1" dirty="0">
+                <a:effectLst/>
+                <a:latin typeface="Gill Sans MT" panose="020B0502020104020203" pitchFamily="34" charset="0"/>
+                <a:ea typeface="Times New Roman" panose="02020603050405020304" pitchFamily="18" charset="0"/>
+              </a:rPr>
+              <a:t>Primeiro acesso a plataforma, localização exata e a lista dos pontos de interesses num raio de 5 km.</a:t>
+            </a:r>
+            <a:endParaRPr lang="pt-PT" sz="900" b="1" dirty="0">
+              <a:solidFill>
+                <a:srgbClr val="4D4D4D"/>
+              </a:solidFill>
+              <a:latin typeface="Gill Sans MT" panose="020B0502020104020203" pitchFamily="34" charset="0"/>
+            </a:endParaRPr>
+          </a:p>
+        </p:txBody>
+      </p:sp>
+    </p:spTree>
+    <p:extLst>
+      <p:ext uri="{BB962C8B-B14F-4D97-AF65-F5344CB8AC3E}">
+        <p14:creationId xmlns:p14="http://schemas.microsoft.com/office/powerpoint/2010/main" val="1695777538"/>
+      </p:ext>
+    </p:extLst>
+  </p:cSld>
+  <p:clrMapOvr>
+    <a:masterClrMapping/>
+  </p:clrMapOvr>
+  <p:transition spd="slow">
+    <p:fade thruBlk="1"/>
+  </p:transition>
+</p:sld>
+</file>
+
+<file path=ppt/slides/slide13.xml><?xml version="1.0" encoding="utf-8"?>
+<p:sld xmlns:a="http://schemas.openxmlformats.org/drawingml/2006/main" xmlns:r="http://schemas.openxmlformats.org/officeDocument/2006/relationships" xmlns:p="http://schemas.openxmlformats.org/presentationml/2006/main">
+  <p:cSld>
+    <p:spTree>
+      <p:nvGrpSpPr>
+        <p:cNvPr id="1" name="Shape 341"/>
+        <p:cNvGrpSpPr/>
+        <p:nvPr/>
+      </p:nvGrpSpPr>
+      <p:grpSpPr>
+        <a:xfrm>
+          <a:off x="0" y="0"/>
+          <a:ext cx="0" cy="0"/>
+          <a:chOff x="0" y="0"/>
+          <a:chExt cx="0" cy="0"/>
+        </a:xfrm>
+      </p:grpSpPr>
+      <p:sp>
+        <p:nvSpPr>
+          <p:cNvPr id="342" name="Google Shape;342;p70"/>
+          <p:cNvSpPr txBox="1"/>
+          <p:nvPr/>
+        </p:nvSpPr>
+        <p:spPr>
+          <a:xfrm>
+            <a:off x="9929067" y="276821"/>
+            <a:ext cx="340999" cy="276820"/>
+          </a:xfrm>
+          <a:prstGeom prst="rect">
+            <a:avLst/>
+          </a:prstGeom>
+          <a:noFill/>
+          <a:ln>
+            <a:noFill/>
+          </a:ln>
+        </p:spPr>
+        <p:txBody>
+          <a:bodyPr spcFirstLastPara="1" wrap="square" lIns="64283" tIns="32133" rIns="64283" bIns="32133" anchor="t" anchorCtr="0">
+            <a:noAutofit/>
+          </a:bodyPr>
+          <a:lstStyle/>
+          <a:p>
+            <a:pPr algn="r">
+              <a:buClr>
+                <a:srgbClr val="4D4D4D"/>
+              </a:buClr>
+              <a:buSzPts val="1400"/>
+            </a:pPr>
+            <a:fld id="{00000000-1234-1234-1234-123412341234}" type="slidenum">
+              <a:rPr lang="en-US" sz="984">
+                <a:solidFill>
+                  <a:srgbClr val="4D4D4D"/>
+                </a:solidFill>
+                <a:latin typeface="Gill Sans MT" panose="020B0502020104020203" pitchFamily="34" charset="77"/>
+                <a:sym typeface="Arial"/>
+              </a:rPr>
+              <a:pPr algn="r">
+                <a:buClr>
+                  <a:srgbClr val="4D4D4D"/>
+                </a:buClr>
+                <a:buSzPts val="1400"/>
+              </a:pPr>
+              <a:t>13</a:t>
+            </a:fld>
+            <a:endParaRPr sz="1266" dirty="0">
+              <a:latin typeface="Gill Sans MT" panose="020B0502020104020203" pitchFamily="34" charset="77"/>
+            </a:endParaRPr>
+          </a:p>
+        </p:txBody>
+      </p:sp>
+      <p:sp>
+        <p:nvSpPr>
+          <p:cNvPr id="343" name="Google Shape;343;p70"/>
+          <p:cNvSpPr txBox="1">
+            <a:spLocks noGrp="1"/>
+          </p:cNvSpPr>
+          <p:nvPr>
+            <p:ph type="title"/>
+          </p:nvPr>
+        </p:nvSpPr>
+        <p:spPr>
+          <a:xfrm>
+            <a:off x="3372791" y="863600"/>
+            <a:ext cx="5779676" cy="922867"/>
+          </a:xfrm>
+          <a:prstGeom prst="rect">
+            <a:avLst/>
+          </a:prstGeom>
+          <a:noFill/>
+          <a:ln>
+            <a:noFill/>
+          </a:ln>
+        </p:spPr>
+        <p:txBody>
+          <a:bodyPr spcFirstLastPara="1" vert="horz" wrap="square" lIns="0" tIns="0" rIns="0" bIns="0" rtlCol="0" anchor="t" anchorCtr="0">
+            <a:noAutofit/>
+          </a:bodyPr>
+          <a:lstStyle/>
+          <a:p>
+            <a:pPr algn="ctr">
+              <a:lnSpc>
+                <a:spcPct val="100000"/>
+              </a:lnSpc>
+              <a:spcBef>
+                <a:spcPts val="0"/>
+              </a:spcBef>
+              <a:buClr>
+                <a:schemeClr val="dk1"/>
+              </a:buClr>
+              <a:buSzPts val="4800"/>
+            </a:pPr>
+            <a:r>
+              <a:rPr lang="en-US" sz="2800" dirty="0" err="1">
+                <a:solidFill>
+                  <a:schemeClr val="dk1"/>
+                </a:solidFill>
+                <a:latin typeface="Gill Sans MT" panose="020B0502020104020203" pitchFamily="34" charset="77"/>
+                <a:sym typeface="Arial"/>
+              </a:rPr>
+              <a:t>Mapas</a:t>
+            </a:r>
+            <a:r>
+              <a:rPr lang="en-US" sz="2800" dirty="0">
+                <a:solidFill>
+                  <a:schemeClr val="dk1"/>
+                </a:solidFill>
+                <a:latin typeface="Gill Sans MT" panose="020B0502020104020203" pitchFamily="34" charset="77"/>
+                <a:sym typeface="Arial"/>
+              </a:rPr>
+              <a:t> </a:t>
+            </a:r>
+            <a:r>
+              <a:rPr lang="en-US" sz="2800" dirty="0" err="1">
+                <a:solidFill>
+                  <a:schemeClr val="dk1"/>
+                </a:solidFill>
+                <a:latin typeface="Gill Sans MT" panose="020B0502020104020203" pitchFamily="34" charset="77"/>
+                <a:sym typeface="Arial"/>
+              </a:rPr>
+              <a:t>Interativos</a:t>
+            </a:r>
+            <a:br>
+              <a:rPr lang="en-US" sz="2800" dirty="0">
+                <a:solidFill>
+                  <a:schemeClr val="dk1"/>
+                </a:solidFill>
+                <a:latin typeface="Gill Sans MT" panose="020B0502020104020203" pitchFamily="34" charset="77"/>
+                <a:sym typeface="Arial"/>
+              </a:rPr>
+            </a:br>
+            <a:br>
+              <a:rPr lang="en-US" sz="2800" dirty="0">
+                <a:solidFill>
+                  <a:schemeClr val="dk1"/>
+                </a:solidFill>
+                <a:ea typeface="Arial"/>
+                <a:sym typeface="Arial"/>
+              </a:rPr>
+            </a:br>
+            <a:endParaRPr sz="2400" dirty="0"/>
+          </a:p>
+        </p:txBody>
+      </p:sp>
+      <p:sp>
+        <p:nvSpPr>
+          <p:cNvPr id="7" name="Google Shape;279;p62"/>
+          <p:cNvSpPr txBox="1"/>
+          <p:nvPr/>
+        </p:nvSpPr>
+        <p:spPr>
+          <a:xfrm>
+            <a:off x="900463" y="312539"/>
+            <a:ext cx="11054469" cy="241102"/>
+          </a:xfrm>
+          <a:prstGeom prst="rect">
+            <a:avLst/>
+          </a:prstGeom>
+          <a:noFill/>
+          <a:ln>
+            <a:noFill/>
+          </a:ln>
+        </p:spPr>
+        <p:txBody>
+          <a:bodyPr spcFirstLastPara="1" wrap="square" lIns="0" tIns="0" rIns="0" bIns="0" anchor="b" anchorCtr="0">
+            <a:noAutofit/>
+          </a:bodyPr>
+          <a:lstStyle/>
+          <a:p>
+            <a:pPr lvl="0">
+              <a:buClr>
+                <a:srgbClr val="4D4D4D"/>
+              </a:buClr>
+              <a:buSzPts val="1400"/>
+            </a:pPr>
+            <a:r>
+              <a:rPr lang="pt-PT" sz="950" b="1" dirty="0">
+                <a:solidFill>
+                  <a:schemeClr val="accent3">
+                    <a:lumMod val="75000"/>
+                  </a:schemeClr>
+                </a:solidFill>
+              </a:rPr>
+              <a:t>Desenvolvimento de uma Progressive Web App (PWA) para Turismo em Coimbra </a:t>
+            </a:r>
+            <a:r>
+              <a:rPr lang="en-US" sz="950" dirty="0">
+                <a:solidFill>
+                  <a:schemeClr val="accent3">
+                    <a:lumMod val="75000"/>
+                  </a:schemeClr>
+                </a:solidFill>
+                <a:latin typeface="Gill Sans MT"/>
+                <a:sym typeface="Arial"/>
+              </a:rPr>
+              <a:t>			</a:t>
+            </a:r>
+            <a:endParaRPr sz="950" dirty="0">
+              <a:solidFill>
+                <a:schemeClr val="accent3">
+                  <a:lumMod val="75000"/>
+                </a:schemeClr>
+              </a:solidFill>
+              <a:latin typeface="Gill Sans MT" panose="020B0502020104020203" pitchFamily="34" charset="77"/>
+            </a:endParaRPr>
+          </a:p>
+        </p:txBody>
+      </p:sp>
+      <p:sp>
+        <p:nvSpPr>
+          <p:cNvPr id="6" name="Google Shape;279;p62">
+            <a:extLst>
+              <a:ext uri="{FF2B5EF4-FFF2-40B4-BE49-F238E27FC236}">
+                <a16:creationId xmlns:a16="http://schemas.microsoft.com/office/drawing/2014/main" id="{8F33FB6F-0767-4BEA-A5EA-E497470894B2}"/>
+              </a:ext>
+            </a:extLst>
+          </p:cNvPr>
+          <p:cNvSpPr txBox="1"/>
+          <p:nvPr/>
+        </p:nvSpPr>
+        <p:spPr>
+          <a:xfrm>
+            <a:off x="2382927" y="5721106"/>
+            <a:ext cx="2447397" cy="601695"/>
+          </a:xfrm>
+          <a:prstGeom prst="rect">
+            <a:avLst/>
+          </a:prstGeom>
+          <a:noFill/>
+          <a:ln>
+            <a:noFill/>
+          </a:ln>
+        </p:spPr>
+        <p:txBody>
+          <a:bodyPr spcFirstLastPara="1" wrap="square" lIns="0" tIns="0" rIns="0" bIns="0" anchor="b" anchorCtr="0">
+            <a:noAutofit/>
+          </a:bodyPr>
+          <a:lstStyle/>
+          <a:p>
+            <a:pPr lvl="0">
+              <a:buClr>
+                <a:srgbClr val="4D4D4D"/>
+              </a:buClr>
+              <a:buSzPts val="1400"/>
+            </a:pPr>
+            <a:r>
+              <a:rPr lang="pt-PT" sz="1200" b="1" dirty="0">
+                <a:effectLst/>
+                <a:latin typeface="Gill Sans MT" panose="020B0502020104020203" pitchFamily="34" charset="0"/>
+                <a:ea typeface="Times New Roman" panose="02020603050405020304" pitchFamily="18" charset="0"/>
+              </a:rPr>
+              <a:t>Os pontos de interesses variam entre: hotéis, restaurantes, supermercados, lojas de conveniências, escolas, etc.</a:t>
+            </a:r>
+            <a:endParaRPr lang="pt-PT" sz="900" b="1" dirty="0">
+              <a:solidFill>
+                <a:srgbClr val="4D4D4D"/>
+              </a:solidFill>
+              <a:latin typeface="Gill Sans MT" panose="020B0502020104020203" pitchFamily="34" charset="0"/>
+            </a:endParaRPr>
+          </a:p>
+        </p:txBody>
+      </p:sp>
+      <p:pic>
+        <p:nvPicPr>
+          <p:cNvPr id="8" name="Imagem 7">
+            <a:extLst>
+              <a:ext uri="{FF2B5EF4-FFF2-40B4-BE49-F238E27FC236}">
+                <a16:creationId xmlns:a16="http://schemas.microsoft.com/office/drawing/2014/main" id="{AF58CA96-CB74-464D-9CB2-928A8A1EA9B1}"/>
+              </a:ext>
+            </a:extLst>
+          </p:cNvPr>
+          <p:cNvPicPr/>
+          <p:nvPr/>
+        </p:nvPicPr>
+        <p:blipFill>
+          <a:blip r:embed="rId3">
+            <a:extLst>
+              <a:ext uri="{28A0092B-C50C-407E-A947-70E740481C1C}">
+                <a14:useLocalDpi xmlns:a14="http://schemas.microsoft.com/office/drawing/2010/main" val="0"/>
+              </a:ext>
+            </a:extLst>
+          </a:blip>
+          <a:srcRect/>
+          <a:stretch>
+            <a:fillRect/>
+          </a:stretch>
+        </p:blipFill>
+        <p:spPr bwMode="auto">
+          <a:xfrm>
+            <a:off x="2268840" y="1701800"/>
+            <a:ext cx="2561484" cy="3681201"/>
+          </a:xfrm>
+          <a:prstGeom prst="rect">
+            <a:avLst/>
+          </a:prstGeom>
+          <a:noFill/>
+          <a:ln>
+            <a:noFill/>
+          </a:ln>
+        </p:spPr>
+      </p:pic>
+      <p:pic>
+        <p:nvPicPr>
+          <p:cNvPr id="9" name="Imagem 8">
+            <a:extLst>
+              <a:ext uri="{FF2B5EF4-FFF2-40B4-BE49-F238E27FC236}">
+                <a16:creationId xmlns:a16="http://schemas.microsoft.com/office/drawing/2014/main" id="{EC1B39DA-6EF3-4AD9-BE65-6B0C9B4B348F}"/>
+              </a:ext>
+            </a:extLst>
+          </p:cNvPr>
+          <p:cNvPicPr/>
+          <p:nvPr/>
+        </p:nvPicPr>
+        <p:blipFill>
+          <a:blip r:embed="rId4">
+            <a:extLst>
+              <a:ext uri="{28A0092B-C50C-407E-A947-70E740481C1C}">
+                <a14:useLocalDpi xmlns:a14="http://schemas.microsoft.com/office/drawing/2010/main" val="0"/>
+              </a:ext>
+            </a:extLst>
+          </a:blip>
+          <a:srcRect/>
+          <a:stretch>
+            <a:fillRect/>
+          </a:stretch>
+        </p:blipFill>
+        <p:spPr bwMode="auto">
+          <a:xfrm>
+            <a:off x="7331829" y="2552382"/>
+            <a:ext cx="2974763" cy="2273618"/>
+          </a:xfrm>
+          <a:prstGeom prst="rect">
+            <a:avLst/>
+          </a:prstGeom>
+          <a:noFill/>
+          <a:ln>
+            <a:noFill/>
+          </a:ln>
+        </p:spPr>
+      </p:pic>
+      <p:sp>
+        <p:nvSpPr>
+          <p:cNvPr id="10" name="Google Shape;279;p62">
+            <a:extLst>
+              <a:ext uri="{FF2B5EF4-FFF2-40B4-BE49-F238E27FC236}">
+                <a16:creationId xmlns:a16="http://schemas.microsoft.com/office/drawing/2014/main" id="{48F27486-F4A2-435B-A2EE-F2DBE0D53585}"/>
+              </a:ext>
+            </a:extLst>
+          </p:cNvPr>
+          <p:cNvSpPr txBox="1"/>
+          <p:nvPr/>
+        </p:nvSpPr>
+        <p:spPr>
+          <a:xfrm>
+            <a:off x="7475763" y="4982315"/>
+            <a:ext cx="2447397" cy="601695"/>
+          </a:xfrm>
+          <a:prstGeom prst="rect">
+            <a:avLst/>
+          </a:prstGeom>
+          <a:noFill/>
+          <a:ln>
+            <a:noFill/>
+          </a:ln>
+        </p:spPr>
+        <p:txBody>
+          <a:bodyPr spcFirstLastPara="1" wrap="square" lIns="0" tIns="0" rIns="0" bIns="0" anchor="b" anchorCtr="0">
+            <a:noAutofit/>
+          </a:bodyPr>
+          <a:lstStyle/>
+          <a:p>
+            <a:pPr lvl="0">
+              <a:buClr>
+                <a:srgbClr val="4D4D4D"/>
+              </a:buClr>
+              <a:buSzPts val="1400"/>
+            </a:pPr>
+            <a:r>
+              <a:rPr lang="pt-PT" sz="1200" b="1" dirty="0">
+                <a:effectLst/>
+                <a:latin typeface="Gill Sans MT" panose="020B0502020104020203" pitchFamily="34" charset="0"/>
+                <a:ea typeface="Times New Roman" panose="02020603050405020304" pitchFamily="18" charset="0"/>
+              </a:rPr>
+              <a:t>Para fazer login a plataforma e puder avaliar pontos de interesses</a:t>
+            </a:r>
+            <a:endParaRPr lang="pt-PT" sz="900" b="1" dirty="0">
+              <a:solidFill>
+                <a:srgbClr val="4D4D4D"/>
+              </a:solidFill>
+              <a:latin typeface="Gill Sans MT" panose="020B0502020104020203" pitchFamily="34" charset="0"/>
+            </a:endParaRPr>
+          </a:p>
+        </p:txBody>
+      </p:sp>
+    </p:spTree>
+    <p:extLst>
+      <p:ext uri="{BB962C8B-B14F-4D97-AF65-F5344CB8AC3E}">
+        <p14:creationId xmlns:p14="http://schemas.microsoft.com/office/powerpoint/2010/main" val="4163730550"/>
+      </p:ext>
+    </p:extLst>
+  </p:cSld>
+  <p:clrMapOvr>
+    <a:masterClrMapping/>
+  </p:clrMapOvr>
+  <p:transition spd="slow">
+    <p:fade thruBlk="1"/>
+  </p:transition>
+</p:sld>
+</file>
+
+<file path=ppt/slides/slide14.xml><?xml version="1.0" encoding="utf-8"?>
+<p:sld xmlns:a="http://schemas.openxmlformats.org/drawingml/2006/main" xmlns:r="http://schemas.openxmlformats.org/officeDocument/2006/relationships" xmlns:p="http://schemas.openxmlformats.org/presentationml/2006/main">
+  <p:cSld>
+    <p:spTree>
+      <p:nvGrpSpPr>
+        <p:cNvPr id="1" name="Shape 341"/>
+        <p:cNvGrpSpPr/>
+        <p:nvPr/>
+      </p:nvGrpSpPr>
+      <p:grpSpPr>
+        <a:xfrm>
+          <a:off x="0" y="0"/>
+          <a:ext cx="0" cy="0"/>
+          <a:chOff x="0" y="0"/>
+          <a:chExt cx="0" cy="0"/>
+        </a:xfrm>
+      </p:grpSpPr>
+      <p:sp>
+        <p:nvSpPr>
+          <p:cNvPr id="342" name="Google Shape;342;p70"/>
+          <p:cNvSpPr txBox="1"/>
+          <p:nvPr/>
+        </p:nvSpPr>
+        <p:spPr>
+          <a:xfrm>
+            <a:off x="9929067" y="276821"/>
+            <a:ext cx="340999" cy="276820"/>
+          </a:xfrm>
+          <a:prstGeom prst="rect">
+            <a:avLst/>
+          </a:prstGeom>
+          <a:noFill/>
+          <a:ln>
+            <a:noFill/>
+          </a:ln>
+        </p:spPr>
+        <p:txBody>
+          <a:bodyPr spcFirstLastPara="1" wrap="square" lIns="64283" tIns="32133" rIns="64283" bIns="32133" anchor="t" anchorCtr="0">
+            <a:noAutofit/>
+          </a:bodyPr>
+          <a:lstStyle/>
+          <a:p>
+            <a:pPr algn="r">
+              <a:buClr>
+                <a:srgbClr val="4D4D4D"/>
+              </a:buClr>
+              <a:buSzPts val="1400"/>
+            </a:pPr>
+            <a:fld id="{00000000-1234-1234-1234-123412341234}" type="slidenum">
+              <a:rPr lang="en-US" sz="984">
+                <a:solidFill>
+                  <a:srgbClr val="4D4D4D"/>
+                </a:solidFill>
+                <a:latin typeface="Gill Sans MT" panose="020B0502020104020203" pitchFamily="34" charset="77"/>
+                <a:sym typeface="Arial"/>
+              </a:rPr>
+              <a:pPr algn="r">
+                <a:buClr>
+                  <a:srgbClr val="4D4D4D"/>
+                </a:buClr>
+                <a:buSzPts val="1400"/>
+              </a:pPr>
+              <a:t>14</a:t>
+            </a:fld>
+            <a:endParaRPr sz="1266" dirty="0">
+              <a:latin typeface="Gill Sans MT" panose="020B0502020104020203" pitchFamily="34" charset="77"/>
+            </a:endParaRPr>
+          </a:p>
+        </p:txBody>
+      </p:sp>
+      <p:sp>
+        <p:nvSpPr>
+          <p:cNvPr id="343" name="Google Shape;343;p70"/>
+          <p:cNvSpPr txBox="1">
+            <a:spLocks noGrp="1"/>
+          </p:cNvSpPr>
+          <p:nvPr>
+            <p:ph type="title"/>
+          </p:nvPr>
+        </p:nvSpPr>
+        <p:spPr>
+          <a:xfrm>
+            <a:off x="3372791" y="863600"/>
+            <a:ext cx="5779676" cy="922867"/>
+          </a:xfrm>
+          <a:prstGeom prst="rect">
+            <a:avLst/>
+          </a:prstGeom>
+          <a:noFill/>
+          <a:ln>
+            <a:noFill/>
+          </a:ln>
+        </p:spPr>
+        <p:txBody>
+          <a:bodyPr spcFirstLastPara="1" vert="horz" wrap="square" lIns="0" tIns="0" rIns="0" bIns="0" rtlCol="0" anchor="t" anchorCtr="0">
+            <a:noAutofit/>
+          </a:bodyPr>
+          <a:lstStyle/>
+          <a:p>
+            <a:pPr algn="ctr">
+              <a:lnSpc>
+                <a:spcPct val="100000"/>
+              </a:lnSpc>
+              <a:spcBef>
+                <a:spcPts val="0"/>
+              </a:spcBef>
+              <a:buClr>
+                <a:schemeClr val="dk1"/>
+              </a:buClr>
+              <a:buSzPts val="4800"/>
+            </a:pPr>
+            <a:r>
+              <a:rPr lang="en-US" sz="2800" dirty="0" err="1">
+                <a:solidFill>
+                  <a:schemeClr val="dk1"/>
+                </a:solidFill>
+                <a:latin typeface="Gill Sans MT" panose="020B0502020104020203" pitchFamily="34" charset="77"/>
+                <a:sym typeface="Arial"/>
+              </a:rPr>
+              <a:t>Mapas</a:t>
+            </a:r>
+            <a:r>
+              <a:rPr lang="en-US" sz="2800" dirty="0">
+                <a:solidFill>
+                  <a:schemeClr val="dk1"/>
+                </a:solidFill>
+                <a:latin typeface="Gill Sans MT" panose="020B0502020104020203" pitchFamily="34" charset="77"/>
+                <a:sym typeface="Arial"/>
+              </a:rPr>
+              <a:t> </a:t>
+            </a:r>
+            <a:r>
+              <a:rPr lang="en-US" sz="2800" dirty="0" err="1">
+                <a:solidFill>
+                  <a:schemeClr val="dk1"/>
+                </a:solidFill>
+                <a:latin typeface="Gill Sans MT" panose="020B0502020104020203" pitchFamily="34" charset="77"/>
+                <a:sym typeface="Arial"/>
+              </a:rPr>
+              <a:t>Interativos</a:t>
+            </a:r>
+            <a:br>
+              <a:rPr lang="en-US" sz="2800" dirty="0">
+                <a:solidFill>
+                  <a:schemeClr val="dk1"/>
+                </a:solidFill>
+                <a:latin typeface="Gill Sans MT" panose="020B0502020104020203" pitchFamily="34" charset="77"/>
+                <a:sym typeface="Arial"/>
+              </a:rPr>
+            </a:br>
+            <a:br>
+              <a:rPr lang="en-US" sz="2800" dirty="0">
+                <a:solidFill>
+                  <a:schemeClr val="dk1"/>
+                </a:solidFill>
+                <a:ea typeface="Arial"/>
+                <a:sym typeface="Arial"/>
+              </a:rPr>
+            </a:br>
+            <a:endParaRPr sz="2400" dirty="0"/>
+          </a:p>
+        </p:txBody>
+      </p:sp>
+      <p:sp>
+        <p:nvSpPr>
+          <p:cNvPr id="7" name="Google Shape;279;p62"/>
+          <p:cNvSpPr txBox="1"/>
+          <p:nvPr/>
+        </p:nvSpPr>
+        <p:spPr>
+          <a:xfrm>
+            <a:off x="900463" y="312539"/>
+            <a:ext cx="11054469" cy="241102"/>
+          </a:xfrm>
+          <a:prstGeom prst="rect">
+            <a:avLst/>
+          </a:prstGeom>
+          <a:noFill/>
+          <a:ln>
+            <a:noFill/>
+          </a:ln>
+        </p:spPr>
+        <p:txBody>
+          <a:bodyPr spcFirstLastPara="1" wrap="square" lIns="0" tIns="0" rIns="0" bIns="0" anchor="b" anchorCtr="0">
+            <a:noAutofit/>
+          </a:bodyPr>
+          <a:lstStyle/>
+          <a:p>
+            <a:pPr lvl="0">
+              <a:buClr>
+                <a:srgbClr val="4D4D4D"/>
+              </a:buClr>
+              <a:buSzPts val="1400"/>
+            </a:pPr>
+            <a:r>
+              <a:rPr lang="pt-PT" sz="950" b="1" dirty="0">
+                <a:solidFill>
+                  <a:schemeClr val="accent3">
+                    <a:lumMod val="75000"/>
+                  </a:schemeClr>
+                </a:solidFill>
+              </a:rPr>
+              <a:t>Desenvolvimento de uma Progressive Web App (PWA) para Turismo em Coimbra </a:t>
+            </a:r>
+            <a:r>
+              <a:rPr lang="en-US" sz="950" dirty="0">
+                <a:solidFill>
+                  <a:schemeClr val="accent3">
+                    <a:lumMod val="75000"/>
+                  </a:schemeClr>
+                </a:solidFill>
+                <a:latin typeface="Gill Sans MT"/>
+                <a:sym typeface="Arial"/>
+              </a:rPr>
+              <a:t>			</a:t>
+            </a:r>
+            <a:endParaRPr sz="950" dirty="0">
+              <a:solidFill>
+                <a:schemeClr val="accent3">
+                  <a:lumMod val="75000"/>
+                </a:schemeClr>
+              </a:solidFill>
+              <a:latin typeface="Gill Sans MT" panose="020B0502020104020203" pitchFamily="34" charset="77"/>
+            </a:endParaRPr>
+          </a:p>
+        </p:txBody>
+      </p:sp>
+      <p:sp>
+        <p:nvSpPr>
+          <p:cNvPr id="10" name="Google Shape;279;p62">
+            <a:extLst>
+              <a:ext uri="{FF2B5EF4-FFF2-40B4-BE49-F238E27FC236}">
+                <a16:creationId xmlns:a16="http://schemas.microsoft.com/office/drawing/2014/main" id="{48F27486-F4A2-435B-A2EE-F2DBE0D53585}"/>
+              </a:ext>
+            </a:extLst>
+          </p:cNvPr>
+          <p:cNvSpPr txBox="1"/>
+          <p:nvPr/>
+        </p:nvSpPr>
+        <p:spPr>
+          <a:xfrm>
+            <a:off x="5073030" y="5181072"/>
+            <a:ext cx="2709334" cy="512476"/>
+          </a:xfrm>
+          <a:prstGeom prst="rect">
+            <a:avLst/>
+          </a:prstGeom>
+          <a:noFill/>
+          <a:ln>
+            <a:noFill/>
+          </a:ln>
+        </p:spPr>
+        <p:txBody>
+          <a:bodyPr spcFirstLastPara="1" wrap="square" lIns="0" tIns="0" rIns="0" bIns="0" anchor="b" anchorCtr="0">
+            <a:noAutofit/>
+          </a:bodyPr>
+          <a:lstStyle/>
+          <a:p>
+            <a:pPr lvl="0">
+              <a:buClr>
+                <a:srgbClr val="4D4D4D"/>
+              </a:buClr>
+              <a:buSzPts val="1400"/>
+            </a:pPr>
+            <a:r>
+              <a:rPr lang="pt-PT" sz="1200" b="1" dirty="0">
+                <a:effectLst/>
+                <a:latin typeface="Gill Sans MT" panose="020B0502020104020203" pitchFamily="34" charset="0"/>
+                <a:ea typeface="Times New Roman" panose="02020603050405020304" pitchFamily="18" charset="0"/>
+              </a:rPr>
+              <a:t>Classificar ponto de interesse</a:t>
+            </a:r>
+            <a:endParaRPr lang="pt-PT" sz="900" b="1" dirty="0">
+              <a:solidFill>
+                <a:srgbClr val="4D4D4D"/>
+              </a:solidFill>
+              <a:latin typeface="Gill Sans MT" panose="020B0502020104020203" pitchFamily="34" charset="0"/>
+            </a:endParaRPr>
+          </a:p>
+        </p:txBody>
+      </p:sp>
+      <p:pic>
+        <p:nvPicPr>
+          <p:cNvPr id="11" name="Imagem 10">
+            <a:extLst>
+              <a:ext uri="{FF2B5EF4-FFF2-40B4-BE49-F238E27FC236}">
+                <a16:creationId xmlns:a16="http://schemas.microsoft.com/office/drawing/2014/main" id="{4FFDEC39-C201-4662-9DD0-746CF559BE63}"/>
+              </a:ext>
+            </a:extLst>
+          </p:cNvPr>
+          <p:cNvPicPr/>
+          <p:nvPr/>
+        </p:nvPicPr>
+        <p:blipFill>
+          <a:blip r:embed="rId3" cstate="print">
+            <a:extLst>
+              <a:ext uri="{28A0092B-C50C-407E-A947-70E740481C1C}">
+                <a14:useLocalDpi xmlns:a14="http://schemas.microsoft.com/office/drawing/2010/main" val="0"/>
+              </a:ext>
+            </a:extLst>
+          </a:blip>
+          <a:srcRect/>
+          <a:stretch>
+            <a:fillRect/>
+          </a:stretch>
+        </p:blipFill>
+        <p:spPr bwMode="auto">
+          <a:xfrm>
+            <a:off x="3525197" y="1786467"/>
+            <a:ext cx="5474864" cy="3453342"/>
+          </a:xfrm>
+          <a:prstGeom prst="rect">
+            <a:avLst/>
+          </a:prstGeom>
+          <a:noFill/>
+          <a:ln>
+            <a:noFill/>
+          </a:ln>
+        </p:spPr>
+      </p:pic>
+    </p:spTree>
+    <p:extLst>
+      <p:ext uri="{BB962C8B-B14F-4D97-AF65-F5344CB8AC3E}">
+        <p14:creationId xmlns:p14="http://schemas.microsoft.com/office/powerpoint/2010/main" val="3644048550"/>
+      </p:ext>
+    </p:extLst>
+  </p:cSld>
+  <p:clrMapOvr>
+    <a:masterClrMapping/>
+  </p:clrMapOvr>
+  <p:transition spd="slow">
+    <p:fade thruBlk="1"/>
+  </p:transition>
+</p:sld>
+</file>
+
+<file path=ppt/slides/slide15.xml><?xml version="1.0" encoding="utf-8"?>
+<p:sld xmlns:a="http://schemas.openxmlformats.org/drawingml/2006/main" xmlns:r="http://schemas.openxmlformats.org/officeDocument/2006/relationships" xmlns:p="http://schemas.openxmlformats.org/presentationml/2006/main">
+  <p:cSld>
+    <p:spTree>
+      <p:nvGrpSpPr>
+        <p:cNvPr id="1" name="Shape 341"/>
+        <p:cNvGrpSpPr/>
+        <p:nvPr/>
+      </p:nvGrpSpPr>
+      <p:grpSpPr>
+        <a:xfrm>
+          <a:off x="0" y="0"/>
+          <a:ext cx="0" cy="0"/>
+          <a:chOff x="0" y="0"/>
+          <a:chExt cx="0" cy="0"/>
+        </a:xfrm>
+      </p:grpSpPr>
+      <p:sp>
+        <p:nvSpPr>
+          <p:cNvPr id="342" name="Google Shape;342;p70"/>
+          <p:cNvSpPr txBox="1"/>
+          <p:nvPr/>
+        </p:nvSpPr>
+        <p:spPr>
+          <a:xfrm>
+            <a:off x="9929067" y="276821"/>
+            <a:ext cx="340999" cy="276820"/>
+          </a:xfrm>
+          <a:prstGeom prst="rect">
+            <a:avLst/>
+          </a:prstGeom>
+          <a:noFill/>
+          <a:ln>
+            <a:noFill/>
+          </a:ln>
+        </p:spPr>
+        <p:txBody>
+          <a:bodyPr spcFirstLastPara="1" wrap="square" lIns="64283" tIns="32133" rIns="64283" bIns="32133" anchor="t" anchorCtr="0">
+            <a:noAutofit/>
+          </a:bodyPr>
+          <a:lstStyle/>
+          <a:p>
+            <a:pPr algn="r">
+              <a:buClr>
+                <a:srgbClr val="4D4D4D"/>
+              </a:buClr>
+              <a:buSzPts val="1400"/>
+            </a:pPr>
+            <a:fld id="{00000000-1234-1234-1234-123412341234}" type="slidenum">
+              <a:rPr lang="en-US" sz="984">
+                <a:solidFill>
+                  <a:srgbClr val="4D4D4D"/>
+                </a:solidFill>
+                <a:latin typeface="Gill Sans MT" panose="020B0502020104020203" pitchFamily="34" charset="77"/>
+                <a:sym typeface="Arial"/>
+              </a:rPr>
+              <a:pPr algn="r">
+                <a:buClr>
+                  <a:srgbClr val="4D4D4D"/>
+                </a:buClr>
+                <a:buSzPts val="1400"/>
+              </a:pPr>
+              <a:t>15</a:t>
+            </a:fld>
+            <a:endParaRPr sz="1266" dirty="0">
+              <a:latin typeface="Gill Sans MT" panose="020B0502020104020203" pitchFamily="34" charset="77"/>
+            </a:endParaRPr>
+          </a:p>
+        </p:txBody>
+      </p:sp>
+      <p:sp>
+        <p:nvSpPr>
+          <p:cNvPr id="343" name="Google Shape;343;p70"/>
+          <p:cNvSpPr txBox="1">
+            <a:spLocks noGrp="1"/>
+          </p:cNvSpPr>
+          <p:nvPr>
+            <p:ph type="title"/>
+          </p:nvPr>
+        </p:nvSpPr>
+        <p:spPr>
+          <a:xfrm>
+            <a:off x="3372791" y="863600"/>
+            <a:ext cx="5779676" cy="922867"/>
+          </a:xfrm>
+          <a:prstGeom prst="rect">
+            <a:avLst/>
+          </a:prstGeom>
+          <a:noFill/>
+          <a:ln>
+            <a:noFill/>
+          </a:ln>
+        </p:spPr>
+        <p:txBody>
+          <a:bodyPr spcFirstLastPara="1" vert="horz" wrap="square" lIns="0" tIns="0" rIns="0" bIns="0" rtlCol="0" anchor="t" anchorCtr="0">
+            <a:noAutofit/>
+          </a:bodyPr>
+          <a:lstStyle/>
+          <a:p>
+            <a:pPr algn="ctr">
+              <a:lnSpc>
+                <a:spcPct val="100000"/>
+              </a:lnSpc>
+              <a:spcBef>
+                <a:spcPts val="0"/>
+              </a:spcBef>
+              <a:buClr>
+                <a:schemeClr val="dk1"/>
+              </a:buClr>
+              <a:buSzPts val="4800"/>
+            </a:pPr>
+            <a:r>
+              <a:rPr lang="en-US" sz="2800" dirty="0" err="1">
+                <a:solidFill>
+                  <a:schemeClr val="dk1"/>
+                </a:solidFill>
+                <a:latin typeface="Gill Sans MT" panose="020B0502020104020203" pitchFamily="34" charset="77"/>
+                <a:sym typeface="Arial"/>
+              </a:rPr>
+              <a:t>Mapas</a:t>
+            </a:r>
+            <a:r>
+              <a:rPr lang="en-US" sz="2800" dirty="0">
+                <a:solidFill>
+                  <a:schemeClr val="dk1"/>
+                </a:solidFill>
+                <a:latin typeface="Gill Sans MT" panose="020B0502020104020203" pitchFamily="34" charset="77"/>
+                <a:sym typeface="Arial"/>
+              </a:rPr>
+              <a:t> </a:t>
+            </a:r>
+            <a:r>
+              <a:rPr lang="en-US" sz="2800" dirty="0" err="1">
+                <a:solidFill>
+                  <a:schemeClr val="dk1"/>
+                </a:solidFill>
+                <a:latin typeface="Gill Sans MT" panose="020B0502020104020203" pitchFamily="34" charset="77"/>
+                <a:sym typeface="Arial"/>
+              </a:rPr>
+              <a:t>Interativos</a:t>
+            </a:r>
+            <a:br>
+              <a:rPr lang="en-US" sz="2800" dirty="0">
+                <a:solidFill>
+                  <a:schemeClr val="dk1"/>
+                </a:solidFill>
+                <a:latin typeface="Gill Sans MT" panose="020B0502020104020203" pitchFamily="34" charset="77"/>
+                <a:sym typeface="Arial"/>
+              </a:rPr>
+            </a:br>
+            <a:br>
+              <a:rPr lang="en-US" sz="2800" dirty="0">
+                <a:solidFill>
+                  <a:schemeClr val="dk1"/>
+                </a:solidFill>
+                <a:ea typeface="Arial"/>
+                <a:sym typeface="Arial"/>
+              </a:rPr>
+            </a:br>
+            <a:endParaRPr sz="2400" dirty="0"/>
+          </a:p>
+        </p:txBody>
+      </p:sp>
+      <p:sp>
+        <p:nvSpPr>
+          <p:cNvPr id="7" name="Google Shape;279;p62"/>
+          <p:cNvSpPr txBox="1"/>
+          <p:nvPr/>
+        </p:nvSpPr>
+        <p:spPr>
+          <a:xfrm>
+            <a:off x="900463" y="312539"/>
+            <a:ext cx="11054469" cy="241102"/>
+          </a:xfrm>
+          <a:prstGeom prst="rect">
+            <a:avLst/>
+          </a:prstGeom>
+          <a:noFill/>
+          <a:ln>
+            <a:noFill/>
+          </a:ln>
+        </p:spPr>
+        <p:txBody>
+          <a:bodyPr spcFirstLastPara="1" wrap="square" lIns="0" tIns="0" rIns="0" bIns="0" anchor="b" anchorCtr="0">
+            <a:noAutofit/>
+          </a:bodyPr>
+          <a:lstStyle/>
+          <a:p>
+            <a:pPr lvl="0">
+              <a:buClr>
+                <a:srgbClr val="4D4D4D"/>
+              </a:buClr>
+              <a:buSzPts val="1400"/>
+            </a:pPr>
+            <a:r>
+              <a:rPr lang="pt-PT" sz="950" b="1" dirty="0">
+                <a:solidFill>
+                  <a:schemeClr val="accent3">
+                    <a:lumMod val="75000"/>
+                  </a:schemeClr>
+                </a:solidFill>
+              </a:rPr>
+              <a:t>Desenvolvimento de uma Progressive Web App (PWA) para Turismo em Coimbra </a:t>
+            </a:r>
+            <a:r>
+              <a:rPr lang="en-US" sz="950" dirty="0">
+                <a:solidFill>
+                  <a:schemeClr val="accent3">
+                    <a:lumMod val="75000"/>
+                  </a:schemeClr>
+                </a:solidFill>
+                <a:latin typeface="Gill Sans MT"/>
+                <a:sym typeface="Arial"/>
+              </a:rPr>
+              <a:t>			</a:t>
+            </a:r>
+            <a:endParaRPr sz="950" dirty="0">
+              <a:solidFill>
+                <a:schemeClr val="accent3">
+                  <a:lumMod val="75000"/>
+                </a:schemeClr>
+              </a:solidFill>
+              <a:latin typeface="Gill Sans MT" panose="020B0502020104020203" pitchFamily="34" charset="77"/>
+            </a:endParaRPr>
+          </a:p>
+        </p:txBody>
+      </p:sp>
+      <p:sp>
+        <p:nvSpPr>
+          <p:cNvPr id="10" name="Google Shape;279;p62">
+            <a:extLst>
+              <a:ext uri="{FF2B5EF4-FFF2-40B4-BE49-F238E27FC236}">
+                <a16:creationId xmlns:a16="http://schemas.microsoft.com/office/drawing/2014/main" id="{48F27486-F4A2-435B-A2EE-F2DBE0D53585}"/>
+              </a:ext>
+            </a:extLst>
+          </p:cNvPr>
+          <p:cNvSpPr txBox="1"/>
+          <p:nvPr/>
+        </p:nvSpPr>
+        <p:spPr>
+          <a:xfrm>
+            <a:off x="3986379" y="5579533"/>
+            <a:ext cx="4663637" cy="512476"/>
+          </a:xfrm>
+          <a:prstGeom prst="rect">
+            <a:avLst/>
+          </a:prstGeom>
+          <a:noFill/>
+          <a:ln>
+            <a:noFill/>
+          </a:ln>
+        </p:spPr>
+        <p:txBody>
+          <a:bodyPr spcFirstLastPara="1" wrap="square" lIns="0" tIns="0" rIns="0" bIns="0" anchor="b" anchorCtr="0">
+            <a:noAutofit/>
+          </a:bodyPr>
+          <a:lstStyle/>
+          <a:p>
+            <a:pPr lvl="0">
+              <a:buClr>
+                <a:srgbClr val="4D4D4D"/>
+              </a:buClr>
+              <a:buSzPts val="1400"/>
+            </a:pPr>
+            <a:r>
+              <a:rPr lang="pt-PT" sz="1200" b="1" dirty="0">
+                <a:effectLst/>
+                <a:latin typeface="Gill Sans MT" panose="020B0502020104020203" pitchFamily="34" charset="0"/>
+                <a:ea typeface="Times New Roman" panose="02020603050405020304" pitchFamily="18" charset="0"/>
+              </a:rPr>
+              <a:t>Visualização em um dispositivo móvel, ponto de interesse selecionado, a rota é traçada automaticamente.</a:t>
+            </a:r>
+            <a:endParaRPr lang="pt-PT" sz="900" b="1" dirty="0">
+              <a:solidFill>
+                <a:srgbClr val="4D4D4D"/>
+              </a:solidFill>
+              <a:latin typeface="Gill Sans MT" panose="020B0502020104020203" pitchFamily="34" charset="0"/>
+            </a:endParaRPr>
+          </a:p>
+        </p:txBody>
+      </p:sp>
+      <p:pic>
+        <p:nvPicPr>
+          <p:cNvPr id="8" name="Imagem 7">
+            <a:extLst>
+              <a:ext uri="{FF2B5EF4-FFF2-40B4-BE49-F238E27FC236}">
+                <a16:creationId xmlns:a16="http://schemas.microsoft.com/office/drawing/2014/main" id="{E8476CDD-443B-4722-A7A5-3D55CFA49E70}"/>
+              </a:ext>
+            </a:extLst>
+          </p:cNvPr>
+          <p:cNvPicPr/>
+          <p:nvPr/>
+        </p:nvPicPr>
+        <p:blipFill>
+          <a:blip r:embed="rId3" cstate="print">
+            <a:extLst>
+              <a:ext uri="{28A0092B-C50C-407E-A947-70E740481C1C}">
+                <a14:useLocalDpi xmlns:a14="http://schemas.microsoft.com/office/drawing/2010/main" val="0"/>
+              </a:ext>
+            </a:extLst>
+          </a:blip>
+          <a:srcRect/>
+          <a:stretch>
+            <a:fillRect/>
+          </a:stretch>
+        </p:blipFill>
+        <p:spPr bwMode="auto">
+          <a:xfrm>
+            <a:off x="3454400" y="1921827"/>
+            <a:ext cx="1949767" cy="3657706"/>
+          </a:xfrm>
+          <a:prstGeom prst="rect">
+            <a:avLst/>
+          </a:prstGeom>
+          <a:noFill/>
+          <a:ln>
+            <a:noFill/>
+          </a:ln>
+        </p:spPr>
+      </p:pic>
+      <p:pic>
+        <p:nvPicPr>
+          <p:cNvPr id="9" name="Imagem 8">
+            <a:extLst>
+              <a:ext uri="{FF2B5EF4-FFF2-40B4-BE49-F238E27FC236}">
+                <a16:creationId xmlns:a16="http://schemas.microsoft.com/office/drawing/2014/main" id="{341C413B-4EC9-4DAE-928F-EA3F2A17E33B}"/>
+              </a:ext>
+            </a:extLst>
+          </p:cNvPr>
+          <p:cNvPicPr/>
+          <p:nvPr/>
+        </p:nvPicPr>
+        <p:blipFill>
+          <a:blip r:embed="rId4" cstate="print">
+            <a:extLst>
+              <a:ext uri="{28A0092B-C50C-407E-A947-70E740481C1C}">
+                <a14:useLocalDpi xmlns:a14="http://schemas.microsoft.com/office/drawing/2010/main" val="0"/>
+              </a:ext>
+            </a:extLst>
+          </a:blip>
+          <a:srcRect/>
+          <a:stretch>
+            <a:fillRect/>
+          </a:stretch>
+        </p:blipFill>
+        <p:spPr bwMode="auto">
+          <a:xfrm>
+            <a:off x="5490527" y="1921774"/>
+            <a:ext cx="1655340" cy="3505359"/>
+          </a:xfrm>
+          <a:prstGeom prst="rect">
+            <a:avLst/>
+          </a:prstGeom>
+          <a:noFill/>
+          <a:ln>
+            <a:noFill/>
+          </a:ln>
+        </p:spPr>
+      </p:pic>
+      <p:pic>
+        <p:nvPicPr>
+          <p:cNvPr id="12" name="Imagem 11">
+            <a:extLst>
+              <a:ext uri="{FF2B5EF4-FFF2-40B4-BE49-F238E27FC236}">
+                <a16:creationId xmlns:a16="http://schemas.microsoft.com/office/drawing/2014/main" id="{B3FF14F4-F48D-4BE1-B798-1EAE013BA95C}"/>
+              </a:ext>
+            </a:extLst>
+          </p:cNvPr>
+          <p:cNvPicPr/>
+          <p:nvPr/>
+        </p:nvPicPr>
+        <p:blipFill>
+          <a:blip r:embed="rId5" cstate="print">
+            <a:extLst>
+              <a:ext uri="{28A0092B-C50C-407E-A947-70E740481C1C}">
+                <a14:useLocalDpi xmlns:a14="http://schemas.microsoft.com/office/drawing/2010/main" val="0"/>
+              </a:ext>
+            </a:extLst>
+          </a:blip>
+          <a:srcRect/>
+          <a:stretch>
+            <a:fillRect/>
+          </a:stretch>
+        </p:blipFill>
+        <p:spPr bwMode="auto">
+          <a:xfrm>
+            <a:off x="7232227" y="1921774"/>
+            <a:ext cx="1920240" cy="3505359"/>
+          </a:xfrm>
+          <a:prstGeom prst="rect">
+            <a:avLst/>
+          </a:prstGeom>
+          <a:noFill/>
+          <a:ln>
+            <a:noFill/>
+          </a:ln>
+        </p:spPr>
+      </p:pic>
+    </p:spTree>
+    <p:extLst>
+      <p:ext uri="{BB962C8B-B14F-4D97-AF65-F5344CB8AC3E}">
+        <p14:creationId xmlns:p14="http://schemas.microsoft.com/office/powerpoint/2010/main" val="102635285"/>
+      </p:ext>
+    </p:extLst>
+  </p:cSld>
+  <p:clrMapOvr>
+    <a:masterClrMapping/>
+  </p:clrMapOvr>
+  <p:transition spd="slow">
+    <p:fade thruBlk="1"/>
+  </p:transition>
+</p:sld>
+</file>
+
+<file path=ppt/slides/slide16.xml><?xml version="1.0" encoding="utf-8"?>
+<p:sld xmlns:a="http://schemas.openxmlformats.org/drawingml/2006/main" xmlns:r="http://schemas.openxmlformats.org/officeDocument/2006/relationships" xmlns:p="http://schemas.openxmlformats.org/presentationml/2006/main">
+  <p:cSld>
+    <p:spTree>
+      <p:nvGrpSpPr>
+        <p:cNvPr id="1" name="Shape 341"/>
+        <p:cNvGrpSpPr/>
+        <p:nvPr/>
+      </p:nvGrpSpPr>
+      <p:grpSpPr>
+        <a:xfrm>
+          <a:off x="0" y="0"/>
+          <a:ext cx="0" cy="0"/>
+          <a:chOff x="0" y="0"/>
+          <a:chExt cx="0" cy="0"/>
+        </a:xfrm>
+      </p:grpSpPr>
+      <p:sp>
+        <p:nvSpPr>
+          <p:cNvPr id="342" name="Google Shape;342;p70"/>
+          <p:cNvSpPr txBox="1"/>
+          <p:nvPr/>
+        </p:nvSpPr>
+        <p:spPr>
+          <a:xfrm>
+            <a:off x="9929067" y="276821"/>
+            <a:ext cx="340999" cy="276820"/>
+          </a:xfrm>
+          <a:prstGeom prst="rect">
+            <a:avLst/>
+          </a:prstGeom>
+          <a:noFill/>
+          <a:ln>
+            <a:noFill/>
+          </a:ln>
+        </p:spPr>
+        <p:txBody>
+          <a:bodyPr spcFirstLastPara="1" wrap="square" lIns="64283" tIns="32133" rIns="64283" bIns="32133" anchor="t" anchorCtr="0">
+            <a:noAutofit/>
+          </a:bodyPr>
+          <a:lstStyle/>
+          <a:p>
+            <a:pPr algn="r">
+              <a:buClr>
+                <a:srgbClr val="4D4D4D"/>
+              </a:buClr>
+              <a:buSzPts val="1400"/>
+            </a:pPr>
+            <a:fld id="{00000000-1234-1234-1234-123412341234}" type="slidenum">
+              <a:rPr lang="en-US" sz="984">
+                <a:solidFill>
+                  <a:srgbClr val="4D4D4D"/>
+                </a:solidFill>
+                <a:latin typeface="Gill Sans MT" panose="020B0502020104020203" pitchFamily="34" charset="77"/>
+                <a:sym typeface="Arial"/>
+              </a:rPr>
+              <a:pPr algn="r">
+                <a:buClr>
+                  <a:srgbClr val="4D4D4D"/>
+                </a:buClr>
+                <a:buSzPts val="1400"/>
+              </a:pPr>
+              <a:t>16</a:t>
+            </a:fld>
+            <a:endParaRPr sz="1266" dirty="0">
+              <a:latin typeface="Gill Sans MT" panose="020B0502020104020203" pitchFamily="34" charset="77"/>
+            </a:endParaRPr>
+          </a:p>
+        </p:txBody>
+      </p:sp>
+      <p:sp>
+        <p:nvSpPr>
+          <p:cNvPr id="343" name="Google Shape;343;p70"/>
+          <p:cNvSpPr txBox="1">
+            <a:spLocks noGrp="1"/>
+          </p:cNvSpPr>
+          <p:nvPr>
+            <p:ph type="title"/>
+          </p:nvPr>
+        </p:nvSpPr>
+        <p:spPr>
+          <a:xfrm>
+            <a:off x="1133992" y="3086894"/>
+            <a:ext cx="10502286" cy="812602"/>
           </a:xfrm>
           <a:prstGeom prst="rect">
             <a:avLst/>
@@ -5372,7 +8774,7 @@
                 <a:latin typeface="Gill Sans MT" panose="020B0502020104020203" pitchFamily="34" charset="77"/>
                 <a:sym typeface="Arial"/>
               </a:rPr>
-              <a:t>Trabalho</a:t>
+              <a:t>Disponibilização</a:t>
             </a:r>
             <a:r>
               <a:rPr lang="en-US" sz="3375" dirty="0">
@@ -5385,6 +8787,16 @@
               <a:t> </a:t>
             </a:r>
             <a:r>
+              <a:rPr lang="en-US" sz="4800" dirty="0">
+                <a:solidFill>
+                  <a:schemeClr val="dk1"/>
+                </a:solidFill>
+                <a:latin typeface="Gill Sans MT" panose="020B0502020104020203" pitchFamily="34" charset="77"/>
+                <a:sym typeface="Arial"/>
+              </a:rPr>
+              <a:t>dos dados &amp; </a:t>
+            </a:r>
+            <a:r>
               <a:rPr lang="en-US" sz="4800" dirty="0" err="1">
                 <a:solidFill>
                   <a:schemeClr val="dk1"/>
@@ -5392,9 +8804,9 @@
                 <a:latin typeface="Gill Sans MT" panose="020B0502020104020203" pitchFamily="34" charset="77"/>
                 <a:sym typeface="Arial"/>
               </a:rPr>
-              <a:t>atual</a:t>
-            </a:r>
-            <a:r>
+              <a:t>Privacidade</a:t>
+            </a:r>
+            <a:br>
               <a:rPr lang="en-US" sz="4800" dirty="0">
                 <a:solidFill>
                   <a:schemeClr val="dk1"/>
@@ -5402,28 +8814,7 @@
                 <a:latin typeface="Gill Sans MT" panose="020B0502020104020203" pitchFamily="34" charset="77"/>
                 <a:sym typeface="Arial"/>
               </a:rPr>
-              <a:t> &amp; </a:t>
-            </a:r>
-            <a:r>
-              <a:rPr lang="en-US" sz="4800" dirty="0" err="1">
-                <a:solidFill>
-                  <a:schemeClr val="dk1"/>
-                </a:solidFill>
-                <a:latin typeface="Gill Sans MT" panose="020B0502020104020203" pitchFamily="34" charset="77"/>
-                <a:sym typeface="Arial"/>
-              </a:rPr>
-              <a:t>Calendarização</a:t>
-            </a:r>
-            <a:r>
-              <a:rPr lang="en-US" sz="4500" dirty="0">
-                <a:solidFill>
-                  <a:schemeClr val="dk1"/>
-                </a:solidFill>
-                <a:ea typeface="Arial"/>
-                <a:sym typeface="Arial"/>
-              </a:rPr>
-              <a:t/>
-            </a:r>
+            </a:br>
             <a:br>
               <a:rPr lang="en-US" sz="4500" dirty="0">
                 <a:solidFill>
@@ -5437,512 +8828,9 @@
           </a:p>
         </p:txBody>
       </p:sp>
-      <p:graphicFrame>
-        <p:nvGraphicFramePr>
-          <p:cNvPr id="3" name="Espaço Reservado para Conteúdo 2"/>
-          <p:cNvGraphicFramePr>
-            <a:graphicFrameLocks noGrp="1"/>
-          </p:cNvGraphicFramePr>
-          <p:nvPr>
-            <p:ph idx="1"/>
-            <p:extLst>
-              <p:ext uri="{D42A27DB-BD31-4B8C-83A1-F6EECF244321}">
-                <p14:modId xmlns:p14="http://schemas.microsoft.com/office/powerpoint/2010/main" val="3128436938"/>
-              </p:ext>
-            </p:extLst>
-          </p:nvPr>
-        </p:nvGraphicFramePr>
-        <p:xfrm>
-          <a:off x="838200" y="2460625"/>
-          <a:ext cx="10600266" cy="3186645"/>
-        </p:xfrm>
-        <a:graphic>
-          <a:graphicData uri="http://schemas.openxmlformats.org/drawingml/2006/table">
-            <a:tbl>
-              <a:tblPr firstRow="1" bandRow="1">
-                <a:tableStyleId>{073A0DAA-6AF3-43AB-8588-CEC1D06C72B9}</a:tableStyleId>
-              </a:tblPr>
-              <a:tblGrid>
-                <a:gridCol w="3533422">
-                  <a:extLst>
-                    <a:ext uri="{9D8B030D-6E8A-4147-A177-3AD203B41FA5}">
-                      <a16:colId xmlns:a16="http://schemas.microsoft.com/office/drawing/2014/main" val="4220784780"/>
-                    </a:ext>
-                  </a:extLst>
-                </a:gridCol>
-                <a:gridCol w="3533422">
-                  <a:extLst>
-                    <a:ext uri="{9D8B030D-6E8A-4147-A177-3AD203B41FA5}">
-                      <a16:colId xmlns:a16="http://schemas.microsoft.com/office/drawing/2014/main" val="3154371452"/>
-                    </a:ext>
-                  </a:extLst>
-                </a:gridCol>
-                <a:gridCol w="3533422">
-                  <a:extLst>
-                    <a:ext uri="{9D8B030D-6E8A-4147-A177-3AD203B41FA5}">
-                      <a16:colId xmlns:a16="http://schemas.microsoft.com/office/drawing/2014/main" val="3231197628"/>
-                    </a:ext>
-                  </a:extLst>
-                </a:gridCol>
-              </a:tblGrid>
-              <a:tr h="455235">
-                <a:tc>
-                  <a:txBody>
-                    <a:bodyPr/>
-                    <a:lstStyle/>
-                    <a:p>
-                      <a:pPr fontAlgn="b"/>
-                      <a:r>
-                        <a:rPr lang="pt-PT" dirty="0">
-                          <a:effectLst/>
-                        </a:rPr>
-                        <a:t>Atividades</a:t>
-                      </a:r>
-                      <a:endParaRPr lang="pt-PT" b="1" dirty="0">
-                        <a:effectLst/>
-                      </a:endParaRPr>
-                    </a:p>
-                  </a:txBody>
-                  <a:tcPr anchor="b"/>
-                </a:tc>
-                <a:tc>
-                  <a:txBody>
-                    <a:bodyPr/>
-                    <a:lstStyle/>
-                    <a:p>
-                      <a:pPr fontAlgn="b"/>
-                      <a:r>
-                        <a:rPr lang="pt-PT" dirty="0">
-                          <a:effectLst/>
-                        </a:rPr>
-                        <a:t>Estado Atual</a:t>
-                      </a:r>
-                      <a:endParaRPr lang="pt-PT" b="1" dirty="0">
-                        <a:effectLst/>
-                      </a:endParaRPr>
-                    </a:p>
-                  </a:txBody>
-                  <a:tcPr anchor="b"/>
-                </a:tc>
-                <a:tc>
-                  <a:txBody>
-                    <a:bodyPr/>
-                    <a:lstStyle/>
-                    <a:p>
-                      <a:pPr fontAlgn="b"/>
-                      <a:r>
-                        <a:rPr lang="pt-PT">
-                          <a:effectLst/>
-                        </a:rPr>
-                        <a:t>Tempo Estimado</a:t>
-                      </a:r>
-                      <a:endParaRPr lang="pt-PT" b="1">
-                        <a:effectLst/>
-                      </a:endParaRPr>
-                    </a:p>
-                  </a:txBody>
-                  <a:tcPr anchor="b"/>
-                </a:tc>
-                <a:extLst>
-                  <a:ext uri="{0D108BD9-81ED-4DB2-BD59-A6C34878D82A}">
-                    <a16:rowId xmlns:a16="http://schemas.microsoft.com/office/drawing/2014/main" val="3256362234"/>
-                  </a:ext>
-                </a:extLst>
-              </a:tr>
-              <a:tr h="455235">
-                <a:tc>
-                  <a:txBody>
-                    <a:bodyPr/>
-                    <a:lstStyle/>
-                    <a:p>
-                      <a:pPr fontAlgn="base"/>
-                      <a:r>
-                        <a:rPr lang="pt-PT" dirty="0">
-                          <a:effectLst/>
-                        </a:rPr>
-                        <a:t>Estado atual do trabalho</a:t>
-                      </a:r>
-                    </a:p>
-                  </a:txBody>
-                  <a:tcPr anchor="ctr"/>
-                </a:tc>
-                <a:tc>
-                  <a:txBody>
-                    <a:bodyPr/>
-                    <a:lstStyle/>
-                    <a:p>
-                      <a:pPr fontAlgn="base"/>
-                      <a:r>
-                        <a:rPr lang="pt-PT" b="1" dirty="0" smtClean="0">
-                          <a:solidFill>
-                            <a:schemeClr val="accent1">
-                              <a:lumMod val="50000"/>
-                            </a:schemeClr>
-                          </a:solidFill>
-                          <a:effectLst/>
-                        </a:rPr>
-                        <a:t>Em andamento</a:t>
-                      </a:r>
-                      <a:endParaRPr lang="pt-PT" b="1" dirty="0">
-                        <a:solidFill>
-                          <a:schemeClr val="accent1">
-                            <a:lumMod val="50000"/>
-                          </a:schemeClr>
-                        </a:solidFill>
-                        <a:effectLst/>
-                      </a:endParaRPr>
-                    </a:p>
-                  </a:txBody>
-                  <a:tcPr anchor="ctr"/>
-                </a:tc>
-                <a:tc>
-                  <a:txBody>
-                    <a:bodyPr/>
-                    <a:lstStyle/>
-                    <a:p>
-                      <a:pPr fontAlgn="base"/>
-                      <a:r>
-                        <a:rPr lang="pt-PT">
-                          <a:effectLst/>
-                        </a:rPr>
-                        <a:t>-</a:t>
-                      </a:r>
-                    </a:p>
-                  </a:txBody>
-                  <a:tcPr anchor="ctr"/>
-                </a:tc>
-                <a:extLst>
-                  <a:ext uri="{0D108BD9-81ED-4DB2-BD59-A6C34878D82A}">
-                    <a16:rowId xmlns:a16="http://schemas.microsoft.com/office/drawing/2014/main" val="1549154417"/>
-                  </a:ext>
-                </a:extLst>
-              </a:tr>
-              <a:tr h="455235">
-                <a:tc>
-                  <a:txBody>
-                    <a:bodyPr/>
-                    <a:lstStyle/>
-                    <a:p>
-                      <a:pPr fontAlgn="base"/>
-                      <a:r>
-                        <a:rPr lang="pt-PT">
-                          <a:effectLst/>
-                        </a:rPr>
-                        <a:t>Recolha de dados</a:t>
-                      </a:r>
-                    </a:p>
-                  </a:txBody>
-                  <a:tcPr anchor="ctr"/>
-                </a:tc>
-                <a:tc>
-                  <a:txBody>
-                    <a:bodyPr/>
-                    <a:lstStyle/>
-                    <a:p>
-                      <a:pPr fontAlgn="base"/>
-                      <a:r>
-                        <a:rPr lang="pt-PT" b="1" dirty="0" smtClean="0">
-                          <a:solidFill>
-                            <a:schemeClr val="accent1">
-                              <a:lumMod val="50000"/>
-                            </a:schemeClr>
-                          </a:solidFill>
-                          <a:effectLst/>
-                        </a:rPr>
-                        <a:t>Em andamento</a:t>
-                      </a:r>
-                      <a:endParaRPr lang="pt-PT" b="1" dirty="0">
-                        <a:solidFill>
-                          <a:schemeClr val="accent1">
-                            <a:lumMod val="50000"/>
-                          </a:schemeClr>
-                        </a:solidFill>
-                        <a:effectLst/>
-                      </a:endParaRPr>
-                    </a:p>
-                  </a:txBody>
-                  <a:tcPr anchor="ctr"/>
-                </a:tc>
-                <a:tc>
-                  <a:txBody>
-                    <a:bodyPr/>
-                    <a:lstStyle/>
-                    <a:p>
-                      <a:pPr fontAlgn="base"/>
-                      <a:r>
-                        <a:rPr lang="pt-PT" dirty="0" smtClean="0">
-                          <a:effectLst/>
-                        </a:rPr>
-                        <a:t>1 semana</a:t>
-                      </a:r>
-                      <a:endParaRPr lang="pt-PT" dirty="0">
-                        <a:effectLst/>
-                      </a:endParaRPr>
-                    </a:p>
-                  </a:txBody>
-                  <a:tcPr anchor="ctr"/>
-                </a:tc>
-                <a:extLst>
-                  <a:ext uri="{0D108BD9-81ED-4DB2-BD59-A6C34878D82A}">
-                    <a16:rowId xmlns:a16="http://schemas.microsoft.com/office/drawing/2014/main" val="438887140"/>
-                  </a:ext>
-                </a:extLst>
-              </a:tr>
-              <a:tr h="455235">
-                <a:tc>
-                  <a:txBody>
-                    <a:bodyPr/>
-                    <a:lstStyle/>
-                    <a:p>
-                      <a:pPr fontAlgn="base"/>
-                      <a:r>
-                        <a:rPr lang="pt-PT">
-                          <a:effectLst/>
-                        </a:rPr>
-                        <a:t>Escrita do artigo (1ª versão)</a:t>
-                      </a:r>
-                    </a:p>
-                  </a:txBody>
-                  <a:tcPr anchor="ctr"/>
-                </a:tc>
-                <a:tc>
-                  <a:txBody>
-                    <a:bodyPr/>
-                    <a:lstStyle/>
-                    <a:p>
-                      <a:pPr fontAlgn="base"/>
-                      <a:r>
-                        <a:rPr lang="pt-PT" dirty="0">
-                          <a:effectLst/>
-                        </a:rPr>
-                        <a:t>Em espera</a:t>
-                      </a:r>
-                    </a:p>
-                  </a:txBody>
-                  <a:tcPr anchor="ctr"/>
-                </a:tc>
-                <a:tc>
-                  <a:txBody>
-                    <a:bodyPr/>
-                    <a:lstStyle/>
-                    <a:p>
-                      <a:pPr fontAlgn="base"/>
-                      <a:r>
-                        <a:rPr lang="pt-PT" dirty="0" smtClean="0">
-                          <a:effectLst/>
-                        </a:rPr>
-                        <a:t>1 semana</a:t>
-                      </a:r>
-                      <a:endParaRPr lang="pt-PT" dirty="0">
-                        <a:effectLst/>
-                      </a:endParaRPr>
-                    </a:p>
-                  </a:txBody>
-                  <a:tcPr anchor="ctr"/>
-                </a:tc>
-                <a:extLst>
-                  <a:ext uri="{0D108BD9-81ED-4DB2-BD59-A6C34878D82A}">
-                    <a16:rowId xmlns:a16="http://schemas.microsoft.com/office/drawing/2014/main" val="1593976651"/>
-                  </a:ext>
-                </a:extLst>
-              </a:tr>
-              <a:tr h="455235">
-                <a:tc>
-                  <a:txBody>
-                    <a:bodyPr/>
-                    <a:lstStyle/>
-                    <a:p>
-                      <a:pPr fontAlgn="base"/>
-                      <a:r>
-                        <a:rPr lang="pt-PT">
-                          <a:effectLst/>
-                        </a:rPr>
-                        <a:t>Desenvolvimento/Análise</a:t>
-                      </a:r>
-                    </a:p>
-                  </a:txBody>
-                  <a:tcPr anchor="ctr"/>
-                </a:tc>
-                <a:tc>
-                  <a:txBody>
-                    <a:bodyPr/>
-                    <a:lstStyle/>
-                    <a:p>
-                      <a:pPr fontAlgn="base"/>
-                      <a:r>
-                        <a:rPr lang="pt-PT" b="1" dirty="0" smtClean="0">
-                          <a:solidFill>
-                            <a:schemeClr val="accent1">
-                              <a:lumMod val="50000"/>
-                            </a:schemeClr>
-                          </a:solidFill>
-                          <a:effectLst/>
-                        </a:rPr>
-                        <a:t>Em andamento(12%)</a:t>
-                      </a:r>
-                      <a:endParaRPr lang="pt-PT" b="1" dirty="0">
-                        <a:solidFill>
-                          <a:schemeClr val="accent1">
-                            <a:lumMod val="50000"/>
-                          </a:schemeClr>
-                        </a:solidFill>
-                        <a:effectLst/>
-                      </a:endParaRPr>
-                    </a:p>
-                  </a:txBody>
-                  <a:tcPr anchor="ctr"/>
-                </a:tc>
-                <a:tc>
-                  <a:txBody>
-                    <a:bodyPr/>
-                    <a:lstStyle/>
-                    <a:p>
-                      <a:pPr fontAlgn="base"/>
-                      <a:r>
-                        <a:rPr lang="pt-PT" dirty="0" smtClean="0">
-                          <a:effectLst/>
-                        </a:rPr>
-                        <a:t>2 semanas</a:t>
-                      </a:r>
-                      <a:endParaRPr lang="pt-PT" dirty="0">
-                        <a:effectLst/>
-                      </a:endParaRPr>
-                    </a:p>
-                  </a:txBody>
-                  <a:tcPr anchor="ctr"/>
-                </a:tc>
-                <a:extLst>
-                  <a:ext uri="{0D108BD9-81ED-4DB2-BD59-A6C34878D82A}">
-                    <a16:rowId xmlns:a16="http://schemas.microsoft.com/office/drawing/2014/main" val="1684279242"/>
-                  </a:ext>
-                </a:extLst>
-              </a:tr>
-              <a:tr h="455235">
-                <a:tc>
-                  <a:txBody>
-                    <a:bodyPr/>
-                    <a:lstStyle/>
-                    <a:p>
-                      <a:pPr fontAlgn="base"/>
-                      <a:r>
-                        <a:rPr lang="pt-PT">
-                          <a:effectLst/>
-                        </a:rPr>
-                        <a:t>Escrita do artigo (2ª versão)</a:t>
-                      </a:r>
-                    </a:p>
-                  </a:txBody>
-                  <a:tcPr anchor="ctr"/>
-                </a:tc>
-                <a:tc>
-                  <a:txBody>
-                    <a:bodyPr/>
-                    <a:lstStyle/>
-                    <a:p>
-                      <a:pPr fontAlgn="base"/>
-                      <a:r>
-                        <a:rPr lang="pt-PT" dirty="0" smtClean="0">
-                          <a:effectLst/>
-                        </a:rPr>
-                        <a:t>Em espera</a:t>
-                      </a:r>
-                      <a:endParaRPr lang="pt-PT" dirty="0">
-                        <a:effectLst/>
-                      </a:endParaRPr>
-                    </a:p>
-                  </a:txBody>
-                  <a:tcPr anchor="ctr"/>
-                </a:tc>
-                <a:tc>
-                  <a:txBody>
-                    <a:bodyPr/>
-                    <a:lstStyle/>
-                    <a:p>
-                      <a:pPr fontAlgn="base"/>
-                      <a:r>
-                        <a:rPr lang="pt-PT" dirty="0" smtClean="0">
-                          <a:effectLst/>
-                        </a:rPr>
-                        <a:t>1 semana</a:t>
-                      </a:r>
-                      <a:endParaRPr lang="pt-PT" dirty="0">
-                        <a:effectLst/>
-                      </a:endParaRPr>
-                    </a:p>
-                  </a:txBody>
-                  <a:tcPr anchor="ctr"/>
-                </a:tc>
-                <a:extLst>
-                  <a:ext uri="{0D108BD9-81ED-4DB2-BD59-A6C34878D82A}">
-                    <a16:rowId xmlns:a16="http://schemas.microsoft.com/office/drawing/2014/main" val="3742798429"/>
-                  </a:ext>
-                </a:extLst>
-              </a:tr>
-              <a:tr h="455235">
-                <a:tc>
-                  <a:txBody>
-                    <a:bodyPr/>
-                    <a:lstStyle/>
-                    <a:p>
-                      <a:pPr fontAlgn="base"/>
-                      <a:r>
-                        <a:rPr lang="pt-PT">
-                          <a:effectLst/>
-                        </a:rPr>
-                        <a:t>Revisão e Edição</a:t>
-                      </a:r>
-                    </a:p>
-                  </a:txBody>
-                  <a:tcPr anchor="ctr"/>
-                </a:tc>
-                <a:tc>
-                  <a:txBody>
-                    <a:bodyPr/>
-                    <a:lstStyle/>
-                    <a:p>
-                      <a:pPr fontAlgn="base"/>
-                      <a:r>
-                        <a:rPr lang="pt-PT" dirty="0" smtClean="0">
-                          <a:effectLst/>
-                        </a:rPr>
-                        <a:t>Em espera</a:t>
-                      </a:r>
-                      <a:endParaRPr lang="pt-PT" dirty="0">
-                        <a:effectLst/>
-                      </a:endParaRPr>
-                    </a:p>
-                  </a:txBody>
-                  <a:tcPr anchor="ctr"/>
-                </a:tc>
-                <a:tc>
-                  <a:txBody>
-                    <a:bodyPr/>
-                    <a:lstStyle/>
-                    <a:p>
-                      <a:pPr fontAlgn="base"/>
-                      <a:r>
-                        <a:rPr lang="pt-PT" dirty="0">
-                          <a:effectLst/>
-                        </a:rPr>
-                        <a:t>1 semana</a:t>
-                      </a:r>
-                    </a:p>
-                  </a:txBody>
-                  <a:tcPr anchor="ctr"/>
-                </a:tc>
-                <a:extLst>
-                  <a:ext uri="{0D108BD9-81ED-4DB2-BD59-A6C34878D82A}">
-                    <a16:rowId xmlns:a16="http://schemas.microsoft.com/office/drawing/2014/main" val="3632462833"/>
-                  </a:ext>
-                </a:extLst>
-              </a:tr>
-            </a:tbl>
-          </a:graphicData>
-        </a:graphic>
-      </p:graphicFrame>
-      <p:sp>
-        <p:nvSpPr>
-          <p:cNvPr id="8" name="Google Shape;279;p62"/>
+      <p:sp>
+        <p:nvSpPr>
+          <p:cNvPr id="7" name="Google Shape;279;p62"/>
           <p:cNvSpPr txBox="1"/>
           <p:nvPr/>
         </p:nvSpPr>
@@ -6007,7 +8895,908 @@
     </p:spTree>
     <p:extLst>
       <p:ext uri="{BB962C8B-B14F-4D97-AF65-F5344CB8AC3E}">
-        <p14:creationId xmlns:p14="http://schemas.microsoft.com/office/powerpoint/2010/main" val="1847624287"/>
+        <p14:creationId xmlns:p14="http://schemas.microsoft.com/office/powerpoint/2010/main" val="2742117703"/>
+      </p:ext>
+    </p:extLst>
+  </p:cSld>
+  <p:clrMapOvr>
+    <a:masterClrMapping/>
+  </p:clrMapOvr>
+  <p:transition spd="slow">
+    <p:fade thruBlk="1"/>
+  </p:transition>
+</p:sld>
+</file>
+
+<file path=ppt/slides/slide17.xml><?xml version="1.0" encoding="utf-8"?>
+<p:sld xmlns:a="http://schemas.openxmlformats.org/drawingml/2006/main" xmlns:r="http://schemas.openxmlformats.org/officeDocument/2006/relationships" xmlns:p="http://schemas.openxmlformats.org/presentationml/2006/main">
+  <p:cSld>
+    <p:spTree>
+      <p:nvGrpSpPr>
+        <p:cNvPr id="1" name="Shape 317"/>
+        <p:cNvGrpSpPr/>
+        <p:nvPr/>
+      </p:nvGrpSpPr>
+      <p:grpSpPr>
+        <a:xfrm>
+          <a:off x="0" y="0"/>
+          <a:ext cx="0" cy="0"/>
+          <a:chOff x="0" y="0"/>
+          <a:chExt cx="0" cy="0"/>
+        </a:xfrm>
+      </p:grpSpPr>
+      <p:sp>
+        <p:nvSpPr>
+          <p:cNvPr id="318" name="Google Shape;318;p67"/>
+          <p:cNvSpPr txBox="1"/>
+          <p:nvPr/>
+        </p:nvSpPr>
+        <p:spPr>
+          <a:xfrm>
+            <a:off x="9929068" y="312539"/>
+            <a:ext cx="235520" cy="241102"/>
+          </a:xfrm>
+          <a:prstGeom prst="rect">
+            <a:avLst/>
+          </a:prstGeom>
+          <a:noFill/>
+          <a:ln>
+            <a:noFill/>
+          </a:ln>
+        </p:spPr>
+        <p:txBody>
+          <a:bodyPr spcFirstLastPara="1" wrap="square" lIns="64283" tIns="32133" rIns="64283" bIns="32133" anchor="t" anchorCtr="0">
+            <a:noAutofit/>
+          </a:bodyPr>
+          <a:lstStyle/>
+          <a:p>
+            <a:pPr algn="r">
+              <a:buClr>
+                <a:srgbClr val="4D4D4D"/>
+              </a:buClr>
+              <a:buSzPts val="1400"/>
+            </a:pPr>
+            <a:fld id="{00000000-1234-1234-1234-123412341234}" type="slidenum">
+              <a:rPr lang="en-US" sz="984">
+                <a:solidFill>
+                  <a:srgbClr val="4D4D4D"/>
+                </a:solidFill>
+                <a:latin typeface="Gill Sans MT" panose="020B0502020104020203" pitchFamily="34" charset="77"/>
+                <a:sym typeface="Arial"/>
+              </a:rPr>
+              <a:pPr algn="r">
+                <a:buClr>
+                  <a:srgbClr val="4D4D4D"/>
+                </a:buClr>
+                <a:buSzPts val="1400"/>
+              </a:pPr>
+              <a:t>17</a:t>
+            </a:fld>
+            <a:endParaRPr sz="1266" dirty="0">
+              <a:latin typeface="Gill Sans MT" panose="020B0502020104020203" pitchFamily="34" charset="77"/>
+            </a:endParaRPr>
+          </a:p>
+        </p:txBody>
+      </p:sp>
+      <p:sp>
+        <p:nvSpPr>
+          <p:cNvPr id="8" name="Google Shape;279;p62"/>
+          <p:cNvSpPr txBox="1"/>
+          <p:nvPr/>
+        </p:nvSpPr>
+        <p:spPr>
+          <a:xfrm>
+            <a:off x="900463" y="312539"/>
+            <a:ext cx="11054469" cy="241102"/>
+          </a:xfrm>
+          <a:prstGeom prst="rect">
+            <a:avLst/>
+          </a:prstGeom>
+          <a:noFill/>
+          <a:ln>
+            <a:noFill/>
+          </a:ln>
+        </p:spPr>
+        <p:txBody>
+          <a:bodyPr spcFirstLastPara="1" wrap="square" lIns="0" tIns="0" rIns="0" bIns="0" anchor="b" anchorCtr="0">
+            <a:noAutofit/>
+          </a:bodyPr>
+          <a:lstStyle/>
+          <a:p>
+            <a:pPr lvl="0">
+              <a:buClr>
+                <a:srgbClr val="4D4D4D"/>
+              </a:buClr>
+              <a:buSzPts val="1400"/>
+            </a:pPr>
+            <a:r>
+              <a:rPr lang="pt-PT" sz="950" b="1" dirty="0">
+                <a:solidFill>
+                  <a:schemeClr val="accent3">
+                    <a:lumMod val="75000"/>
+                  </a:schemeClr>
+                </a:solidFill>
+              </a:rPr>
+              <a:t>Desenvolvimento de uma Progressive Web App (PWA) para Turismo em Coimbra </a:t>
+            </a:r>
+            <a:r>
+              <a:rPr lang="en-US" sz="950" dirty="0">
+                <a:solidFill>
+                  <a:schemeClr val="accent3">
+                    <a:lumMod val="75000"/>
+                  </a:schemeClr>
+                </a:solidFill>
+                <a:latin typeface="Gill Sans MT"/>
+                <a:sym typeface="Arial"/>
+              </a:rPr>
+              <a:t>			</a:t>
+            </a:r>
+            <a:endParaRPr sz="950" dirty="0">
+              <a:solidFill>
+                <a:schemeClr val="accent3">
+                  <a:lumMod val="75000"/>
+                </a:schemeClr>
+              </a:solidFill>
+              <a:latin typeface="Gill Sans MT" panose="020B0502020104020203" pitchFamily="34" charset="77"/>
+            </a:endParaRPr>
+          </a:p>
+        </p:txBody>
+      </p:sp>
+      <p:sp>
+        <p:nvSpPr>
+          <p:cNvPr id="10" name="Google Shape;279;p62">
+            <a:extLst>
+              <a:ext uri="{FF2B5EF4-FFF2-40B4-BE49-F238E27FC236}">
+                <a16:creationId xmlns:a16="http://schemas.microsoft.com/office/drawing/2014/main" id="{D37D04E9-28F6-412C-9EAB-C698A0A61F9B}"/>
+              </a:ext>
+            </a:extLst>
+          </p:cNvPr>
+          <p:cNvSpPr txBox="1"/>
+          <p:nvPr/>
+        </p:nvSpPr>
+        <p:spPr>
+          <a:xfrm>
+            <a:off x="4902329" y="5185787"/>
+            <a:ext cx="2641471" cy="198921"/>
+          </a:xfrm>
+          <a:prstGeom prst="rect">
+            <a:avLst/>
+          </a:prstGeom>
+          <a:noFill/>
+          <a:ln>
+            <a:noFill/>
+          </a:ln>
+        </p:spPr>
+        <p:txBody>
+          <a:bodyPr spcFirstLastPara="1" wrap="square" lIns="0" tIns="0" rIns="0" bIns="0" anchor="b" anchorCtr="0">
+            <a:noAutofit/>
+          </a:bodyPr>
+          <a:lstStyle/>
+          <a:p>
+            <a:pPr lvl="0">
+              <a:buClr>
+                <a:srgbClr val="4D4D4D"/>
+              </a:buClr>
+              <a:buSzPts val="1400"/>
+            </a:pPr>
+            <a:r>
+              <a:rPr lang="pt-PT" sz="1600" b="1" dirty="0">
+                <a:effectLst/>
+                <a:latin typeface="Gill Sans MT" panose="020B0502020104020203" pitchFamily="34" charset="0"/>
+                <a:ea typeface="Times New Roman" panose="02020603050405020304" pitchFamily="18" charset="0"/>
+              </a:rPr>
+              <a:t>Utilizadores da plataforma</a:t>
+            </a:r>
+            <a:endParaRPr lang="pt-PT" sz="1050" b="1" dirty="0">
+              <a:solidFill>
+                <a:srgbClr val="4D4D4D"/>
+              </a:solidFill>
+              <a:latin typeface="Gill Sans MT" panose="020B0502020104020203" pitchFamily="34" charset="0"/>
+            </a:endParaRPr>
+          </a:p>
+        </p:txBody>
+      </p:sp>
+      <p:pic>
+        <p:nvPicPr>
+          <p:cNvPr id="9" name="Imagem 8">
+            <a:extLst>
+              <a:ext uri="{FF2B5EF4-FFF2-40B4-BE49-F238E27FC236}">
+                <a16:creationId xmlns:a16="http://schemas.microsoft.com/office/drawing/2014/main" id="{1A1A68EE-F4C4-451A-AAC1-6ECC079D10E4}"/>
+              </a:ext>
+            </a:extLst>
+          </p:cNvPr>
+          <p:cNvPicPr/>
+          <p:nvPr/>
+        </p:nvPicPr>
+        <p:blipFill>
+          <a:blip r:embed="rId3">
+            <a:extLst>
+              <a:ext uri="{28A0092B-C50C-407E-A947-70E740481C1C}">
+                <a14:useLocalDpi xmlns:a14="http://schemas.microsoft.com/office/drawing/2010/main" val="0"/>
+              </a:ext>
+            </a:extLst>
+          </a:blip>
+          <a:srcRect/>
+          <a:stretch>
+            <a:fillRect/>
+          </a:stretch>
+        </p:blipFill>
+        <p:spPr bwMode="auto">
+          <a:xfrm>
+            <a:off x="2640276" y="1922145"/>
+            <a:ext cx="6911447" cy="3064721"/>
+          </a:xfrm>
+          <a:prstGeom prst="rect">
+            <a:avLst/>
+          </a:prstGeom>
+          <a:noFill/>
+          <a:ln>
+            <a:noFill/>
+          </a:ln>
+        </p:spPr>
+      </p:pic>
+    </p:spTree>
+    <p:extLst>
+      <p:ext uri="{BB962C8B-B14F-4D97-AF65-F5344CB8AC3E}">
+        <p14:creationId xmlns:p14="http://schemas.microsoft.com/office/powerpoint/2010/main" val="526888652"/>
+      </p:ext>
+    </p:extLst>
+  </p:cSld>
+  <p:clrMapOvr>
+    <a:masterClrMapping/>
+  </p:clrMapOvr>
+  <p:transition spd="slow">
+    <p:fade thruBlk="1"/>
+  </p:transition>
+</p:sld>
+</file>
+
+<file path=ppt/slides/slide18.xml><?xml version="1.0" encoding="utf-8"?>
+<p:sld xmlns:a="http://schemas.openxmlformats.org/drawingml/2006/main" xmlns:r="http://schemas.openxmlformats.org/officeDocument/2006/relationships" xmlns:p="http://schemas.openxmlformats.org/presentationml/2006/main">
+  <p:cSld>
+    <p:spTree>
+      <p:nvGrpSpPr>
+        <p:cNvPr id="1" name="Shape 325"/>
+        <p:cNvGrpSpPr/>
+        <p:nvPr/>
+      </p:nvGrpSpPr>
+      <p:grpSpPr>
+        <a:xfrm>
+          <a:off x="0" y="0"/>
+          <a:ext cx="0" cy="0"/>
+          <a:chOff x="0" y="0"/>
+          <a:chExt cx="0" cy="0"/>
+        </a:xfrm>
+      </p:grpSpPr>
+      <p:sp>
+        <p:nvSpPr>
+          <p:cNvPr id="326" name="Google Shape;326;p68"/>
+          <p:cNvSpPr txBox="1"/>
+          <p:nvPr/>
+        </p:nvSpPr>
+        <p:spPr>
+          <a:xfrm>
+            <a:off x="9929068" y="312539"/>
+            <a:ext cx="235520" cy="241102"/>
+          </a:xfrm>
+          <a:prstGeom prst="rect">
+            <a:avLst/>
+          </a:prstGeom>
+          <a:noFill/>
+          <a:ln>
+            <a:noFill/>
+          </a:ln>
+        </p:spPr>
+        <p:txBody>
+          <a:bodyPr spcFirstLastPara="1" wrap="square" lIns="64283" tIns="32133" rIns="64283" bIns="32133" anchor="t" anchorCtr="0">
+            <a:noAutofit/>
+          </a:bodyPr>
+          <a:lstStyle/>
+          <a:p>
+            <a:pPr algn="r">
+              <a:buClr>
+                <a:srgbClr val="4D4D4D"/>
+              </a:buClr>
+              <a:buSzPts val="1400"/>
+            </a:pPr>
+            <a:fld id="{00000000-1234-1234-1234-123412341234}" type="slidenum">
+              <a:rPr lang="en-US" sz="984">
+                <a:solidFill>
+                  <a:srgbClr val="4D4D4D"/>
+                </a:solidFill>
+                <a:latin typeface="Gill Sans MT" panose="020B0502020104020203" pitchFamily="34" charset="77"/>
+                <a:sym typeface="Arial"/>
+              </a:rPr>
+              <a:pPr algn="r">
+                <a:buClr>
+                  <a:srgbClr val="4D4D4D"/>
+                </a:buClr>
+                <a:buSzPts val="1400"/>
+              </a:pPr>
+              <a:t>18</a:t>
+            </a:fld>
+            <a:endParaRPr sz="1266" dirty="0">
+              <a:latin typeface="Gill Sans MT" panose="020B0502020104020203" pitchFamily="34" charset="77"/>
+            </a:endParaRPr>
+          </a:p>
+        </p:txBody>
+      </p:sp>
+      <p:sp>
+        <p:nvSpPr>
+          <p:cNvPr id="327" name="Google Shape;327;p68"/>
+          <p:cNvSpPr txBox="1">
+            <a:spLocks noGrp="1"/>
+          </p:cNvSpPr>
+          <p:nvPr>
+            <p:ph type="title"/>
+          </p:nvPr>
+        </p:nvSpPr>
+        <p:spPr>
+          <a:xfrm>
+            <a:off x="2835794" y="2179767"/>
+            <a:ext cx="7535874" cy="482811"/>
+          </a:xfrm>
+          <a:prstGeom prst="rect">
+            <a:avLst/>
+          </a:prstGeom>
+          <a:noFill/>
+          <a:ln>
+            <a:noFill/>
+          </a:ln>
+        </p:spPr>
+        <p:txBody>
+          <a:bodyPr spcFirstLastPara="1" vert="horz" wrap="square" lIns="0" tIns="0" rIns="0" bIns="0" rtlCol="0" anchor="t" anchorCtr="0">
+            <a:noAutofit/>
+          </a:bodyPr>
+          <a:lstStyle/>
+          <a:p>
+            <a:pPr>
+              <a:lnSpc>
+                <a:spcPct val="100000"/>
+              </a:lnSpc>
+              <a:spcBef>
+                <a:spcPts val="0"/>
+              </a:spcBef>
+            </a:pPr>
+            <a:r>
+              <a:rPr lang="en-US" sz="4800" dirty="0">
+                <a:solidFill>
+                  <a:schemeClr val="dk1"/>
+                </a:solidFill>
+                <a:latin typeface="Gill Sans MT"/>
+                <a:sym typeface="Arial"/>
+              </a:rPr>
+              <a:t>Técnica(s) Machine Learning</a:t>
+            </a:r>
+            <a:br>
+              <a:rPr lang="en-US" sz="4500" dirty="0">
+                <a:solidFill>
+                  <a:schemeClr val="dk1"/>
+                </a:solidFill>
+                <a:ea typeface="Arial"/>
+                <a:sym typeface="Arial"/>
+              </a:rPr>
+            </a:br>
+            <a:br>
+              <a:rPr lang="en-US" sz="4500" dirty="0">
+                <a:solidFill>
+                  <a:schemeClr val="dk1"/>
+                </a:solidFill>
+                <a:ea typeface="Arial"/>
+                <a:sym typeface="Arial"/>
+              </a:rPr>
+            </a:br>
+            <a:endParaRPr lang="en-US" dirty="0">
+              <a:cs typeface="Calibri Light"/>
+            </a:endParaRPr>
+          </a:p>
+        </p:txBody>
+      </p:sp>
+      <p:sp>
+        <p:nvSpPr>
+          <p:cNvPr id="9" name="Google Shape;279;p62"/>
+          <p:cNvSpPr txBox="1"/>
+          <p:nvPr/>
+        </p:nvSpPr>
+        <p:spPr>
+          <a:xfrm>
+            <a:off x="900463" y="312539"/>
+            <a:ext cx="11054469" cy="241102"/>
+          </a:xfrm>
+          <a:prstGeom prst="rect">
+            <a:avLst/>
+          </a:prstGeom>
+          <a:noFill/>
+          <a:ln>
+            <a:noFill/>
+          </a:ln>
+        </p:spPr>
+        <p:txBody>
+          <a:bodyPr spcFirstLastPara="1" wrap="square" lIns="0" tIns="0" rIns="0" bIns="0" anchor="b" anchorCtr="0">
+            <a:noAutofit/>
+          </a:bodyPr>
+          <a:lstStyle/>
+          <a:p>
+            <a:pPr lvl="0">
+              <a:buClr>
+                <a:srgbClr val="4D4D4D"/>
+              </a:buClr>
+              <a:buSzPts val="1400"/>
+            </a:pPr>
+            <a:r>
+              <a:rPr lang="pt-PT" sz="950" b="1" dirty="0">
+                <a:solidFill>
+                  <a:schemeClr val="accent3">
+                    <a:lumMod val="75000"/>
+                  </a:schemeClr>
+                </a:solidFill>
+              </a:rPr>
+              <a:t>Desenvolvimento de uma Progressive Web App (PWA) para Turismo em Coimbra </a:t>
+            </a:r>
+            <a:r>
+              <a:rPr lang="en-US" sz="950" dirty="0">
+                <a:solidFill>
+                  <a:schemeClr val="accent3">
+                    <a:lumMod val="75000"/>
+                  </a:schemeClr>
+                </a:solidFill>
+                <a:latin typeface="Gill Sans MT"/>
+                <a:sym typeface="Arial"/>
+              </a:rPr>
+              <a:t>			</a:t>
+            </a:r>
+            <a:endParaRPr sz="950" dirty="0">
+              <a:solidFill>
+                <a:schemeClr val="accent3">
+                  <a:lumMod val="75000"/>
+                </a:schemeClr>
+              </a:solidFill>
+              <a:latin typeface="Gill Sans MT" panose="020B0502020104020203" pitchFamily="34" charset="77"/>
+            </a:endParaRPr>
+          </a:p>
+        </p:txBody>
+      </p:sp>
+      <p:pic>
+        <p:nvPicPr>
+          <p:cNvPr id="1026" name="Picture 2" descr="logotipo ml5.js"/>
+          <p:cNvPicPr>
+            <a:picLocks noChangeAspect="1" noChangeArrowheads="1"/>
+          </p:cNvPicPr>
+          <p:nvPr/>
+        </p:nvPicPr>
+        <p:blipFill>
+          <a:blip r:embed="rId3">
+            <a:extLst>
+              <a:ext uri="{28A0092B-C50C-407E-A947-70E740481C1C}">
+                <a14:useLocalDpi xmlns:a14="http://schemas.microsoft.com/office/drawing/2010/main" val="0"/>
+              </a:ext>
+            </a:extLst>
+          </a:blip>
+          <a:srcRect/>
+          <a:stretch>
+            <a:fillRect/>
+          </a:stretch>
+        </p:blipFill>
+        <p:spPr bwMode="auto">
+          <a:xfrm>
+            <a:off x="7825698" y="3667974"/>
+            <a:ext cx="2472390" cy="942004"/>
+          </a:xfrm>
+          <a:prstGeom prst="rect">
+            <a:avLst/>
+          </a:prstGeom>
+          <a:noFill/>
+          <a:extLst>
+            <a:ext uri="{909E8E84-426E-40DD-AFC4-6F175D3DCCD1}">
+              <a14:hiddenFill xmlns:a14="http://schemas.microsoft.com/office/drawing/2010/main">
+                <a:solidFill>
+                  <a:srgbClr val="FFFFFF"/>
+                </a:solidFill>
+              </a14:hiddenFill>
+            </a:ext>
+          </a:extLst>
+        </p:spPr>
+      </p:pic>
+      <p:pic>
+        <p:nvPicPr>
+          <p:cNvPr id="1030" name="Picture 6" descr="Building a Basic Neural Network with Brain.js - DEV Community"/>
+          <p:cNvPicPr>
+            <a:picLocks noChangeAspect="1" noChangeArrowheads="1"/>
+          </p:cNvPicPr>
+          <p:nvPr/>
+        </p:nvPicPr>
+        <p:blipFill>
+          <a:blip r:embed="rId4">
+            <a:extLst>
+              <a:ext uri="{28A0092B-C50C-407E-A947-70E740481C1C}">
+                <a14:useLocalDpi xmlns:a14="http://schemas.microsoft.com/office/drawing/2010/main" val="0"/>
+              </a:ext>
+            </a:extLst>
+          </a:blip>
+          <a:srcRect/>
+          <a:stretch>
+            <a:fillRect/>
+          </a:stretch>
+        </p:blipFill>
+        <p:spPr bwMode="auto">
+          <a:xfrm>
+            <a:off x="5221459" y="3552338"/>
+            <a:ext cx="2275913" cy="1280201"/>
+          </a:xfrm>
+          <a:prstGeom prst="rect">
+            <a:avLst/>
+          </a:prstGeom>
+          <a:noFill/>
+          <a:extLst>
+            <a:ext uri="{909E8E84-426E-40DD-AFC4-6F175D3DCCD1}">
+              <a14:hiddenFill xmlns:a14="http://schemas.microsoft.com/office/drawing/2010/main">
+                <a:solidFill>
+                  <a:srgbClr val="FFFFFF"/>
+                </a:solidFill>
+              </a14:hiddenFill>
+            </a:ext>
+          </a:extLst>
+        </p:spPr>
+      </p:pic>
+      <p:pic>
+        <p:nvPicPr>
+          <p:cNvPr id="1032" name="Picture 8" descr="TensorFlow.js | Machine Learning for JavaScript Developers"/>
+          <p:cNvPicPr>
+            <a:picLocks noChangeAspect="1" noChangeArrowheads="1"/>
+          </p:cNvPicPr>
+          <p:nvPr/>
+        </p:nvPicPr>
+        <p:blipFill>
+          <a:blip r:embed="rId5">
+            <a:extLst>
+              <a:ext uri="{28A0092B-C50C-407E-A947-70E740481C1C}">
+                <a14:useLocalDpi xmlns:a14="http://schemas.microsoft.com/office/drawing/2010/main" val="0"/>
+              </a:ext>
+            </a:extLst>
+          </a:blip>
+          <a:srcRect/>
+          <a:stretch>
+            <a:fillRect/>
+          </a:stretch>
+        </p:blipFill>
+        <p:spPr bwMode="auto">
+          <a:xfrm>
+            <a:off x="2445812" y="3552338"/>
+            <a:ext cx="2273136" cy="1278639"/>
+          </a:xfrm>
+          <a:prstGeom prst="rect">
+            <a:avLst/>
+          </a:prstGeom>
+          <a:noFill/>
+          <a:extLst>
+            <a:ext uri="{909E8E84-426E-40DD-AFC4-6F175D3DCCD1}">
+              <a14:hiddenFill xmlns:a14="http://schemas.microsoft.com/office/drawing/2010/main">
+                <a:solidFill>
+                  <a:srgbClr val="FFFFFF"/>
+                </a:solidFill>
+              </a14:hiddenFill>
+            </a:ext>
+          </a:extLst>
+        </p:spPr>
+      </p:pic>
+    </p:spTree>
+    <p:extLst>
+      <p:ext uri="{BB962C8B-B14F-4D97-AF65-F5344CB8AC3E}">
+        <p14:creationId xmlns:p14="http://schemas.microsoft.com/office/powerpoint/2010/main" val="2754647344"/>
+      </p:ext>
+    </p:extLst>
+  </p:cSld>
+  <p:clrMapOvr>
+    <a:masterClrMapping/>
+  </p:clrMapOvr>
+  <p:transition spd="slow">
+    <p:fade thruBlk="1"/>
+  </p:transition>
+</p:sld>
+</file>
+
+<file path=ppt/slides/slide19.xml><?xml version="1.0" encoding="utf-8"?>
+<p:sld xmlns:a="http://schemas.openxmlformats.org/drawingml/2006/main" xmlns:r="http://schemas.openxmlformats.org/officeDocument/2006/relationships" xmlns:p="http://schemas.openxmlformats.org/presentationml/2006/main">
+  <p:cSld>
+    <p:spTree>
+      <p:nvGrpSpPr>
+        <p:cNvPr id="1" name="Shape 325"/>
+        <p:cNvGrpSpPr/>
+        <p:nvPr/>
+      </p:nvGrpSpPr>
+      <p:grpSpPr>
+        <a:xfrm>
+          <a:off x="0" y="0"/>
+          <a:ext cx="0" cy="0"/>
+          <a:chOff x="0" y="0"/>
+          <a:chExt cx="0" cy="0"/>
+        </a:xfrm>
+      </p:grpSpPr>
+      <p:sp>
+        <p:nvSpPr>
+          <p:cNvPr id="326" name="Google Shape;326;p68"/>
+          <p:cNvSpPr txBox="1"/>
+          <p:nvPr/>
+        </p:nvSpPr>
+        <p:spPr>
+          <a:xfrm>
+            <a:off x="9929068" y="312539"/>
+            <a:ext cx="235520" cy="241102"/>
+          </a:xfrm>
+          <a:prstGeom prst="rect">
+            <a:avLst/>
+          </a:prstGeom>
+          <a:noFill/>
+          <a:ln>
+            <a:noFill/>
+          </a:ln>
+        </p:spPr>
+        <p:txBody>
+          <a:bodyPr spcFirstLastPara="1" wrap="square" lIns="64283" tIns="32133" rIns="64283" bIns="32133" anchor="t" anchorCtr="0">
+            <a:noAutofit/>
+          </a:bodyPr>
+          <a:lstStyle/>
+          <a:p>
+            <a:pPr algn="r">
+              <a:buClr>
+                <a:srgbClr val="4D4D4D"/>
+              </a:buClr>
+              <a:buSzPts val="1400"/>
+            </a:pPr>
+            <a:fld id="{00000000-1234-1234-1234-123412341234}" type="slidenum">
+              <a:rPr lang="en-US" sz="984">
+                <a:solidFill>
+                  <a:srgbClr val="4D4D4D"/>
+                </a:solidFill>
+                <a:latin typeface="Gill Sans MT" panose="020B0502020104020203" pitchFamily="34" charset="77"/>
+                <a:sym typeface="Arial"/>
+              </a:rPr>
+              <a:pPr algn="r">
+                <a:buClr>
+                  <a:srgbClr val="4D4D4D"/>
+                </a:buClr>
+                <a:buSzPts val="1400"/>
+              </a:pPr>
+              <a:t>19</a:t>
+            </a:fld>
+            <a:endParaRPr sz="1266" dirty="0">
+              <a:latin typeface="Gill Sans MT" panose="020B0502020104020203" pitchFamily="34" charset="77"/>
+            </a:endParaRPr>
+          </a:p>
+        </p:txBody>
+      </p:sp>
+      <p:sp>
+        <p:nvSpPr>
+          <p:cNvPr id="327" name="Google Shape;327;p68"/>
+          <p:cNvSpPr txBox="1">
+            <a:spLocks noGrp="1"/>
+          </p:cNvSpPr>
+          <p:nvPr>
+            <p:ph type="title"/>
+          </p:nvPr>
+        </p:nvSpPr>
+        <p:spPr>
+          <a:xfrm>
+            <a:off x="951011" y="816634"/>
+            <a:ext cx="7535874" cy="482811"/>
+          </a:xfrm>
+          <a:prstGeom prst="rect">
+            <a:avLst/>
+          </a:prstGeom>
+          <a:noFill/>
+          <a:ln>
+            <a:noFill/>
+          </a:ln>
+        </p:spPr>
+        <p:txBody>
+          <a:bodyPr spcFirstLastPara="1" vert="horz" wrap="square" lIns="0" tIns="0" rIns="0" bIns="0" rtlCol="0" anchor="t" anchorCtr="0">
+            <a:noAutofit/>
+          </a:bodyPr>
+          <a:lstStyle/>
+          <a:p>
+            <a:pPr>
+              <a:lnSpc>
+                <a:spcPct val="100000"/>
+              </a:lnSpc>
+              <a:spcBef>
+                <a:spcPts val="0"/>
+              </a:spcBef>
+            </a:pPr>
+            <a:r>
+              <a:rPr lang="en-US" sz="2000" dirty="0">
+                <a:solidFill>
+                  <a:schemeClr val="dk1"/>
+                </a:solidFill>
+                <a:latin typeface="Gill Sans MT"/>
+                <a:sym typeface="Arial"/>
+              </a:rPr>
+              <a:t>Técnica(s) Machine Learning</a:t>
+            </a:r>
+            <a:br>
+              <a:rPr lang="en-US" sz="2000" dirty="0">
+                <a:solidFill>
+                  <a:schemeClr val="dk1"/>
+                </a:solidFill>
+                <a:ea typeface="Arial"/>
+                <a:sym typeface="Arial"/>
+              </a:rPr>
+            </a:br>
+            <a:br>
+              <a:rPr lang="en-US" sz="2000" dirty="0">
+                <a:solidFill>
+                  <a:schemeClr val="dk1"/>
+                </a:solidFill>
+                <a:ea typeface="Arial"/>
+                <a:sym typeface="Arial"/>
+              </a:rPr>
+            </a:br>
+            <a:endParaRPr lang="en-US" sz="1800" dirty="0">
+              <a:cs typeface="Calibri Light"/>
+            </a:endParaRPr>
+          </a:p>
+        </p:txBody>
+      </p:sp>
+      <p:sp>
+        <p:nvSpPr>
+          <p:cNvPr id="9" name="Google Shape;279;p62"/>
+          <p:cNvSpPr txBox="1"/>
+          <p:nvPr/>
+        </p:nvSpPr>
+        <p:spPr>
+          <a:xfrm>
+            <a:off x="900463" y="312539"/>
+            <a:ext cx="11054469" cy="241102"/>
+          </a:xfrm>
+          <a:prstGeom prst="rect">
+            <a:avLst/>
+          </a:prstGeom>
+          <a:noFill/>
+          <a:ln>
+            <a:noFill/>
+          </a:ln>
+        </p:spPr>
+        <p:txBody>
+          <a:bodyPr spcFirstLastPara="1" wrap="square" lIns="0" tIns="0" rIns="0" bIns="0" anchor="b" anchorCtr="0">
+            <a:noAutofit/>
+          </a:bodyPr>
+          <a:lstStyle/>
+          <a:p>
+            <a:pPr lvl="0">
+              <a:buClr>
+                <a:srgbClr val="4D4D4D"/>
+              </a:buClr>
+              <a:buSzPts val="1400"/>
+            </a:pPr>
+            <a:r>
+              <a:rPr lang="pt-PT" sz="950" b="1" dirty="0">
+                <a:solidFill>
+                  <a:schemeClr val="accent3">
+                    <a:lumMod val="75000"/>
+                  </a:schemeClr>
+                </a:solidFill>
+              </a:rPr>
+              <a:t>Desenvolvimento de uma Progressive Web App (PWA) para Turismo em Coimbra </a:t>
+            </a:r>
+            <a:r>
+              <a:rPr lang="en-US" sz="950" dirty="0">
+                <a:solidFill>
+                  <a:schemeClr val="accent3">
+                    <a:lumMod val="75000"/>
+                  </a:schemeClr>
+                </a:solidFill>
+                <a:latin typeface="Gill Sans MT"/>
+                <a:sym typeface="Arial"/>
+              </a:rPr>
+              <a:t>			</a:t>
+            </a:r>
+            <a:endParaRPr sz="950" dirty="0">
+              <a:solidFill>
+                <a:schemeClr val="accent3">
+                  <a:lumMod val="75000"/>
+                </a:schemeClr>
+              </a:solidFill>
+              <a:latin typeface="Gill Sans MT" panose="020B0502020104020203" pitchFamily="34" charset="77"/>
+            </a:endParaRPr>
+          </a:p>
+        </p:txBody>
+      </p:sp>
+      <p:sp>
+        <p:nvSpPr>
+          <p:cNvPr id="10" name="Google Shape;279;p62">
+            <a:extLst>
+              <a:ext uri="{FF2B5EF4-FFF2-40B4-BE49-F238E27FC236}">
+                <a16:creationId xmlns:a16="http://schemas.microsoft.com/office/drawing/2014/main" id="{391B9058-AF6B-4D74-8936-1023FDAD9AD9}"/>
+              </a:ext>
+            </a:extLst>
+          </p:cNvPr>
+          <p:cNvSpPr txBox="1"/>
+          <p:nvPr/>
+        </p:nvSpPr>
+        <p:spPr>
+          <a:xfrm>
+            <a:off x="2310860" y="5528733"/>
+            <a:ext cx="7535873" cy="939800"/>
+          </a:xfrm>
+          <a:prstGeom prst="rect">
+            <a:avLst/>
+          </a:prstGeom>
+          <a:noFill/>
+          <a:ln>
+            <a:noFill/>
+          </a:ln>
+        </p:spPr>
+        <p:txBody>
+          <a:bodyPr spcFirstLastPara="1" wrap="square" lIns="0" tIns="0" rIns="0" bIns="0" anchor="b" anchorCtr="0">
+            <a:noAutofit/>
+          </a:bodyPr>
+          <a:lstStyle/>
+          <a:p>
+            <a:pPr lvl="0">
+              <a:buClr>
+                <a:srgbClr val="4D4D4D"/>
+              </a:buClr>
+              <a:buSzPts val="1400"/>
+            </a:pPr>
+            <a:r>
+              <a:rPr lang="pt-PT" sz="1600" b="1" dirty="0">
+                <a:effectLst/>
+                <a:latin typeface="Gill Sans MT" panose="020B0502020104020203" pitchFamily="34" charset="0"/>
+                <a:ea typeface="Times New Roman" panose="02020603050405020304" pitchFamily="18" charset="0"/>
+              </a:rPr>
+              <a:t>Para ajudar na listagem dos pontos de interesses relacionados com os gostos dos utilizadores, está a ser utilizado as preferências com base ao algoritmo do Google.</a:t>
+            </a:r>
+            <a:endParaRPr lang="pt-PT" sz="1050" b="1" dirty="0">
+              <a:solidFill>
+                <a:srgbClr val="4D4D4D"/>
+              </a:solidFill>
+              <a:latin typeface="Gill Sans MT" panose="020B0502020104020203" pitchFamily="34" charset="0"/>
+            </a:endParaRPr>
+          </a:p>
+        </p:txBody>
+      </p:sp>
+      <p:pic>
+        <p:nvPicPr>
+          <p:cNvPr id="11" name="Imagem 10">
+            <a:extLst>
+              <a:ext uri="{FF2B5EF4-FFF2-40B4-BE49-F238E27FC236}">
+                <a16:creationId xmlns:a16="http://schemas.microsoft.com/office/drawing/2014/main" id="{9E68531A-5084-493C-8359-5D3CDC6A594B}"/>
+              </a:ext>
+            </a:extLst>
+          </p:cNvPr>
+          <p:cNvPicPr/>
+          <p:nvPr/>
+        </p:nvPicPr>
+        <p:blipFill>
+          <a:blip r:embed="rId3" cstate="print">
+            <a:extLst>
+              <a:ext uri="{28A0092B-C50C-407E-A947-70E740481C1C}">
+                <a14:useLocalDpi xmlns:a14="http://schemas.microsoft.com/office/drawing/2010/main" val="0"/>
+              </a:ext>
+            </a:extLst>
+          </a:blip>
+          <a:srcRect/>
+          <a:stretch>
+            <a:fillRect/>
+          </a:stretch>
+        </p:blipFill>
+        <p:spPr bwMode="auto">
+          <a:xfrm>
+            <a:off x="2819401" y="1352456"/>
+            <a:ext cx="6400800" cy="4123266"/>
+          </a:xfrm>
+          <a:prstGeom prst="rect">
+            <a:avLst/>
+          </a:prstGeom>
+          <a:noFill/>
+          <a:ln>
+            <a:noFill/>
+          </a:ln>
+        </p:spPr>
+      </p:pic>
+    </p:spTree>
+    <p:extLst>
+      <p:ext uri="{BB962C8B-B14F-4D97-AF65-F5344CB8AC3E}">
+        <p14:creationId xmlns:p14="http://schemas.microsoft.com/office/powerpoint/2010/main" val="4196540459"/>
       </p:ext>
     </p:extLst>
   </p:cSld>
@@ -6276,7 +10065,7 @@
               <a:buChar char="-"/>
             </a:pPr>
             <a:r>
-              <a:rPr lang="en-US" dirty="0" err="1" smtClean="0">
+              <a:rPr lang="en-US" dirty="0" err="1">
                 <a:solidFill>
                   <a:schemeClr val="dk1"/>
                 </a:solidFill>
@@ -6380,7 +10169,7 @@
               <a:t> da </a:t>
             </a:r>
             <a:r>
-              <a:rPr lang="en-US" dirty="0" err="1" smtClean="0">
+              <a:rPr lang="en-US" dirty="0" err="1">
                 <a:solidFill>
                   <a:schemeClr val="dk1"/>
                 </a:solidFill>
@@ -6415,7 +10204,7 @@
               <a:buChar char="-"/>
             </a:pPr>
             <a:r>
-              <a:rPr lang="en-US" dirty="0" smtClean="0">
+              <a:rPr lang="en-US" dirty="0">
                 <a:solidFill>
                   <a:schemeClr val="dk1"/>
                 </a:solidFill>
@@ -6426,7 +10215,7 @@
               <a:t>Dados de </a:t>
             </a:r>
             <a:r>
-              <a:rPr lang="en-US" dirty="0" err="1" smtClean="0">
+              <a:rPr lang="en-US" dirty="0" err="1">
                 <a:solidFill>
                   <a:schemeClr val="dk1"/>
                 </a:solidFill>
@@ -6437,7 +10226,7 @@
               <a:t>contexto</a:t>
             </a:r>
             <a:r>
-              <a:rPr lang="en-US" dirty="0" smtClean="0">
+              <a:rPr lang="en-US" dirty="0">
                 <a:solidFill>
                   <a:schemeClr val="dk1"/>
                 </a:solidFill>
@@ -6448,7 +10237,7 @@
               <a:t> a </a:t>
             </a:r>
             <a:r>
-              <a:rPr lang="en-US" dirty="0" err="1" smtClean="0">
+              <a:rPr lang="en-US" dirty="0" err="1">
                 <a:solidFill>
                   <a:schemeClr val="dk1"/>
                 </a:solidFill>
@@ -6459,7 +10248,7 @@
               <a:t>recolher</a:t>
             </a:r>
             <a:r>
-              <a:rPr lang="en-US" dirty="0" smtClean="0">
+              <a:rPr lang="en-US" dirty="0">
                 <a:solidFill>
                   <a:schemeClr val="dk1"/>
                 </a:solidFill>
@@ -6470,7 +10259,7 @@
               <a:t> e/</a:t>
             </a:r>
             <a:r>
-              <a:rPr lang="en-US" dirty="0" err="1" smtClean="0">
+              <a:rPr lang="en-US" dirty="0" err="1">
                 <a:solidFill>
                   <a:schemeClr val="dk1"/>
                 </a:solidFill>
@@ -6481,7 +10270,7 @@
               <a:t>ou</a:t>
             </a:r>
             <a:r>
-              <a:rPr lang="en-US" dirty="0" smtClean="0">
+              <a:rPr lang="en-US" dirty="0">
                 <a:solidFill>
                   <a:schemeClr val="dk1"/>
                 </a:solidFill>
@@ -6492,7 +10281,7 @@
               <a:t> </a:t>
             </a:r>
             <a:r>
-              <a:rPr lang="en-US" dirty="0" err="1" smtClean="0">
+              <a:rPr lang="en-US" dirty="0" err="1">
                 <a:solidFill>
                   <a:schemeClr val="dk1"/>
                 </a:solidFill>
@@ -6502,7 +10291,7 @@
               </a:rPr>
               <a:t>externos</a:t>
             </a:r>
-            <a:endParaRPr dirty="0" smtClean="0">
+            <a:endParaRPr dirty="0">
               <a:latin typeface="Gill Sans MT" panose="020B0502020104020203" pitchFamily="34" charset="77"/>
             </a:endParaRPr>
           </a:p>
@@ -6522,7 +10311,7 @@
               <a:buChar char="-"/>
             </a:pPr>
             <a:r>
-              <a:rPr lang="en-US" dirty="0" err="1" smtClean="0">
+              <a:rPr lang="en-US" dirty="0" err="1">
                 <a:solidFill>
                   <a:schemeClr val="dk1"/>
                 </a:solidFill>
@@ -6532,34 +10321,19 @@
               <a:t>Técnica</a:t>
             </a:r>
             <a:r>
-              <a:rPr lang="en-US" dirty="0" smtClean="0">
+              <a:rPr lang="en-US" dirty="0">
                 <a:solidFill>
                   <a:schemeClr val="dk1"/>
                 </a:solidFill>
                 <a:latin typeface="Gill Sans MT"/>
               </a:rPr>
-              <a:t>(s</a:t>
-            </a:r>
-            <a:r>
-              <a:rPr lang="en-US" dirty="0">
-                <a:solidFill>
-                  <a:schemeClr val="dk1"/>
-                </a:solidFill>
-                <a:latin typeface="Gill Sans MT"/>
-              </a:rPr>
-              <a:t>)</a:t>
+              <a:t>(s)</a:t>
             </a:r>
             <a:r>
               <a:rPr lang="en-US" dirty="0">
                 <a:latin typeface="Gill Sans MT"/>
               </a:rPr>
-              <a:t> de Machine </a:t>
-            </a:r>
-            <a:r>
-              <a:rPr lang="en-US" dirty="0" smtClean="0">
-                <a:latin typeface="Gill Sans MT"/>
-              </a:rPr>
-              <a:t>Learning</a:t>
+              <a:t> de Machine Learning</a:t>
             </a:r>
           </a:p>
           <a:p>
@@ -6578,7 +10352,7 @@
               <a:buChar char="-"/>
             </a:pPr>
             <a:r>
-              <a:rPr lang="en-US" dirty="0" err="1" smtClean="0">
+              <a:rPr lang="en-US" dirty="0" err="1">
                 <a:solidFill>
                   <a:schemeClr val="dk1"/>
                 </a:solidFill>
@@ -6589,7 +10363,7 @@
               <a:t>Disponibilização</a:t>
             </a:r>
             <a:r>
-              <a:rPr lang="en-US" dirty="0" smtClean="0">
+              <a:rPr lang="en-US" dirty="0">
                 <a:solidFill>
                   <a:schemeClr val="dk1"/>
                 </a:solidFill>
@@ -6597,18 +10371,7 @@
                 <a:ea typeface="Arial"/>
                 <a:sym typeface="Arial"/>
               </a:rPr>
-              <a:t> </a:t>
-            </a:r>
-            <a:r>
-              <a:rPr lang="en-US" dirty="0">
-                <a:solidFill>
-                  <a:schemeClr val="dk1"/>
-                </a:solidFill>
-                <a:latin typeface="Gill Sans MT" panose="020B0502020104020203" pitchFamily="34" charset="77"/>
-                <a:ea typeface="Arial"/>
-                <a:sym typeface="Arial"/>
-              </a:rPr>
-              <a:t>dos dados &amp; </a:t>
+              <a:t> dos dados &amp; </a:t>
             </a:r>
             <a:r>
               <a:rPr lang="en-US" dirty="0" err="1">
@@ -6736,13 +10499,1013 @@
   <p:transition spd="slow">
     <p:fade thruBlk="1"/>
   </p:transition>
-  <p:timing>
-    <p:tnLst>
-      <p:par>
-        <p:cTn id="1" dur="indefinite" restart="never" nodeType="tmRoot"/>
-      </p:par>
-    </p:tnLst>
-  </p:timing>
+</p:sld>
+</file>
+
+<file path=ppt/slides/slide20.xml><?xml version="1.0" encoding="utf-8"?>
+<p:sld xmlns:a="http://schemas.openxmlformats.org/drawingml/2006/main" xmlns:r="http://schemas.openxmlformats.org/officeDocument/2006/relationships" xmlns:p="http://schemas.openxmlformats.org/presentationml/2006/main">
+  <p:cSld>
+    <p:spTree>
+      <p:nvGrpSpPr>
+        <p:cNvPr id="1" name="Shape 325"/>
+        <p:cNvGrpSpPr/>
+        <p:nvPr/>
+      </p:nvGrpSpPr>
+      <p:grpSpPr>
+        <a:xfrm>
+          <a:off x="0" y="0"/>
+          <a:ext cx="0" cy="0"/>
+          <a:chOff x="0" y="0"/>
+          <a:chExt cx="0" cy="0"/>
+        </a:xfrm>
+      </p:grpSpPr>
+      <p:sp>
+        <p:nvSpPr>
+          <p:cNvPr id="326" name="Google Shape;326;p68"/>
+          <p:cNvSpPr txBox="1"/>
+          <p:nvPr/>
+        </p:nvSpPr>
+        <p:spPr>
+          <a:xfrm>
+            <a:off x="9929068" y="312539"/>
+            <a:ext cx="235520" cy="241102"/>
+          </a:xfrm>
+          <a:prstGeom prst="rect">
+            <a:avLst/>
+          </a:prstGeom>
+          <a:noFill/>
+          <a:ln>
+            <a:noFill/>
+          </a:ln>
+        </p:spPr>
+        <p:txBody>
+          <a:bodyPr spcFirstLastPara="1" wrap="square" lIns="64283" tIns="32133" rIns="64283" bIns="32133" anchor="t" anchorCtr="0">
+            <a:noAutofit/>
+          </a:bodyPr>
+          <a:lstStyle/>
+          <a:p>
+            <a:pPr algn="r">
+              <a:buClr>
+                <a:srgbClr val="4D4D4D"/>
+              </a:buClr>
+              <a:buSzPts val="1400"/>
+            </a:pPr>
+            <a:fld id="{00000000-1234-1234-1234-123412341234}" type="slidenum">
+              <a:rPr lang="en-US" sz="984">
+                <a:solidFill>
+                  <a:srgbClr val="4D4D4D"/>
+                </a:solidFill>
+                <a:latin typeface="Gill Sans MT" panose="020B0502020104020203" pitchFamily="34" charset="77"/>
+                <a:sym typeface="Arial"/>
+              </a:rPr>
+              <a:pPr algn="r">
+                <a:buClr>
+                  <a:srgbClr val="4D4D4D"/>
+                </a:buClr>
+                <a:buSzPts val="1400"/>
+              </a:pPr>
+              <a:t>20</a:t>
+            </a:fld>
+            <a:endParaRPr sz="1266" dirty="0">
+              <a:latin typeface="Gill Sans MT" panose="020B0502020104020203" pitchFamily="34" charset="77"/>
+            </a:endParaRPr>
+          </a:p>
+        </p:txBody>
+      </p:sp>
+      <p:sp>
+        <p:nvSpPr>
+          <p:cNvPr id="327" name="Google Shape;327;p68"/>
+          <p:cNvSpPr txBox="1">
+            <a:spLocks noGrp="1"/>
+          </p:cNvSpPr>
+          <p:nvPr>
+            <p:ph type="title"/>
+          </p:nvPr>
+        </p:nvSpPr>
+        <p:spPr>
+          <a:xfrm>
+            <a:off x="951011" y="816634"/>
+            <a:ext cx="7535874" cy="482811"/>
+          </a:xfrm>
+          <a:prstGeom prst="rect">
+            <a:avLst/>
+          </a:prstGeom>
+          <a:noFill/>
+          <a:ln>
+            <a:noFill/>
+          </a:ln>
+        </p:spPr>
+        <p:txBody>
+          <a:bodyPr spcFirstLastPara="1" vert="horz" wrap="square" lIns="0" tIns="0" rIns="0" bIns="0" rtlCol="0" anchor="t" anchorCtr="0">
+            <a:noAutofit/>
+          </a:bodyPr>
+          <a:lstStyle/>
+          <a:p>
+            <a:pPr>
+              <a:lnSpc>
+                <a:spcPct val="100000"/>
+              </a:lnSpc>
+              <a:spcBef>
+                <a:spcPts val="0"/>
+              </a:spcBef>
+            </a:pPr>
+            <a:r>
+              <a:rPr lang="en-US" sz="2000" dirty="0">
+                <a:solidFill>
+                  <a:schemeClr val="dk1"/>
+                </a:solidFill>
+                <a:latin typeface="Gill Sans MT"/>
+                <a:sym typeface="Arial"/>
+              </a:rPr>
+              <a:t>Técnica(s) Machine Learning</a:t>
+            </a:r>
+            <a:br>
+              <a:rPr lang="en-US" sz="2000" dirty="0">
+                <a:solidFill>
+                  <a:schemeClr val="dk1"/>
+                </a:solidFill>
+                <a:ea typeface="Arial"/>
+                <a:sym typeface="Arial"/>
+              </a:rPr>
+            </a:br>
+            <a:br>
+              <a:rPr lang="en-US" sz="2000" dirty="0">
+                <a:solidFill>
+                  <a:schemeClr val="dk1"/>
+                </a:solidFill>
+                <a:ea typeface="Arial"/>
+                <a:sym typeface="Arial"/>
+              </a:rPr>
+            </a:br>
+            <a:endParaRPr lang="en-US" sz="1800" dirty="0">
+              <a:cs typeface="Calibri Light"/>
+            </a:endParaRPr>
+          </a:p>
+        </p:txBody>
+      </p:sp>
+      <p:sp>
+        <p:nvSpPr>
+          <p:cNvPr id="9" name="Google Shape;279;p62"/>
+          <p:cNvSpPr txBox="1"/>
+          <p:nvPr/>
+        </p:nvSpPr>
+        <p:spPr>
+          <a:xfrm>
+            <a:off x="900463" y="312539"/>
+            <a:ext cx="11054469" cy="241102"/>
+          </a:xfrm>
+          <a:prstGeom prst="rect">
+            <a:avLst/>
+          </a:prstGeom>
+          <a:noFill/>
+          <a:ln>
+            <a:noFill/>
+          </a:ln>
+        </p:spPr>
+        <p:txBody>
+          <a:bodyPr spcFirstLastPara="1" wrap="square" lIns="0" tIns="0" rIns="0" bIns="0" anchor="b" anchorCtr="0">
+            <a:noAutofit/>
+          </a:bodyPr>
+          <a:lstStyle/>
+          <a:p>
+            <a:pPr lvl="0">
+              <a:buClr>
+                <a:srgbClr val="4D4D4D"/>
+              </a:buClr>
+              <a:buSzPts val="1400"/>
+            </a:pPr>
+            <a:r>
+              <a:rPr lang="pt-PT" sz="950" b="1" dirty="0">
+                <a:solidFill>
+                  <a:schemeClr val="accent3">
+                    <a:lumMod val="75000"/>
+                  </a:schemeClr>
+                </a:solidFill>
+              </a:rPr>
+              <a:t>Desenvolvimento de uma Progressive Web App (PWA) para Turismo em Coimbra </a:t>
+            </a:r>
+            <a:r>
+              <a:rPr lang="en-US" sz="950" dirty="0">
+                <a:solidFill>
+                  <a:schemeClr val="accent3">
+                    <a:lumMod val="75000"/>
+                  </a:schemeClr>
+                </a:solidFill>
+                <a:latin typeface="Gill Sans MT"/>
+                <a:sym typeface="Arial"/>
+              </a:rPr>
+              <a:t>			</a:t>
+            </a:r>
+            <a:endParaRPr sz="950" dirty="0">
+              <a:solidFill>
+                <a:schemeClr val="accent3">
+                  <a:lumMod val="75000"/>
+                </a:schemeClr>
+              </a:solidFill>
+              <a:latin typeface="Gill Sans MT" panose="020B0502020104020203" pitchFamily="34" charset="77"/>
+            </a:endParaRPr>
+          </a:p>
+        </p:txBody>
+      </p:sp>
+      <p:sp>
+        <p:nvSpPr>
+          <p:cNvPr id="10" name="Google Shape;279;p62">
+            <a:extLst>
+              <a:ext uri="{FF2B5EF4-FFF2-40B4-BE49-F238E27FC236}">
+                <a16:creationId xmlns:a16="http://schemas.microsoft.com/office/drawing/2014/main" id="{391B9058-AF6B-4D74-8936-1023FDAD9AD9}"/>
+              </a:ext>
+            </a:extLst>
+          </p:cNvPr>
+          <p:cNvSpPr txBox="1"/>
+          <p:nvPr/>
+        </p:nvSpPr>
+        <p:spPr>
+          <a:xfrm>
+            <a:off x="2328063" y="5573675"/>
+            <a:ext cx="7535873" cy="653755"/>
+          </a:xfrm>
+          <a:prstGeom prst="rect">
+            <a:avLst/>
+          </a:prstGeom>
+          <a:noFill/>
+          <a:ln>
+            <a:noFill/>
+          </a:ln>
+        </p:spPr>
+        <p:txBody>
+          <a:bodyPr spcFirstLastPara="1" wrap="square" lIns="0" tIns="0" rIns="0" bIns="0" anchor="b" anchorCtr="0">
+            <a:noAutofit/>
+          </a:bodyPr>
+          <a:lstStyle/>
+          <a:p>
+            <a:pPr lvl="0">
+              <a:buClr>
+                <a:srgbClr val="4D4D4D"/>
+              </a:buClr>
+              <a:buSzPts val="1400"/>
+            </a:pPr>
+            <a:r>
+              <a:rPr lang="pt-PT" sz="1600" b="1" dirty="0">
+                <a:effectLst/>
+                <a:latin typeface="Gill Sans MT" panose="020B0502020104020203" pitchFamily="34" charset="0"/>
+                <a:ea typeface="Times New Roman" panose="02020603050405020304" pitchFamily="18" charset="0"/>
+              </a:rPr>
+              <a:t>Para melhor experiência de utilizadores foi utilizado o </a:t>
+            </a:r>
+            <a:r>
+              <a:rPr lang="pt-PT" sz="1600" b="1" dirty="0" err="1">
+                <a:effectLst/>
+                <a:latin typeface="Gill Sans MT" panose="020B0502020104020203" pitchFamily="34" charset="0"/>
+                <a:ea typeface="Times New Roman" panose="02020603050405020304" pitchFamily="18" charset="0"/>
+              </a:rPr>
+              <a:t>travelMode</a:t>
+            </a:r>
+            <a:r>
+              <a:rPr lang="pt-PT" sz="1600" b="1" dirty="0">
+                <a:effectLst/>
+                <a:latin typeface="Gill Sans MT" panose="020B0502020104020203" pitchFamily="34" charset="0"/>
+                <a:ea typeface="Times New Roman" panose="02020603050405020304" pitchFamily="18" charset="0"/>
+              </a:rPr>
+              <a:t> TRANSIT para ser possível visualizar formas de chegar ao ponto de interesse.</a:t>
+            </a:r>
+            <a:endParaRPr lang="pt-PT" sz="1050" b="1" dirty="0">
+              <a:solidFill>
+                <a:srgbClr val="4D4D4D"/>
+              </a:solidFill>
+              <a:latin typeface="Gill Sans MT" panose="020B0502020104020203" pitchFamily="34" charset="0"/>
+            </a:endParaRPr>
+          </a:p>
+        </p:txBody>
+      </p:sp>
+      <p:pic>
+        <p:nvPicPr>
+          <p:cNvPr id="7" name="Imagem 6">
+            <a:extLst>
+              <a:ext uri="{FF2B5EF4-FFF2-40B4-BE49-F238E27FC236}">
+                <a16:creationId xmlns:a16="http://schemas.microsoft.com/office/drawing/2014/main" id="{91FF1780-F71B-41C9-9918-3A93437FD7CD}"/>
+              </a:ext>
+            </a:extLst>
+          </p:cNvPr>
+          <p:cNvPicPr/>
+          <p:nvPr/>
+        </p:nvPicPr>
+        <p:blipFill>
+          <a:blip r:embed="rId3" cstate="print">
+            <a:extLst>
+              <a:ext uri="{28A0092B-C50C-407E-A947-70E740481C1C}">
+                <a14:useLocalDpi xmlns:a14="http://schemas.microsoft.com/office/drawing/2010/main" val="0"/>
+              </a:ext>
+            </a:extLst>
+          </a:blip>
+          <a:srcRect/>
+          <a:stretch>
+            <a:fillRect/>
+          </a:stretch>
+        </p:blipFill>
+        <p:spPr bwMode="auto">
+          <a:xfrm>
+            <a:off x="3691467" y="1661689"/>
+            <a:ext cx="4950248" cy="3790845"/>
+          </a:xfrm>
+          <a:prstGeom prst="rect">
+            <a:avLst/>
+          </a:prstGeom>
+          <a:noFill/>
+          <a:ln>
+            <a:noFill/>
+          </a:ln>
+        </p:spPr>
+      </p:pic>
+    </p:spTree>
+    <p:extLst>
+      <p:ext uri="{BB962C8B-B14F-4D97-AF65-F5344CB8AC3E}">
+        <p14:creationId xmlns:p14="http://schemas.microsoft.com/office/powerpoint/2010/main" val="470429961"/>
+      </p:ext>
+    </p:extLst>
+  </p:cSld>
+  <p:clrMapOvr>
+    <a:masterClrMapping/>
+  </p:clrMapOvr>
+  <p:transition spd="slow">
+    <p:fade thruBlk="1"/>
+  </p:transition>
+</p:sld>
+</file>
+
+<file path=ppt/slides/slide21.xml><?xml version="1.0" encoding="utf-8"?>
+<p:sld xmlns:a="http://schemas.openxmlformats.org/drawingml/2006/main" xmlns:r="http://schemas.openxmlformats.org/officeDocument/2006/relationships" xmlns:p="http://schemas.openxmlformats.org/presentationml/2006/main">
+  <p:cSld>
+    <p:spTree>
+      <p:nvGrpSpPr>
+        <p:cNvPr id="1" name="Shape 325"/>
+        <p:cNvGrpSpPr/>
+        <p:nvPr/>
+      </p:nvGrpSpPr>
+      <p:grpSpPr>
+        <a:xfrm>
+          <a:off x="0" y="0"/>
+          <a:ext cx="0" cy="0"/>
+          <a:chOff x="0" y="0"/>
+          <a:chExt cx="0" cy="0"/>
+        </a:xfrm>
+      </p:grpSpPr>
+      <p:sp>
+        <p:nvSpPr>
+          <p:cNvPr id="326" name="Google Shape;326;p68"/>
+          <p:cNvSpPr txBox="1"/>
+          <p:nvPr/>
+        </p:nvSpPr>
+        <p:spPr>
+          <a:xfrm>
+            <a:off x="9929068" y="312539"/>
+            <a:ext cx="235520" cy="241102"/>
+          </a:xfrm>
+          <a:prstGeom prst="rect">
+            <a:avLst/>
+          </a:prstGeom>
+          <a:noFill/>
+          <a:ln>
+            <a:noFill/>
+          </a:ln>
+        </p:spPr>
+        <p:txBody>
+          <a:bodyPr spcFirstLastPara="1" wrap="square" lIns="64283" tIns="32133" rIns="64283" bIns="32133" anchor="t" anchorCtr="0">
+            <a:noAutofit/>
+          </a:bodyPr>
+          <a:lstStyle/>
+          <a:p>
+            <a:pPr algn="r">
+              <a:buClr>
+                <a:srgbClr val="4D4D4D"/>
+              </a:buClr>
+              <a:buSzPts val="1400"/>
+            </a:pPr>
+            <a:fld id="{00000000-1234-1234-1234-123412341234}" type="slidenum">
+              <a:rPr lang="en-US" sz="984">
+                <a:solidFill>
+                  <a:srgbClr val="4D4D4D"/>
+                </a:solidFill>
+                <a:latin typeface="Gill Sans MT" panose="020B0502020104020203" pitchFamily="34" charset="77"/>
+                <a:sym typeface="Arial"/>
+              </a:rPr>
+              <a:pPr algn="r">
+                <a:buClr>
+                  <a:srgbClr val="4D4D4D"/>
+                </a:buClr>
+                <a:buSzPts val="1400"/>
+              </a:pPr>
+              <a:t>21</a:t>
+            </a:fld>
+            <a:endParaRPr sz="1266" dirty="0">
+              <a:latin typeface="Gill Sans MT" panose="020B0502020104020203" pitchFamily="34" charset="77"/>
+            </a:endParaRPr>
+          </a:p>
+        </p:txBody>
+      </p:sp>
+      <p:sp>
+        <p:nvSpPr>
+          <p:cNvPr id="327" name="Google Shape;327;p68"/>
+          <p:cNvSpPr txBox="1">
+            <a:spLocks noGrp="1"/>
+          </p:cNvSpPr>
+          <p:nvPr>
+            <p:ph type="title"/>
+          </p:nvPr>
+        </p:nvSpPr>
+        <p:spPr>
+          <a:xfrm>
+            <a:off x="951011" y="816634"/>
+            <a:ext cx="7535874" cy="482811"/>
+          </a:xfrm>
+          <a:prstGeom prst="rect">
+            <a:avLst/>
+          </a:prstGeom>
+          <a:noFill/>
+          <a:ln>
+            <a:noFill/>
+          </a:ln>
+        </p:spPr>
+        <p:txBody>
+          <a:bodyPr spcFirstLastPara="1" vert="horz" wrap="square" lIns="0" tIns="0" rIns="0" bIns="0" rtlCol="0" anchor="t" anchorCtr="0">
+            <a:noAutofit/>
+          </a:bodyPr>
+          <a:lstStyle/>
+          <a:p>
+            <a:pPr>
+              <a:lnSpc>
+                <a:spcPct val="100000"/>
+              </a:lnSpc>
+              <a:spcBef>
+                <a:spcPts val="0"/>
+              </a:spcBef>
+            </a:pPr>
+            <a:r>
+              <a:rPr lang="en-US" sz="2000" dirty="0">
+                <a:solidFill>
+                  <a:schemeClr val="dk1"/>
+                </a:solidFill>
+                <a:latin typeface="Gill Sans MT"/>
+                <a:sym typeface="Arial"/>
+              </a:rPr>
+              <a:t>Técnica(s) Machine Learning</a:t>
+            </a:r>
+            <a:br>
+              <a:rPr lang="en-US" sz="2000" dirty="0">
+                <a:solidFill>
+                  <a:schemeClr val="dk1"/>
+                </a:solidFill>
+                <a:ea typeface="Arial"/>
+                <a:sym typeface="Arial"/>
+              </a:rPr>
+            </a:br>
+            <a:br>
+              <a:rPr lang="en-US" sz="2000" dirty="0">
+                <a:solidFill>
+                  <a:schemeClr val="dk1"/>
+                </a:solidFill>
+                <a:ea typeface="Arial"/>
+                <a:sym typeface="Arial"/>
+              </a:rPr>
+            </a:br>
+            <a:endParaRPr lang="en-US" sz="1800" dirty="0">
+              <a:cs typeface="Calibri Light"/>
+            </a:endParaRPr>
+          </a:p>
+        </p:txBody>
+      </p:sp>
+      <p:sp>
+        <p:nvSpPr>
+          <p:cNvPr id="9" name="Google Shape;279;p62"/>
+          <p:cNvSpPr txBox="1"/>
+          <p:nvPr/>
+        </p:nvSpPr>
+        <p:spPr>
+          <a:xfrm>
+            <a:off x="900463" y="312539"/>
+            <a:ext cx="11054469" cy="241102"/>
+          </a:xfrm>
+          <a:prstGeom prst="rect">
+            <a:avLst/>
+          </a:prstGeom>
+          <a:noFill/>
+          <a:ln>
+            <a:noFill/>
+          </a:ln>
+        </p:spPr>
+        <p:txBody>
+          <a:bodyPr spcFirstLastPara="1" wrap="square" lIns="0" tIns="0" rIns="0" bIns="0" anchor="b" anchorCtr="0">
+            <a:noAutofit/>
+          </a:bodyPr>
+          <a:lstStyle/>
+          <a:p>
+            <a:pPr lvl="0">
+              <a:buClr>
+                <a:srgbClr val="4D4D4D"/>
+              </a:buClr>
+              <a:buSzPts val="1400"/>
+            </a:pPr>
+            <a:r>
+              <a:rPr lang="pt-PT" sz="950" b="1" dirty="0">
+                <a:solidFill>
+                  <a:schemeClr val="accent3">
+                    <a:lumMod val="75000"/>
+                  </a:schemeClr>
+                </a:solidFill>
+              </a:rPr>
+              <a:t>Desenvolvimento de uma Progressive Web App (PWA) para Turismo em Coimbra </a:t>
+            </a:r>
+            <a:r>
+              <a:rPr lang="en-US" sz="950" dirty="0">
+                <a:solidFill>
+                  <a:schemeClr val="accent3">
+                    <a:lumMod val="75000"/>
+                  </a:schemeClr>
+                </a:solidFill>
+                <a:latin typeface="Gill Sans MT"/>
+                <a:sym typeface="Arial"/>
+              </a:rPr>
+              <a:t>			</a:t>
+            </a:r>
+            <a:endParaRPr sz="950" dirty="0">
+              <a:solidFill>
+                <a:schemeClr val="accent3">
+                  <a:lumMod val="75000"/>
+                </a:schemeClr>
+              </a:solidFill>
+              <a:latin typeface="Gill Sans MT" panose="020B0502020104020203" pitchFamily="34" charset="77"/>
+            </a:endParaRPr>
+          </a:p>
+        </p:txBody>
+      </p:sp>
+      <p:pic>
+        <p:nvPicPr>
+          <p:cNvPr id="8" name="Imagem 7">
+            <a:extLst>
+              <a:ext uri="{FF2B5EF4-FFF2-40B4-BE49-F238E27FC236}">
+                <a16:creationId xmlns:a16="http://schemas.microsoft.com/office/drawing/2014/main" id="{FDEB5A01-BC06-4BC0-AFD9-D14013A28086}"/>
+              </a:ext>
+            </a:extLst>
+          </p:cNvPr>
+          <p:cNvPicPr/>
+          <p:nvPr/>
+        </p:nvPicPr>
+        <p:blipFill>
+          <a:blip r:embed="rId3" cstate="print">
+            <a:extLst>
+              <a:ext uri="{28A0092B-C50C-407E-A947-70E740481C1C}">
+                <a14:useLocalDpi xmlns:a14="http://schemas.microsoft.com/office/drawing/2010/main" val="0"/>
+              </a:ext>
+            </a:extLst>
+          </a:blip>
+          <a:srcRect/>
+          <a:stretch>
+            <a:fillRect/>
+          </a:stretch>
+        </p:blipFill>
+        <p:spPr bwMode="auto">
+          <a:xfrm>
+            <a:off x="2358813" y="1736725"/>
+            <a:ext cx="7474374" cy="3250142"/>
+          </a:xfrm>
+          <a:prstGeom prst="rect">
+            <a:avLst/>
+          </a:prstGeom>
+          <a:noFill/>
+          <a:ln>
+            <a:noFill/>
+          </a:ln>
+        </p:spPr>
+      </p:pic>
+      <p:sp>
+        <p:nvSpPr>
+          <p:cNvPr id="10" name="Google Shape;279;p62">
+            <a:extLst>
+              <a:ext uri="{FF2B5EF4-FFF2-40B4-BE49-F238E27FC236}">
+                <a16:creationId xmlns:a16="http://schemas.microsoft.com/office/drawing/2014/main" id="{391B9058-AF6B-4D74-8936-1023FDAD9AD9}"/>
+              </a:ext>
+            </a:extLst>
+          </p:cNvPr>
+          <p:cNvSpPr txBox="1"/>
+          <p:nvPr/>
+        </p:nvSpPr>
+        <p:spPr>
+          <a:xfrm>
+            <a:off x="4555196" y="5528733"/>
+            <a:ext cx="3784471" cy="198921"/>
+          </a:xfrm>
+          <a:prstGeom prst="rect">
+            <a:avLst/>
+          </a:prstGeom>
+          <a:noFill/>
+          <a:ln>
+            <a:noFill/>
+          </a:ln>
+        </p:spPr>
+        <p:txBody>
+          <a:bodyPr spcFirstLastPara="1" wrap="square" lIns="0" tIns="0" rIns="0" bIns="0" anchor="b" anchorCtr="0">
+            <a:noAutofit/>
+          </a:bodyPr>
+          <a:lstStyle/>
+          <a:p>
+            <a:pPr lvl="0">
+              <a:buClr>
+                <a:srgbClr val="4D4D4D"/>
+              </a:buClr>
+              <a:buSzPts val="1400"/>
+            </a:pPr>
+            <a:r>
+              <a:rPr lang="pt-PT" sz="1600" b="1" dirty="0">
+                <a:effectLst/>
+                <a:latin typeface="Gill Sans MT" panose="020B0502020104020203" pitchFamily="34" charset="0"/>
+                <a:ea typeface="Times New Roman" panose="02020603050405020304" pitchFamily="18" charset="0"/>
+              </a:rPr>
+              <a:t>Avaliação de um ponto de interesse.</a:t>
+            </a:r>
+            <a:endParaRPr lang="pt-PT" sz="1050" b="1" dirty="0">
+              <a:solidFill>
+                <a:srgbClr val="4D4D4D"/>
+              </a:solidFill>
+              <a:latin typeface="Gill Sans MT" panose="020B0502020104020203" pitchFamily="34" charset="0"/>
+            </a:endParaRPr>
+          </a:p>
+        </p:txBody>
+      </p:sp>
+    </p:spTree>
+    <p:extLst>
+      <p:ext uri="{BB962C8B-B14F-4D97-AF65-F5344CB8AC3E}">
+        <p14:creationId xmlns:p14="http://schemas.microsoft.com/office/powerpoint/2010/main" val="3498330967"/>
+      </p:ext>
+    </p:extLst>
+  </p:cSld>
+  <p:clrMapOvr>
+    <a:masterClrMapping/>
+  </p:clrMapOvr>
+  <p:transition spd="slow">
+    <p:fade thruBlk="1"/>
+  </p:transition>
+</p:sld>
+</file>
+
+<file path=ppt/slides/slide22.xml><?xml version="1.0" encoding="utf-8"?>
+<p:sld xmlns:a="http://schemas.openxmlformats.org/drawingml/2006/main" xmlns:r="http://schemas.openxmlformats.org/officeDocument/2006/relationships" xmlns:p="http://schemas.openxmlformats.org/presentationml/2006/main">
+  <p:cSld>
+    <p:spTree>
+      <p:nvGrpSpPr>
+        <p:cNvPr id="1" name="Shape 293"/>
+        <p:cNvGrpSpPr/>
+        <p:nvPr/>
+      </p:nvGrpSpPr>
+      <p:grpSpPr>
+        <a:xfrm>
+          <a:off x="0" y="0"/>
+          <a:ext cx="0" cy="0"/>
+          <a:chOff x="0" y="0"/>
+          <a:chExt cx="0" cy="0"/>
+        </a:xfrm>
+      </p:grpSpPr>
+      <p:sp>
+        <p:nvSpPr>
+          <p:cNvPr id="294" name="Google Shape;294;p64"/>
+          <p:cNvSpPr txBox="1"/>
+          <p:nvPr/>
+        </p:nvSpPr>
+        <p:spPr>
+          <a:xfrm>
+            <a:off x="9929068" y="312539"/>
+            <a:ext cx="235520" cy="241102"/>
+          </a:xfrm>
+          <a:prstGeom prst="rect">
+            <a:avLst/>
+          </a:prstGeom>
+          <a:noFill/>
+          <a:ln>
+            <a:noFill/>
+          </a:ln>
+        </p:spPr>
+        <p:txBody>
+          <a:bodyPr spcFirstLastPara="1" wrap="square" lIns="64283" tIns="32133" rIns="64283" bIns="32133" anchor="t" anchorCtr="0">
+            <a:noAutofit/>
+          </a:bodyPr>
+          <a:lstStyle/>
+          <a:p>
+            <a:pPr algn="r">
+              <a:buClr>
+                <a:srgbClr val="4D4D4D"/>
+              </a:buClr>
+              <a:buSzPts val="1400"/>
+            </a:pPr>
+            <a:fld id="{00000000-1234-1234-1234-123412341234}" type="slidenum">
+              <a:rPr lang="en-US" sz="984">
+                <a:solidFill>
+                  <a:srgbClr val="4D4D4D"/>
+                </a:solidFill>
+                <a:latin typeface="Gill Sans MT" panose="020B0502020104020203" pitchFamily="34" charset="77"/>
+                <a:sym typeface="Arial"/>
+              </a:rPr>
+              <a:pPr algn="r">
+                <a:buClr>
+                  <a:srgbClr val="4D4D4D"/>
+                </a:buClr>
+                <a:buSzPts val="1400"/>
+              </a:pPr>
+              <a:t>22</a:t>
+            </a:fld>
+            <a:endParaRPr sz="1266" dirty="0">
+              <a:latin typeface="Gill Sans MT" panose="020B0502020104020203" pitchFamily="34" charset="77"/>
+            </a:endParaRPr>
+          </a:p>
+        </p:txBody>
+      </p:sp>
+      <p:sp>
+        <p:nvSpPr>
+          <p:cNvPr id="295" name="Google Shape;295;p64"/>
+          <p:cNvSpPr txBox="1">
+            <a:spLocks noGrp="1"/>
+          </p:cNvSpPr>
+          <p:nvPr>
+            <p:ph type="title"/>
+          </p:nvPr>
+        </p:nvSpPr>
+        <p:spPr>
+          <a:xfrm>
+            <a:off x="913859" y="750094"/>
+            <a:ext cx="8036719" cy="812602"/>
+          </a:xfrm>
+          <a:prstGeom prst="rect">
+            <a:avLst/>
+          </a:prstGeom>
+          <a:noFill/>
+          <a:ln>
+            <a:noFill/>
+          </a:ln>
+        </p:spPr>
+        <p:txBody>
+          <a:bodyPr spcFirstLastPara="1" vert="horz" wrap="square" lIns="0" tIns="0" rIns="0" bIns="0" rtlCol="0" anchor="t" anchorCtr="0">
+            <a:noAutofit/>
+          </a:bodyPr>
+          <a:lstStyle/>
+          <a:p>
+            <a:pPr>
+              <a:lnSpc>
+                <a:spcPct val="100000"/>
+              </a:lnSpc>
+              <a:spcBef>
+                <a:spcPts val="0"/>
+              </a:spcBef>
+              <a:buClr>
+                <a:schemeClr val="dk1"/>
+              </a:buClr>
+              <a:buSzPts val="6400"/>
+            </a:pPr>
+            <a:r>
+              <a:rPr lang="en-US" sz="4800" dirty="0" err="1">
+                <a:solidFill>
+                  <a:schemeClr val="dk1"/>
+                </a:solidFill>
+                <a:latin typeface="Gill Sans MT" panose="020B0502020104020203" pitchFamily="34" charset="77"/>
+                <a:sym typeface="Arial"/>
+              </a:rPr>
+              <a:t>Conclusão</a:t>
+            </a:r>
+            <a:endParaRPr sz="4800" dirty="0">
+              <a:solidFill>
+                <a:schemeClr val="dk1"/>
+              </a:solidFill>
+              <a:latin typeface="Gill Sans MT" panose="020B0502020104020203" pitchFamily="34" charset="77"/>
+            </a:endParaRPr>
+          </a:p>
+        </p:txBody>
+      </p:sp>
+      <p:sp>
+        <p:nvSpPr>
+          <p:cNvPr id="296" name="Google Shape;296;p64"/>
+          <p:cNvSpPr txBox="1">
+            <a:spLocks noGrp="1"/>
+          </p:cNvSpPr>
+          <p:nvPr>
+            <p:ph type="body" idx="1"/>
+          </p:nvPr>
+        </p:nvSpPr>
+        <p:spPr>
+          <a:xfrm>
+            <a:off x="913859" y="2035969"/>
+            <a:ext cx="10710874" cy="4848820"/>
+          </a:xfrm>
+          <a:prstGeom prst="rect">
+            <a:avLst/>
+          </a:prstGeom>
+          <a:noFill/>
+          <a:ln>
+            <a:noFill/>
+          </a:ln>
+        </p:spPr>
+        <p:txBody>
+          <a:bodyPr spcFirstLastPara="1" vert="horz" wrap="square" lIns="0" tIns="0" rIns="0" bIns="0" rtlCol="0" anchor="t" anchorCtr="0">
+            <a:noAutofit/>
+          </a:bodyPr>
+          <a:lstStyle/>
+          <a:p>
+            <a:pPr marL="267881" indent="-267881" algn="just">
+              <a:lnSpc>
+                <a:spcPct val="110000"/>
+              </a:lnSpc>
+              <a:spcBef>
+                <a:spcPts val="0"/>
+              </a:spcBef>
+              <a:buClr>
+                <a:srgbClr val="000000"/>
+              </a:buClr>
+              <a:buSzPts val="3600"/>
+              <a:buFont typeface="Arial"/>
+              <a:buChar char="-"/>
+            </a:pPr>
+            <a:r>
+              <a:rPr lang="pt-PT" sz="1800" dirty="0"/>
+              <a:t>Em suma, foi detalhada a importância de abordagens inovadoras e </a:t>
+            </a:r>
+            <a:r>
+              <a:rPr lang="pt-PT" sz="1800" dirty="0" err="1"/>
+              <a:t>multidisciplina-res</a:t>
+            </a:r>
+            <a:r>
+              <a:rPr lang="pt-PT" sz="1800" dirty="0"/>
+              <a:t> para enfrentar os desafios no setor do turismo, especialmente no contexto de cidades históricas como Coimbra. Ao desenvolver uma </a:t>
+            </a:r>
+            <a:r>
+              <a:rPr lang="pt-PT" sz="1800" dirty="0" err="1"/>
+              <a:t>Progressive</a:t>
+            </a:r>
+            <a:r>
+              <a:rPr lang="pt-PT" sz="1800" dirty="0"/>
+              <a:t> Web App (PWA) para o turismo em Coimbra, buscou-se superar as lacunas na acessibilidade e </a:t>
+            </a:r>
+            <a:r>
+              <a:rPr lang="pt-PT" sz="1800" dirty="0" err="1"/>
+              <a:t>quali-dade</a:t>
+            </a:r>
+            <a:r>
+              <a:rPr lang="pt-PT" sz="1800" dirty="0"/>
+              <a:t> das informações disponíveis para os visitantes. </a:t>
+            </a:r>
+          </a:p>
+          <a:p>
+            <a:pPr marL="267881" indent="-267881" algn="just">
+              <a:lnSpc>
+                <a:spcPct val="110000"/>
+              </a:lnSpc>
+              <a:spcBef>
+                <a:spcPts val="0"/>
+              </a:spcBef>
+              <a:buClr>
+                <a:srgbClr val="000000"/>
+              </a:buClr>
+              <a:buSzPts val="3600"/>
+              <a:buFont typeface="Arial"/>
+              <a:buChar char="-"/>
+            </a:pPr>
+            <a:r>
+              <a:rPr lang="pt-PT" sz="1800" dirty="0"/>
+              <a:t>A abordagem aplicada visa não apenas melhorar a experiência do turista, mas também impulsionar o </a:t>
+            </a:r>
+            <a:r>
+              <a:rPr lang="pt-PT" sz="1800" dirty="0" err="1"/>
+              <a:t>desenvolvi-mento</a:t>
+            </a:r>
+            <a:r>
+              <a:rPr lang="pt-PT" sz="1800" dirty="0"/>
+              <a:t> econômico local e promover Coimbra como um destino turístico destacado. Além disso, este estudo contribui para o campo do turismo ao integrar tecnologias avançadas, como aprendizagem automática, para proporcionar aos turistas uma experiência mais personalizada e imersiva. </a:t>
+            </a:r>
+          </a:p>
+          <a:p>
+            <a:pPr marL="267881" indent="-267881" algn="just">
+              <a:lnSpc>
+                <a:spcPct val="110000"/>
+              </a:lnSpc>
+              <a:spcBef>
+                <a:spcPts val="0"/>
+              </a:spcBef>
+              <a:buClr>
+                <a:srgbClr val="000000"/>
+              </a:buClr>
+              <a:buSzPts val="3600"/>
+              <a:buFont typeface="Arial"/>
+              <a:buChar char="-"/>
+            </a:pPr>
+            <a:r>
+              <a:rPr lang="pt-PT" sz="1800" dirty="0"/>
+              <a:t>A arquitetura da aplicação, a </a:t>
+            </a:r>
+            <a:r>
+              <a:rPr lang="pt-PT" sz="1800" dirty="0" err="1"/>
+              <a:t>metodolo-gia</a:t>
+            </a:r>
+            <a:r>
+              <a:rPr lang="pt-PT" sz="1800" dirty="0"/>
+              <a:t> de desenvolvimento ágil e a consideração cuidadosa da privacidade dos dados dos utilizadores são elementos-chave que destacam a abordagem adotada neste trabalho. As funcionalidades propostas para a PWA, como gráficos estatísticos, </a:t>
+            </a:r>
+            <a:r>
+              <a:rPr lang="pt-PT" sz="1800" dirty="0" err="1"/>
+              <a:t>gale-rias</a:t>
+            </a:r>
+            <a:r>
+              <a:rPr lang="pt-PT" sz="1800" dirty="0"/>
+              <a:t> de fotos e vídeos, e feedback dos utilizadores, representam áreas de </a:t>
+            </a:r>
+            <a:r>
+              <a:rPr lang="pt-PT" sz="1800" dirty="0" err="1"/>
+              <a:t>desenvolvi-mento</a:t>
+            </a:r>
+            <a:r>
+              <a:rPr lang="pt-PT" sz="1800" dirty="0"/>
+              <a:t> futuro que têm o potencial de enriquecer ainda mais a experiência do turista em Coimbra.</a:t>
+            </a:r>
+            <a:endParaRPr sz="1800" dirty="0">
+              <a:solidFill>
+                <a:schemeClr val="dk1"/>
+              </a:solidFill>
+              <a:ea typeface="Arial"/>
+              <a:sym typeface="Arial"/>
+            </a:endParaRPr>
+          </a:p>
+        </p:txBody>
+      </p:sp>
+      <p:sp>
+        <p:nvSpPr>
+          <p:cNvPr id="8" name="Google Shape;279;p62"/>
+          <p:cNvSpPr txBox="1"/>
+          <p:nvPr/>
+        </p:nvSpPr>
+        <p:spPr>
+          <a:xfrm>
+            <a:off x="900463" y="312539"/>
+            <a:ext cx="11054469" cy="241102"/>
+          </a:xfrm>
+          <a:prstGeom prst="rect">
+            <a:avLst/>
+          </a:prstGeom>
+          <a:noFill/>
+          <a:ln>
+            <a:noFill/>
+          </a:ln>
+        </p:spPr>
+        <p:txBody>
+          <a:bodyPr spcFirstLastPara="1" wrap="square" lIns="0" tIns="0" rIns="0" bIns="0" anchor="b" anchorCtr="0">
+            <a:noAutofit/>
+          </a:bodyPr>
+          <a:lstStyle/>
+          <a:p>
+            <a:pPr lvl="0">
+              <a:buClr>
+                <a:srgbClr val="4D4D4D"/>
+              </a:buClr>
+              <a:buSzPts val="1400"/>
+            </a:pPr>
+            <a:r>
+              <a:rPr lang="pt-PT" sz="950" b="1" dirty="0">
+                <a:solidFill>
+                  <a:schemeClr val="accent3">
+                    <a:lumMod val="75000"/>
+                  </a:schemeClr>
+                </a:solidFill>
+              </a:rPr>
+              <a:t>Desenvolvimento de uma Progressive Web App (PWA) para Turismo em Coimbra </a:t>
+            </a:r>
+            <a:r>
+              <a:rPr lang="en-US" sz="950" dirty="0">
+                <a:solidFill>
+                  <a:schemeClr val="accent3">
+                    <a:lumMod val="75000"/>
+                  </a:schemeClr>
+                </a:solidFill>
+                <a:latin typeface="Gill Sans MT"/>
+                <a:sym typeface="Arial"/>
+              </a:rPr>
+              <a:t>			</a:t>
+            </a:r>
+            <a:endParaRPr sz="950" dirty="0">
+              <a:solidFill>
+                <a:schemeClr val="accent3">
+                  <a:lumMod val="75000"/>
+                </a:schemeClr>
+              </a:solidFill>
+              <a:latin typeface="Gill Sans MT" panose="020B0502020104020203" pitchFamily="34" charset="77"/>
+            </a:endParaRPr>
+          </a:p>
+        </p:txBody>
+      </p:sp>
+    </p:spTree>
+    <p:extLst>
+      <p:ext uri="{BB962C8B-B14F-4D97-AF65-F5344CB8AC3E}">
+        <p14:creationId xmlns:p14="http://schemas.microsoft.com/office/powerpoint/2010/main" val="2368168754"/>
+      </p:ext>
+    </p:extLst>
+  </p:cSld>
+  <p:clrMapOvr>
+    <a:masterClrMapping/>
+  </p:clrMapOvr>
+  <p:transition spd="slow">
+    <p:fade thruBlk="1"/>
+  </p:transition>
 </p:sld>
 </file>
 
@@ -6921,11 +11684,7 @@
             </a:pPr>
             <a:r>
               <a:rPr lang="pt-PT" dirty="0"/>
-              <a:t>Coimbra enfrenta desafios no turismo devido à falta de acessibilidade e informações atualizadas para os visitantes, afetando negativamente suas experiências e a economia local</a:t>
-            </a:r>
-            <a:r>
-              <a:rPr lang="pt-PT" dirty="0" smtClean="0"/>
-              <a:t>.</a:t>
+              <a:t>Coimbra enfrenta desafios no turismo devido à falta de acessibilidade e informações atualizadas para os visitantes, afetando negativamente suas experiências e a economia local.</a:t>
             </a:r>
           </a:p>
           <a:p>
@@ -7018,10 +11777,6 @@
               <a:rPr lang="pt-PT" sz="1100" b="1" dirty="0"/>
               <a:t>Cristiana Dias</a:t>
             </a:r>
-            <a:r>
-              <a:rPr lang="pt-PT" sz="1000" dirty="0"/>
-              <a:t/>
-            </a:r>
             <a:br>
               <a:rPr lang="pt-PT" sz="1000" dirty="0"/>
             </a:br>
@@ -7100,16 +11855,8 @@
               <a:buSzPts val="1400"/>
             </a:pPr>
             <a:r>
-              <a:rPr lang="pt-PT" dirty="0" smtClean="0"/>
-              <a:t>“Dificuldades </a:t>
-            </a:r>
-            <a:r>
               <a:rPr lang="pt-PT" dirty="0"/>
-              <a:t>de acesso a informações precisas, resultando em experiências turísticas inconsistentes e impactando negativamente a economia local</a:t>
-            </a:r>
-            <a:r>
-              <a:rPr lang="pt-PT" dirty="0" smtClean="0"/>
-              <a:t>.”</a:t>
+              <a:t>“Dificuldades de acesso a informações precisas, resultando em experiências turísticas inconsistentes e impactando negativamente a economia local.”</a:t>
             </a:r>
             <a:endParaRPr sz="1400" dirty="0">
               <a:solidFill>
@@ -7197,13 +11944,6 @@
   <p:transition spd="slow">
     <p:fade thruBlk="1"/>
   </p:transition>
-  <p:timing>
-    <p:tnLst>
-      <p:par>
-        <p:cTn id="1" dur="indefinite" restart="never" nodeType="tmRoot"/>
-      </p:par>
-    </p:tnLst>
-  </p:timing>
 </p:sld>
 </file>
 
@@ -7319,7 +12059,7 @@
               <a:buSzPts val="6400"/>
             </a:pPr>
             <a:r>
-              <a:rPr lang="en-US" sz="4800" dirty="0" err="1" smtClean="0">
+              <a:rPr lang="en-US" sz="4800" dirty="0" err="1">
                 <a:solidFill>
                   <a:schemeClr val="dk1"/>
                 </a:solidFill>
@@ -7381,40 +12121,8 @@
               <a:buChar char="-"/>
             </a:pPr>
             <a:r>
-              <a:rPr lang="pt-PT" dirty="0" smtClean="0"/>
-              <a:t>Desenvolver </a:t>
-            </a:r>
-            <a:r>
               <a:rPr lang="pt-PT" dirty="0"/>
-              <a:t>uma </a:t>
-            </a:r>
-            <a:r>
-              <a:rPr lang="pt-PT" dirty="0" smtClean="0"/>
-              <a:t>PWA </a:t>
-            </a:r>
-            <a:r>
-              <a:rPr lang="pt-PT" dirty="0"/>
-              <a:t>para Turismo em Coimbra, utilizando tecnologias modernas como Quasar Framework 2, Vue.js </a:t>
-            </a:r>
-            <a:r>
-              <a:rPr lang="pt-PT" dirty="0" smtClean="0"/>
-              <a:t>3 e </a:t>
-            </a:r>
-            <a:r>
-              <a:rPr lang="pt-PT" dirty="0"/>
-              <a:t>Google Maps </a:t>
-            </a:r>
-            <a:r>
-              <a:rPr lang="pt-PT" dirty="0" smtClean="0"/>
-              <a:t>APIs, </a:t>
-            </a:r>
-            <a:r>
-              <a:rPr lang="pt-PT" dirty="0"/>
-              <a:t>para melhorar a experiência dos turistas, facilitando a exploração dos pontos de interesse da cidade e promovendo a partilha de experiências entre os utilizadores</a:t>
-            </a:r>
-            <a:r>
-              <a:rPr lang="pt-PT" dirty="0" smtClean="0"/>
-              <a:t>.</a:t>
+              <a:t>Desenvolver uma PWA para Turismo em Coimbra, utilizando tecnologias modernas como Quasar Framework 2, Vue.js 3 e Google Maps APIs, para melhorar a experiência dos turistas, facilitando a exploração dos pontos de interesse da cidade e promovendo a partilha de experiências entre os utilizadores.</a:t>
             </a:r>
           </a:p>
           <a:p>
@@ -7432,7 +12140,7 @@
               <a:buFont typeface="Arial"/>
               <a:buChar char="-"/>
             </a:pPr>
-            <a:endParaRPr lang="pt-PT" dirty="0" smtClean="0"/>
+            <a:endParaRPr lang="pt-PT" dirty="0"/>
           </a:p>
           <a:p>
             <a:pPr marL="267881" indent="-267881" algn="just">
@@ -7453,7 +12161,6 @@
               <a:rPr lang="pt-PT" dirty="0"/>
               <a:t>Além disso, o projeto visa impulsionar o turismo local, fornecendo recomendações personalizadas com base nas preferências dos utilizadores e contribuindo para a economia da cidade.</a:t>
             </a:r>
-            <a:endParaRPr lang="pt-PT" dirty="0" smtClean="0"/>
           </a:p>
           <a:p>
             <a:pPr marL="267881" indent="-107152" algn="just">
@@ -7783,21 +12490,10 @@
                 <a:ea typeface="Arial"/>
                 <a:sym typeface="Arial"/>
               </a:rPr>
-              <a:t>Modelo inteligente de recomendação de locais turísticos baseado em filtragem colaborativa e preferências do </a:t>
-            </a:r>
-            <a:r>
-              <a:rPr lang="pt-PT" dirty="0" smtClean="0">
-                <a:solidFill>
-                  <a:schemeClr val="dk1"/>
-                </a:solidFill>
-                <a:latin typeface="Gill Sans MT" panose="020B0502020104020203" pitchFamily="34" charset="0"/>
-                <a:ea typeface="Arial"/>
-                <a:sym typeface="Arial"/>
-              </a:rPr>
-              <a:t>usuário. </a:t>
-            </a:r>
-            <a:r>
-              <a:rPr lang="pt-PT" b="1" dirty="0" smtClean="0">
+              <a:t>Modelo inteligente de recomendação de locais turísticos baseado em filtragem colaborativa e preferências do usuário. </a:t>
+            </a:r>
+            <a:r>
+              <a:rPr lang="pt-PT" b="1" dirty="0">
                 <a:solidFill>
                   <a:schemeClr val="accent1">
                     <a:lumMod val="50000"/>
@@ -7807,29 +12503,16 @@
                 <a:ea typeface="Arial"/>
                 <a:sym typeface="Arial"/>
               </a:rPr>
-              <a:t>Zhong </a:t>
+              <a:t>Zhong Hua Wang </a:t>
             </a:r>
             <a:r>
               <a:rPr lang="pt-PT" b="1" dirty="0">
-                <a:solidFill>
-                  <a:schemeClr val="accent1">
-                    <a:lumMod val="50000"/>
-                  </a:schemeClr>
-                </a:solidFill>
                 <a:latin typeface="Gill Sans MT" panose="020B0502020104020203" pitchFamily="34" charset="0"/>
-                <a:ea typeface="Arial"/>
-                <a:sym typeface="Arial"/>
-              </a:rPr>
-              <a:t>Hua Wang </a:t>
-            </a:r>
-            <a:r>
-              <a:rPr lang="pt-PT" b="1" dirty="0" smtClean="0">
-                <a:latin typeface="Gill Sans MT" panose="020B0502020104020203" pitchFamily="34" charset="0"/>
               </a:rPr>
               <a:t>(2023)</a:t>
             </a:r>
             <a:r>
-              <a:rPr lang="pt-PT" dirty="0" smtClean="0">
+              <a:rPr lang="pt-PT" dirty="0">
                 <a:latin typeface="Gill Sans MT" panose="020B0502020104020203" pitchFamily="34" charset="0"/>
               </a:rPr>
               <a:t>.</a:t>
@@ -7882,62 +12565,7 @@
                 <a:ea typeface="Arial"/>
                 <a:sym typeface="Arial"/>
               </a:rPr>
-              <a:t>Sistema de Informação Geográfica para Guia Turístico </a:t>
-            </a:r>
-            <a:r>
-              <a:rPr lang="pt-PT" dirty="0" smtClean="0">
-                <a:solidFill>
-                  <a:schemeClr val="dk1"/>
-                </a:solidFill>
-                <a:latin typeface="Gill Sans MT" panose="020B0502020104020203" pitchFamily="34" charset="0"/>
-                <a:ea typeface="Arial"/>
-                <a:sym typeface="Arial"/>
-              </a:rPr>
-              <a:t>(Baseado </a:t>
-            </a:r>
-            <a:r>
-              <a:rPr lang="pt-PT" dirty="0">
-                <a:solidFill>
-                  <a:schemeClr val="dk1"/>
-                </a:solidFill>
-                <a:latin typeface="Gill Sans MT" panose="020B0502020104020203" pitchFamily="34" charset="0"/>
-                <a:ea typeface="Arial"/>
-                <a:sym typeface="Arial"/>
-              </a:rPr>
-              <a:t>em </a:t>
-            </a:r>
-            <a:r>
-              <a:rPr lang="pt-PT" dirty="0" smtClean="0">
-                <a:solidFill>
-                  <a:schemeClr val="dk1"/>
-                </a:solidFill>
-                <a:latin typeface="Gill Sans MT" panose="020B0502020104020203" pitchFamily="34" charset="0"/>
-                <a:ea typeface="Arial"/>
-                <a:sym typeface="Arial"/>
-              </a:rPr>
-              <a:t>Android) </a:t>
-            </a:r>
-            <a:r>
-              <a:rPr lang="pt-PT" dirty="0">
-                <a:solidFill>
-                  <a:schemeClr val="dk1"/>
-                </a:solidFill>
-                <a:latin typeface="Gill Sans MT" panose="020B0502020104020203" pitchFamily="34" charset="0"/>
-                <a:ea typeface="Arial"/>
-                <a:sym typeface="Arial"/>
-              </a:rPr>
-              <a:t>na Cidade de </a:t>
-            </a:r>
-            <a:r>
-              <a:rPr lang="pt-PT" dirty="0" smtClean="0">
-                <a:solidFill>
-                  <a:schemeClr val="dk1"/>
-                </a:solidFill>
-                <a:latin typeface="Gill Sans MT" panose="020B0502020104020203" pitchFamily="34" charset="0"/>
-                <a:ea typeface="Arial"/>
-                <a:sym typeface="Arial"/>
-              </a:rPr>
-              <a:t>Cirebon.</a:t>
+              <a:t>Sistema de Informação Geográfica para Guia Turístico (Baseado em Android) na Cidade de Cirebon.</a:t>
             </a:r>
             <a:r>
               <a:rPr lang="pt-PT" b="1" dirty="0"/>
@@ -7951,55 +12579,15 @@
                   </a:schemeClr>
                 </a:solidFill>
               </a:rPr>
-              <a:t>Dion </a:t>
-            </a:r>
-            <a:r>
-              <a:rPr lang="pt-PT" b="1" dirty="0" smtClean="0">
+              <a:t>Dion Nugraha, Nana Suarna &amp; Dita Rizki Amalia</a:t>
+            </a:r>
+            <a:r>
+              <a:rPr lang="pt-PT" dirty="0">
                 <a:solidFill>
                   <a:schemeClr val="accent1">
                     <a:lumMod val="50000"/>
                   </a:schemeClr>
                 </a:solidFill>
-              </a:rPr>
-              <a:t>Nugraha, </a:t>
-            </a:r>
-            <a:r>
-              <a:rPr lang="pt-PT" b="1" dirty="0">
-                <a:solidFill>
-                  <a:schemeClr val="accent1">
-                    <a:lumMod val="50000"/>
-                  </a:schemeClr>
-                </a:solidFill>
-              </a:rPr>
-              <a:t>Nana </a:t>
-            </a:r>
-            <a:r>
-              <a:rPr lang="pt-PT" b="1" dirty="0" smtClean="0">
-                <a:solidFill>
-                  <a:schemeClr val="accent1">
-                    <a:lumMod val="50000"/>
-                  </a:schemeClr>
-                </a:solidFill>
-              </a:rPr>
-              <a:t>Suarna &amp; </a:t>
-            </a:r>
-            <a:r>
-              <a:rPr lang="pt-PT" b="1" dirty="0">
-                <a:solidFill>
-                  <a:schemeClr val="accent1">
-                    <a:lumMod val="50000"/>
-                  </a:schemeClr>
-                </a:solidFill>
-              </a:rPr>
-              <a:t>Dita Rizki Amalia</a:t>
-            </a:r>
-            <a:r>
-              <a:rPr lang="pt-PT" dirty="0" smtClean="0">
-                <a:solidFill>
-                  <a:schemeClr val="accent1">
-                    <a:lumMod val="50000"/>
-                  </a:schemeClr>
-                </a:solidFill>
                 <a:latin typeface="Gill Sans MT" panose="020B0502020104020203" pitchFamily="34" charset="0"/>
                 <a:ea typeface="Arial"/>
                 <a:sym typeface="Arial"/>
@@ -8007,7 +12595,7 @@
               <a:t> </a:t>
             </a:r>
             <a:r>
-              <a:rPr lang="pt-PT" b="1" dirty="0" smtClean="0">
+              <a:rPr lang="pt-PT" b="1" dirty="0">
                 <a:latin typeface="Gill Sans MT" panose="020B0502020104020203" pitchFamily="34" charset="0"/>
               </a:rPr>
               <a:t>(2022).</a:t>
@@ -8027,7 +12615,7 @@
               <a:buSzPts val="3600"/>
               <a:buNone/>
             </a:pPr>
-            <a:endParaRPr lang="pt-PT" b="1" dirty="0" smtClean="0">
+            <a:endParaRPr lang="pt-PT" b="1" dirty="0">
               <a:latin typeface="Gill Sans MT" panose="020B0502020104020203" pitchFamily="34" charset="0"/>
             </a:endParaRPr>
           </a:p>
@@ -8389,20 +12977,12 @@
               <a:t> da </a:t>
             </a:r>
             <a:r>
-              <a:rPr lang="en-US" sz="4500" dirty="0" err="1" smtClean="0">
+              <a:rPr lang="en-US" sz="4500" dirty="0" err="1">
                 <a:latin typeface="Gill Sans MT" panose="020B0502020104020203" pitchFamily="34" charset="0"/>
                 <a:cs typeface="Calibri Light"/>
                 <a:sym typeface="Arial"/>
               </a:rPr>
               <a:t>Aplicação</a:t>
-            </a:r>
-            <a:r>
-              <a:rPr lang="en-US" sz="4500" dirty="0">
-                <a:latin typeface="Gill Sans MT" panose="020B0502020104020203" pitchFamily="34" charset="0"/>
-                <a:cs typeface="Calibri Light"/>
-                <a:sym typeface="Arial"/>
-              </a:rPr>
-              <a:t/>
             </a:r>
             <a:br>
               <a:rPr lang="en-US" sz="4500" dirty="0">
@@ -8411,13 +12991,6 @@
                 <a:sym typeface="Arial"/>
               </a:rPr>
             </a:br>
-            <a:r>
-              <a:rPr lang="en-US" sz="4500" dirty="0">
-                <a:latin typeface="Gill Sans MT" panose="020B0502020104020203" pitchFamily="34" charset="0"/>
-                <a:cs typeface="Calibri Light"/>
-              </a:rPr>
-              <a:t/>
-            </a:r>
             <a:br>
               <a:rPr lang="en-US" sz="4500" dirty="0">
                 <a:latin typeface="Gill Sans MT" panose="020B0502020104020203" pitchFamily="34" charset="0"/>
@@ -8439,17 +13012,6 @@
               </a:spcBef>
               <a:buSzPts val="6400"/>
             </a:pPr>
-            <a:r>
-              <a:rPr lang="en-US" sz="4500" dirty="0">
-                <a:solidFill>
-                  <a:schemeClr val="dk1"/>
-                </a:solidFill>
-                <a:latin typeface="Gill Sans MT" panose="020B0502020104020203" pitchFamily="34" charset="0"/>
-                <a:ea typeface="Arial"/>
-                <a:sym typeface="Arial"/>
-              </a:rPr>
-              <a:t/>
-            </a:r>
             <a:br>
               <a:rPr lang="en-US" sz="4500" dirty="0">
                 <a:solidFill>
@@ -8819,11 +13381,7 @@
             </a:pPr>
             <a:r>
               <a:rPr lang="pt-PT" dirty="0"/>
-              <a:t>Interface de Usuário (UI</a:t>
-            </a:r>
-            <a:r>
-              <a:rPr lang="pt-PT" dirty="0" smtClean="0"/>
-              <a:t>):</a:t>
+              <a:t>Interface de Usuário (UI):</a:t>
             </a:r>
           </a:p>
           <a:p>
@@ -8842,7 +13400,7 @@
               <a:buChar char="o"/>
             </a:pPr>
             <a:r>
-              <a:rPr lang="pt-PT" dirty="0" smtClean="0"/>
+              <a:rPr lang="pt-PT" dirty="0"/>
               <a:t>VueJs 3 &amp; Quasar Framework 2</a:t>
             </a:r>
           </a:p>
@@ -8862,7 +13420,7 @@
               <a:buChar char="-"/>
             </a:pPr>
             <a:r>
-              <a:rPr lang="pt-PT" dirty="0" smtClean="0"/>
+              <a:rPr lang="pt-PT" dirty="0"/>
               <a:t>Back-End:</a:t>
             </a:r>
           </a:p>
@@ -8882,7 +13440,7 @@
               <a:buChar char="o"/>
             </a:pPr>
             <a:r>
-              <a:rPr lang="pt-PT" dirty="0" smtClean="0"/>
+              <a:rPr lang="pt-PT" dirty="0"/>
               <a:t>NodeJs</a:t>
             </a:r>
           </a:p>
@@ -8909,17 +13467,7 @@
                 <a:ea typeface="Arial"/>
                 <a:sym typeface="Arial"/>
               </a:rPr>
-              <a:t>Armazenamento de </a:t>
-            </a:r>
-            <a:r>
-              <a:rPr lang="pt-PT" sz="2531" dirty="0" smtClean="0">
-                <a:solidFill>
-                  <a:schemeClr val="dk1"/>
-                </a:solidFill>
-                <a:ea typeface="Arial"/>
-                <a:sym typeface="Arial"/>
-              </a:rPr>
-              <a:t>Dados e Serviços Externos:</a:t>
+              <a:t>Armazenamento de Dados e Serviços Externos:</a:t>
             </a:r>
           </a:p>
           <a:p>
@@ -8938,7 +13486,7 @@
               <a:buChar char="o"/>
             </a:pPr>
             <a:r>
-              <a:rPr lang="pt-PT" sz="2131" dirty="0" smtClean="0">
+              <a:rPr lang="pt-PT" sz="2131" dirty="0">
                 <a:solidFill>
                   <a:schemeClr val="dk1"/>
                 </a:solidFill>
@@ -8964,7 +13512,7 @@
               <a:buChar char="o"/>
             </a:pPr>
             <a:r>
-              <a:rPr lang="pt-PT" sz="2131" dirty="0" smtClean="0">
+              <a:rPr lang="pt-PT" sz="2131" dirty="0">
                 <a:solidFill>
                   <a:schemeClr val="dk1"/>
                 </a:solidFill>
@@ -8990,7 +13538,7 @@
               <a:buChar char="o"/>
             </a:pPr>
             <a:r>
-              <a:rPr lang="pt-PT" sz="2131" dirty="0" smtClean="0">
+              <a:rPr lang="pt-PT" sz="2131" dirty="0">
                 <a:solidFill>
                   <a:schemeClr val="dk1"/>
                 </a:solidFill>
@@ -9035,7 +13583,7 @@
               <a:buFont typeface="Courier New" panose="02070309020205020404" pitchFamily="49" charset="0"/>
               <a:buChar char="o"/>
             </a:pPr>
-            <a:endParaRPr lang="pt-PT" sz="2131" dirty="0" smtClean="0">
+            <a:endParaRPr lang="pt-PT" sz="2131" dirty="0">
               <a:solidFill>
                 <a:schemeClr val="dk1"/>
               </a:solidFill>
@@ -9067,13 +13615,6 @@
               </a:rPr>
               <a:t>	</a:t>
             </a:r>
-            <a:endParaRPr lang="pt-PT" sz="2131" dirty="0" smtClean="0">
-              <a:solidFill>
-                <a:schemeClr val="dk1"/>
-              </a:solidFill>
-              <a:ea typeface="Arial"/>
-              <a:sym typeface="Arial"/>
-            </a:endParaRPr>
           </a:p>
           <a:p>
             <a:pPr marL="267881" indent="-107152" algn="just">
@@ -9297,16 +13838,6 @@
               </a:rPr>
               <a:t>externos</a:t>
             </a:r>
-            <a:r>
-              <a:rPr lang="en-US" sz="4500" dirty="0">
-                <a:solidFill>
-                  <a:schemeClr val="dk1"/>
-                </a:solidFill>
-                <a:ea typeface="Arial"/>
-                <a:sym typeface="Arial"/>
-              </a:rPr>
-              <a:t/>
-            </a:r>
             <a:br>
               <a:rPr lang="en-US" sz="4500" dirty="0">
                 <a:solidFill>
@@ -9374,17 +13905,7 @@
                 <a:latin typeface="Gill Sans MT" panose="020B0502020104020203" pitchFamily="34" charset="0"/>
                 <a:sym typeface="Arial"/>
               </a:rPr>
-              <a:t>Sensor de interesse: GPS (Sistema de Posicionamento </a:t>
-            </a:r>
-            <a:r>
-              <a:rPr lang="pt-PT" dirty="0" smtClean="0">
-                <a:solidFill>
-                  <a:schemeClr val="dk1"/>
-                </a:solidFill>
-                <a:latin typeface="Gill Sans MT" panose="020B0502020104020203" pitchFamily="34" charset="0"/>
-                <a:sym typeface="Arial"/>
-              </a:rPr>
-              <a:t>Global)</a:t>
+              <a:t>Sensor de interesse: GPS (Sistema de Posicionamento Global)</a:t>
             </a:r>
           </a:p>
           <a:p>
@@ -9406,34 +13927,14 @@
               <a:buChar char="o"/>
             </a:pPr>
             <a:r>
-              <a:rPr lang="pt-PT" sz="2000" dirty="0" smtClean="0">
+              <a:rPr lang="pt-PT" sz="2000" dirty="0">
                 <a:solidFill>
                   <a:schemeClr val="dk1"/>
                 </a:solidFill>
                 <a:latin typeface="Gill Sans MT" panose="020B0502020104020203" pitchFamily="34" charset="0"/>
                 <a:sym typeface="Arial"/>
               </a:rPr>
-              <a:t>Utilização </a:t>
-            </a:r>
-            <a:r>
-              <a:rPr lang="pt-PT" sz="2000" dirty="0">
-                <a:solidFill>
-                  <a:schemeClr val="dk1"/>
-                </a:solidFill>
-                <a:latin typeface="Gill Sans MT" panose="020B0502020104020203" pitchFamily="34" charset="0"/>
-                <a:sym typeface="Arial"/>
-              </a:rPr>
-              <a:t>do GPS para obter coordenadas precisas de </a:t>
-            </a:r>
-            <a:r>
-              <a:rPr lang="pt-PT" sz="2000" dirty="0" smtClean="0">
-                <a:solidFill>
-                  <a:schemeClr val="dk1"/>
-                </a:solidFill>
-                <a:latin typeface="Gill Sans MT" panose="020B0502020104020203" pitchFamily="34" charset="0"/>
-                <a:sym typeface="Arial"/>
-              </a:rPr>
-              <a:t>localização.</a:t>
+              <a:t>Utilização do GPS para obter coordenadas precisas de localização.</a:t>
             </a:r>
           </a:p>
           <a:p>
@@ -9455,42 +13956,15 @@
               <a:buChar char="-"/>
             </a:pPr>
             <a:r>
-              <a:rPr lang="pt-PT" dirty="0" smtClean="0">
+              <a:rPr lang="pt-PT" dirty="0">
                 <a:solidFill>
                   <a:schemeClr val="dk1"/>
                 </a:solidFill>
                 <a:latin typeface="Gill Sans MT" panose="020B0502020104020203" pitchFamily="34" charset="0"/>
                 <a:sym typeface="Arial"/>
               </a:rPr>
-              <a:t>Outras </a:t>
-            </a:r>
-            <a:r>
-              <a:rPr lang="pt-PT" dirty="0">
-                <a:solidFill>
-                  <a:schemeClr val="dk1"/>
-                </a:solidFill>
-                <a:latin typeface="Gill Sans MT" panose="020B0502020104020203" pitchFamily="34" charset="0"/>
-                <a:sym typeface="Arial"/>
-              </a:rPr>
-              <a:t>fontes externas a correlacionar: Google Maps </a:t>
-            </a:r>
-            <a:r>
-              <a:rPr lang="pt-PT" dirty="0" smtClean="0">
-                <a:solidFill>
-                  <a:schemeClr val="dk1"/>
-                </a:solidFill>
-                <a:latin typeface="Gill Sans MT" panose="020B0502020104020203" pitchFamily="34" charset="0"/>
-                <a:sym typeface="Arial"/>
-              </a:rPr>
-              <a:t>API’s</a:t>
-            </a:r>
-            <a:endParaRPr lang="pt-PT" dirty="0">
-              <a:solidFill>
-                <a:schemeClr val="dk1"/>
-              </a:solidFill>
-              <a:latin typeface="Gill Sans MT" panose="020B0502020104020203" pitchFamily="34" charset="0"/>
-              <a:sym typeface="Arial"/>
-            </a:endParaRPr>
+              <a:t>Outras fontes externas a correlacionar: Google Maps API’s</a:t>
+            </a:r>
           </a:p>
           <a:p>
             <a:pPr lvl="1">
@@ -9540,42 +14014,15 @@
               <a:buChar char="-"/>
             </a:pPr>
             <a:r>
-              <a:rPr lang="pt-PT" dirty="0" smtClean="0">
+              <a:rPr lang="pt-PT" dirty="0">
                 <a:solidFill>
                   <a:schemeClr val="dk1"/>
                 </a:solidFill>
                 <a:latin typeface="Gill Sans MT" panose="020B0502020104020203" pitchFamily="34" charset="0"/>
                 <a:sym typeface="Arial"/>
               </a:rPr>
-              <a:t>Perfil </a:t>
-            </a:r>
-            <a:r>
-              <a:rPr lang="pt-PT" dirty="0">
-                <a:solidFill>
-                  <a:schemeClr val="dk1"/>
-                </a:solidFill>
-                <a:latin typeface="Gill Sans MT" panose="020B0502020104020203" pitchFamily="34" charset="0"/>
-                <a:sym typeface="Arial"/>
-              </a:rPr>
-              <a:t>e incentivo aos voluntários para recolha</a:t>
-            </a:r>
-            <a:r>
-              <a:rPr lang="pt-PT" dirty="0" smtClean="0">
-                <a:solidFill>
-                  <a:schemeClr val="dk1"/>
-                </a:solidFill>
-                <a:latin typeface="Gill Sans MT" panose="020B0502020104020203" pitchFamily="34" charset="0"/>
-                <a:sym typeface="Arial"/>
-              </a:rPr>
-              <a:t>:</a:t>
-            </a:r>
-            <a:endParaRPr lang="pt-PT" dirty="0">
-              <a:solidFill>
-                <a:schemeClr val="dk1"/>
-              </a:solidFill>
-              <a:latin typeface="Gill Sans MT" panose="020B0502020104020203" pitchFamily="34" charset="0"/>
-              <a:sym typeface="Arial"/>
-            </a:endParaRPr>
+              <a:t>Perfil e incentivo aos voluntários para recolha:</a:t>
+            </a:r>
           </a:p>
           <a:p>
             <a:pPr lvl="1">
@@ -9845,7 +14292,7 @@
   <p:cSld>
     <p:spTree>
       <p:nvGrpSpPr>
-        <p:cNvPr id="1" name="Shape 325"/>
+        <p:cNvPr id="1" name="Shape 317"/>
         <p:cNvGrpSpPr/>
         <p:nvPr/>
       </p:nvGrpSpPr>
@@ -9859,7 +14306,7 @@
       </p:grpSpPr>
       <p:sp>
         <p:nvSpPr>
-          <p:cNvPr id="326" name="Google Shape;326;p68"/>
+          <p:cNvPr id="318" name="Google Shape;318;p67"/>
           <p:cNvSpPr txBox="1"/>
           <p:nvPr/>
         </p:nvSpPr>
@@ -9912,7 +14359,7 @@
       </p:sp>
       <p:sp>
         <p:nvSpPr>
-          <p:cNvPr id="327" name="Google Shape;327;p68"/>
+          <p:cNvPr id="319" name="Google Shape;319;p67"/>
           <p:cNvSpPr txBox="1">
             <a:spLocks noGrp="1"/>
           </p:cNvSpPr>
@@ -9922,8 +14369,8 @@
         </p:nvSpPr>
         <p:spPr>
           <a:xfrm>
-            <a:off x="2835794" y="2179767"/>
-            <a:ext cx="7535874" cy="482811"/>
+            <a:off x="913859" y="723305"/>
+            <a:ext cx="8036719" cy="812602"/>
           </a:xfrm>
           <a:prstGeom prst="rect">
             <a:avLst/>
@@ -9946,16 +14393,30 @@
               <a:spcBef>
                 <a:spcPts val="0"/>
               </a:spcBef>
+              <a:buClr>
+                <a:schemeClr val="dk1"/>
+              </a:buClr>
+              <a:buSzPts val="6400"/>
             </a:pPr>
             <a:r>
               <a:rPr lang="en-US" sz="4800" dirty="0">
                 <a:solidFill>
                   <a:schemeClr val="dk1"/>
                 </a:solidFill>
-                <a:latin typeface="Gill Sans MT"/>
-                <a:sym typeface="Arial"/>
-              </a:rPr>
-              <a:t>Técnica(s) Machine Learning</a:t>
+                <a:latin typeface="Gill Sans MT" panose="020B0502020104020203" pitchFamily="34" charset="77"/>
+                <a:sym typeface="Arial"/>
+              </a:rPr>
+              <a:t>Dados a </a:t>
+            </a:r>
+            <a:r>
+              <a:rPr lang="en-US" sz="4800" dirty="0" err="1">
+                <a:solidFill>
+                  <a:schemeClr val="dk1"/>
+                </a:solidFill>
+                <a:latin typeface="Gill Sans MT" panose="020B0502020104020203" pitchFamily="34" charset="77"/>
+                <a:sym typeface="Arial"/>
+              </a:rPr>
+              <a:t>recolher</a:t>
             </a:r>
             <a:r>
               <a:rPr lang="en-US" sz="4500" dirty="0">
@@ -9965,7 +14426,47 @@
                 <a:ea typeface="Arial"/>
                 <a:sym typeface="Arial"/>
               </a:rPr>
-              <a:t/>
+              <a:t> </a:t>
+            </a:r>
+            <a:r>
+              <a:rPr lang="en-US" sz="4800" dirty="0">
+                <a:solidFill>
+                  <a:schemeClr val="dk1"/>
+                </a:solidFill>
+                <a:latin typeface="Gill Sans MT" panose="020B0502020104020203" pitchFamily="34" charset="77"/>
+                <a:sym typeface="Arial"/>
+              </a:rPr>
+              <a:t>e/</a:t>
+            </a:r>
+            <a:r>
+              <a:rPr lang="en-US" sz="4800" dirty="0" err="1">
+                <a:solidFill>
+                  <a:schemeClr val="dk1"/>
+                </a:solidFill>
+                <a:latin typeface="Gill Sans MT" panose="020B0502020104020203" pitchFamily="34" charset="77"/>
+                <a:sym typeface="Arial"/>
+              </a:rPr>
+              <a:t>ou</a:t>
+            </a:r>
+            <a:r>
+              <a:rPr lang="en-US" sz="4800" dirty="0">
+                <a:solidFill>
+                  <a:schemeClr val="dk1"/>
+                </a:solidFill>
+                <a:latin typeface="Gill Sans MT" panose="020B0502020104020203" pitchFamily="34" charset="77"/>
+                <a:sym typeface="Arial"/>
+              </a:rPr>
+              <a:t> </a:t>
+            </a:r>
+            <a:r>
+              <a:rPr lang="en-US" sz="4800" dirty="0" err="1">
+                <a:solidFill>
+                  <a:schemeClr val="dk1"/>
+                </a:solidFill>
+                <a:latin typeface="Gill Sans MT" panose="020B0502020104020203" pitchFamily="34" charset="77"/>
+                <a:sym typeface="Arial"/>
+              </a:rPr>
+              <a:t>externos</a:t>
             </a:r>
             <a:br>
               <a:rPr lang="en-US" sz="4500" dirty="0">
@@ -9976,34 +14477,13 @@
                 <a:sym typeface="Arial"/>
               </a:rPr>
             </a:br>
-            <a:r>
-              <a:rPr lang="en-US" sz="4500" dirty="0">
-                <a:solidFill>
-                  <a:schemeClr val="dk1"/>
-                </a:solidFill>
-                <a:ea typeface="Arial"/>
-                <a:sym typeface="Arial"/>
-              </a:rPr>
-              <a:t/>
-            </a:r>
-            <a:br>
-              <a:rPr lang="en-US" sz="4500" dirty="0">
-                <a:solidFill>
-                  <a:schemeClr val="dk1"/>
-                </a:solidFill>
-                <a:ea typeface="Arial"/>
-                <a:sym typeface="Arial"/>
-              </a:rPr>
-            </a:br>
-            <a:endParaRPr lang="en-US" dirty="0">
-              <a:cs typeface="Calibri Light"/>
-            </a:endParaRPr>
-          </a:p>
-        </p:txBody>
-      </p:sp>
-      <p:sp>
-        <p:nvSpPr>
-          <p:cNvPr id="9" name="Google Shape;279;p62"/>
+            <a:endParaRPr dirty="0"/>
+          </a:p>
+        </p:txBody>
+      </p:sp>
+      <p:sp>
+        <p:nvSpPr>
+          <p:cNvPr id="8" name="Google Shape;279;p62"/>
           <p:cNvSpPr txBox="1"/>
           <p:nvPr/>
         </p:nvSpPr>
@@ -10067,10 +14547,14 @@
       </p:sp>
       <p:pic>
         <p:nvPicPr>
-          <p:cNvPr id="1026" name="Picture 2" descr="logotipo ml5.js"/>
-          <p:cNvPicPr>
-            <a:picLocks noChangeAspect="1" noChangeArrowheads="1"/>
-          </p:cNvPicPr>
+          <p:cNvPr id="9" name="Imagem 8">
+            <a:extLst>
+              <a:ext uri="{FF2B5EF4-FFF2-40B4-BE49-F238E27FC236}">
+                <a16:creationId xmlns:a16="http://schemas.microsoft.com/office/drawing/2014/main" id="{BF5B7FF3-585A-40B6-8CA2-7018EFEBE63F}"/>
+              </a:ext>
+            </a:extLst>
+          </p:cNvPr>
+          <p:cNvPicPr/>
           <p:nvPr/>
         </p:nvPicPr>
         <p:blipFill>
@@ -10088,110 +14572,84 @@
         </p:blipFill>
         <p:spPr bwMode="auto">
           <a:xfrm>
-            <a:off x="7825698" y="3667974"/>
-            <a:ext cx="2472390" cy="942004"/>
+            <a:off x="3175385" y="1858327"/>
+            <a:ext cx="5672282" cy="4016711"/>
           </a:xfrm>
           <a:prstGeom prst="rect">
             <a:avLst/>
           </a:prstGeom>
           <a:noFill/>
-          <a:extLst>
-            <a:ext uri="{909E8E84-426E-40DD-AFC4-6F175D3DCCD1}">
-              <a14:hiddenFill xmlns:a14="http://schemas.microsoft.com/office/drawing/2010/main">
-                <a:solidFill>
-                  <a:srgbClr val="FFFFFF"/>
-                </a:solidFill>
-              </a14:hiddenFill>
-            </a:ext>
-          </a:extLst>
+          <a:ln>
+            <a:noFill/>
+          </a:ln>
         </p:spPr>
       </p:pic>
-      <p:pic>
-        <p:nvPicPr>
-          <p:cNvPr id="1030" name="Picture 6" descr="Building a Basic Neural Network with Brain.js - DEV Community"/>
-          <p:cNvPicPr>
-            <a:picLocks noChangeAspect="1" noChangeArrowheads="1"/>
-          </p:cNvPicPr>
-          <p:nvPr/>
-        </p:nvPicPr>
-        <p:blipFill>
-          <a:blip r:embed="rId4">
+      <p:sp>
+        <p:nvSpPr>
+          <p:cNvPr id="10" name="Google Shape;279;p62">
             <a:extLst>
-              <a:ext uri="{28A0092B-C50C-407E-A947-70E740481C1C}">
-                <a14:useLocalDpi xmlns:a14="http://schemas.microsoft.com/office/drawing/2010/main" val="0"/>
+              <a:ext uri="{FF2B5EF4-FFF2-40B4-BE49-F238E27FC236}">
+                <a16:creationId xmlns:a16="http://schemas.microsoft.com/office/drawing/2014/main" id="{D37D04E9-28F6-412C-9EAB-C698A0A61F9B}"/>
               </a:ext>
             </a:extLst>
-          </a:blip>
-          <a:srcRect/>
-          <a:stretch>
-            <a:fillRect/>
-          </a:stretch>
-        </p:blipFill>
-        <p:spPr bwMode="auto">
-          <a:xfrm>
-            <a:off x="5221459" y="3552338"/>
-            <a:ext cx="2275913" cy="1280201"/>
+          </p:cNvPr>
+          <p:cNvSpPr txBox="1"/>
+          <p:nvPr/>
+        </p:nvSpPr>
+        <p:spPr>
+          <a:xfrm>
+            <a:off x="3917331" y="5938594"/>
+            <a:ext cx="3934003" cy="241102"/>
           </a:xfrm>
           <a:prstGeom prst="rect">
             <a:avLst/>
           </a:prstGeom>
           <a:noFill/>
-          <a:extLst>
-            <a:ext uri="{909E8E84-426E-40DD-AFC4-6F175D3DCCD1}">
-              <a14:hiddenFill xmlns:a14="http://schemas.microsoft.com/office/drawing/2010/main">
-                <a:solidFill>
-                  <a:srgbClr val="FFFFFF"/>
-                </a:solidFill>
-              </a14:hiddenFill>
-            </a:ext>
-          </a:extLst>
-        </p:spPr>
-      </p:pic>
-      <p:pic>
-        <p:nvPicPr>
-          <p:cNvPr id="1032" name="Picture 8" descr="TensorFlow.js | Machine Learning for JavaScript Developers"/>
-          <p:cNvPicPr>
-            <a:picLocks noChangeAspect="1" noChangeArrowheads="1"/>
-          </p:cNvPicPr>
-          <p:nvPr/>
-        </p:nvPicPr>
-        <p:blipFill>
-          <a:blip r:embed="rId5">
-            <a:extLst>
-              <a:ext uri="{28A0092B-C50C-407E-A947-70E740481C1C}">
-                <a14:useLocalDpi xmlns:a14="http://schemas.microsoft.com/office/drawing/2010/main" val="0"/>
-              </a:ext>
-            </a:extLst>
-          </a:blip>
-          <a:srcRect/>
-          <a:stretch>
-            <a:fillRect/>
-          </a:stretch>
-        </p:blipFill>
-        <p:spPr bwMode="auto">
-          <a:xfrm>
-            <a:off x="2445812" y="3552338"/>
-            <a:ext cx="2273136" cy="1278639"/>
-          </a:xfrm>
-          <a:prstGeom prst="rect">
-            <a:avLst/>
-          </a:prstGeom>
-          <a:noFill/>
-          <a:extLst>
-            <a:ext uri="{909E8E84-426E-40DD-AFC4-6F175D3DCCD1}">
-              <a14:hiddenFill xmlns:a14="http://schemas.microsoft.com/office/drawing/2010/main">
-                <a:solidFill>
-                  <a:srgbClr val="FFFFFF"/>
-                </a:solidFill>
-              </a14:hiddenFill>
-            </a:ext>
-          </a:extLst>
-        </p:spPr>
-      </p:pic>
+          <a:ln>
+            <a:noFill/>
+          </a:ln>
+        </p:spPr>
+        <p:txBody>
+          <a:bodyPr spcFirstLastPara="1" wrap="square" lIns="0" tIns="0" rIns="0" bIns="0" anchor="b" anchorCtr="0">
+            <a:noAutofit/>
+          </a:bodyPr>
+          <a:lstStyle/>
+          <a:p>
+            <a:pPr lvl="0">
+              <a:buClr>
+                <a:srgbClr val="4D4D4D"/>
+              </a:buClr>
+              <a:buSzPts val="1400"/>
+            </a:pPr>
+            <a:r>
+              <a:rPr lang="pt-PT" sz="1400" b="1" dirty="0" err="1"/>
+              <a:t>Payload</a:t>
+            </a:r>
+            <a:r>
+              <a:rPr lang="pt-PT" sz="1400" b="1" dirty="0"/>
+              <a:t> de um ponto de interesse (</a:t>
+            </a:r>
+            <a:r>
+              <a:rPr lang="pt-PT" sz="1400" b="1" dirty="0" err="1"/>
+              <a:t>GoogleMaps</a:t>
+            </a:r>
+            <a:r>
+              <a:rPr lang="pt-PT" sz="1400" b="1" dirty="0"/>
+              <a:t> API)</a:t>
+            </a:r>
+            <a:endParaRPr sz="1100" dirty="0">
+              <a:solidFill>
+                <a:srgbClr val="4D4D4D"/>
+              </a:solidFill>
+              <a:latin typeface="Gill Sans MT" panose="020B0502020104020203" pitchFamily="34" charset="77"/>
+            </a:endParaRPr>
+          </a:p>
+        </p:txBody>
+      </p:sp>
     </p:spTree>
     <p:extLst>
       <p:ext uri="{BB962C8B-B14F-4D97-AF65-F5344CB8AC3E}">
-        <p14:creationId xmlns:p14="http://schemas.microsoft.com/office/powerpoint/2010/main" val="2754647344"/>
+        <p14:creationId xmlns:p14="http://schemas.microsoft.com/office/powerpoint/2010/main" val="1736859879"/>
       </p:ext>
     </p:extLst>
   </p:cSld>
@@ -10209,7 +14667,7 @@
   <p:cSld>
     <p:spTree>
       <p:nvGrpSpPr>
-        <p:cNvPr id="1" name="Shape 341"/>
+        <p:cNvPr id="1" name="Shape 317"/>
         <p:cNvGrpSpPr/>
         <p:nvPr/>
       </p:nvGrpSpPr>
@@ -10223,14 +14681,14 @@
       </p:grpSpPr>
       <p:sp>
         <p:nvSpPr>
-          <p:cNvPr id="342" name="Google Shape;342;p70"/>
+          <p:cNvPr id="318" name="Google Shape;318;p67"/>
           <p:cNvSpPr txBox="1"/>
           <p:nvPr/>
         </p:nvSpPr>
         <p:spPr>
           <a:xfrm>
-            <a:off x="9929067" y="276821"/>
-            <a:ext cx="340999" cy="276820"/>
+            <a:off x="9929068" y="312539"/>
+            <a:ext cx="235520" cy="241102"/>
           </a:xfrm>
           <a:prstGeom prst="rect">
             <a:avLst/>
@@ -10276,7 +14734,7 @@
       </p:sp>
       <p:sp>
         <p:nvSpPr>
-          <p:cNvPr id="343" name="Google Shape;343;p70"/>
+          <p:cNvPr id="319" name="Google Shape;319;p67"/>
           <p:cNvSpPr txBox="1">
             <a:spLocks noGrp="1"/>
           </p:cNvSpPr>
@@ -10286,8 +14744,8 @@
         </p:nvSpPr>
         <p:spPr>
           <a:xfrm>
-            <a:off x="1133992" y="3086894"/>
-            <a:ext cx="10502286" cy="812602"/>
+            <a:off x="913859" y="723305"/>
+            <a:ext cx="8036719" cy="812602"/>
           </a:xfrm>
           <a:prstGeom prst="rect">
             <a:avLst/>
@@ -10313,8 +14771,18 @@
               <a:buClr>
                 <a:schemeClr val="dk1"/>
               </a:buClr>
-              <a:buSzPts val="4800"/>
-            </a:pPr>
+              <a:buSzPts val="6400"/>
+            </a:pPr>
+            <a:r>
+              <a:rPr lang="en-US" sz="4800" dirty="0">
+                <a:solidFill>
+                  <a:schemeClr val="dk1"/>
+                </a:solidFill>
+                <a:latin typeface="Gill Sans MT" panose="020B0502020104020203" pitchFamily="34" charset="77"/>
+                <a:sym typeface="Arial"/>
+              </a:rPr>
+              <a:t>Dados a </a:t>
+            </a:r>
             <a:r>
               <a:rPr lang="en-US" sz="4800" dirty="0" err="1">
                 <a:solidFill>
@@ -10323,10 +14791,10 @@
                 <a:latin typeface="Gill Sans MT" panose="020B0502020104020203" pitchFamily="34" charset="77"/>
                 <a:sym typeface="Arial"/>
               </a:rPr>
-              <a:t>Disponibilização</a:t>
-            </a:r>
-            <a:r>
-              <a:rPr lang="en-US" sz="3375" dirty="0">
+              <a:t>recolher</a:t>
+            </a:r>
+            <a:r>
+              <a:rPr lang="en-US" sz="4500" dirty="0">
                 <a:solidFill>
                   <a:schemeClr val="dk1"/>
                 </a:solidFill>
@@ -10343,7 +14811,7 @@
                 <a:latin typeface="Gill Sans MT" panose="020B0502020104020203" pitchFamily="34" charset="77"/>
                 <a:sym typeface="Arial"/>
               </a:rPr>
-              <a:t>dos dados &amp; </a:t>
+              <a:t>e/</a:t>
             </a:r>
             <a:r>
               <a:rPr lang="en-US" sz="4800" dirty="0" err="1">
@@ -10353,7 +14821,7 @@
                 <a:latin typeface="Gill Sans MT" panose="020B0502020104020203" pitchFamily="34" charset="77"/>
                 <a:sym typeface="Arial"/>
               </a:rPr>
-              <a:t>Privacidade</a:t>
+              <a:t>ou</a:t>
             </a:r>
             <a:r>
               <a:rPr lang="en-US" sz="4800" dirty="0">
@@ -10363,26 +14831,17 @@
                 <a:latin typeface="Gill Sans MT" panose="020B0502020104020203" pitchFamily="34" charset="77"/>
                 <a:sym typeface="Arial"/>
               </a:rPr>
-              <a:t/>
-            </a:r>
-            <a:br>
-              <a:rPr lang="en-US" sz="4800" dirty="0">
+              <a:t> </a:t>
+            </a:r>
+            <a:r>
+              <a:rPr lang="en-US" sz="4800" dirty="0" err="1">
                 <a:solidFill>
                   <a:schemeClr val="dk1"/>
                 </a:solidFill>
                 <a:latin typeface="Gill Sans MT" panose="020B0502020104020203" pitchFamily="34" charset="77"/>
                 <a:sym typeface="Arial"/>
               </a:rPr>
-            </a:br>
-            <a:r>
-              <a:rPr lang="en-US" sz="4500" dirty="0">
-                <a:solidFill>
-                  <a:schemeClr val="dk1"/>
-                </a:solidFill>
-                <a:ea typeface="Arial"/>
-                <a:sym typeface="Arial"/>
-              </a:rPr>
-              <a:t/>
+              <a:t>externos</a:t>
             </a:r>
             <a:br>
               <a:rPr lang="en-US" sz="4500" dirty="0">
@@ -10399,7 +14858,7 @@
       </p:sp>
       <p:sp>
         <p:nvSpPr>
-          <p:cNvPr id="7" name="Google Shape;279;p62"/>
+          <p:cNvPr id="8" name="Google Shape;279;p62"/>
           <p:cNvSpPr txBox="1"/>
           <p:nvPr/>
         </p:nvSpPr>
@@ -10461,10 +14920,125 @@
           </a:p>
         </p:txBody>
       </p:sp>
+      <p:sp>
+        <p:nvSpPr>
+          <p:cNvPr id="10" name="Google Shape;279;p62">
+            <a:extLst>
+              <a:ext uri="{FF2B5EF4-FFF2-40B4-BE49-F238E27FC236}">
+                <a16:creationId xmlns:a16="http://schemas.microsoft.com/office/drawing/2014/main" id="{D37D04E9-28F6-412C-9EAB-C698A0A61F9B}"/>
+              </a:ext>
+            </a:extLst>
+          </p:cNvPr>
+          <p:cNvSpPr txBox="1"/>
+          <p:nvPr/>
+        </p:nvSpPr>
+        <p:spPr>
+          <a:xfrm>
+            <a:off x="3649262" y="6231467"/>
+            <a:ext cx="5556869" cy="308988"/>
+          </a:xfrm>
+          <a:prstGeom prst="rect">
+            <a:avLst/>
+          </a:prstGeom>
+          <a:noFill/>
+          <a:ln>
+            <a:noFill/>
+          </a:ln>
+        </p:spPr>
+        <p:txBody>
+          <a:bodyPr spcFirstLastPara="1" wrap="square" lIns="0" tIns="0" rIns="0" bIns="0" anchor="b" anchorCtr="0">
+            <a:noAutofit/>
+          </a:bodyPr>
+          <a:lstStyle/>
+          <a:p>
+            <a:pPr lvl="0">
+              <a:buClr>
+                <a:srgbClr val="4D4D4D"/>
+              </a:buClr>
+              <a:buSzPts val="1400"/>
+            </a:pPr>
+            <a:r>
+              <a:rPr lang="pt-PT" sz="1600" b="1" dirty="0">
+                <a:effectLst/>
+                <a:latin typeface="Gill Sans MT" panose="020B0502020104020203" pitchFamily="34" charset="0"/>
+                <a:ea typeface="Times New Roman" panose="02020603050405020304" pitchFamily="18" charset="0"/>
+              </a:rPr>
+              <a:t>Dados de utilizadores armazenados no </a:t>
+            </a:r>
+            <a:r>
+              <a:rPr lang="pt-PT" sz="1600" b="1" dirty="0" err="1">
+                <a:effectLst/>
+                <a:latin typeface="Gill Sans MT" panose="020B0502020104020203" pitchFamily="34" charset="0"/>
+                <a:ea typeface="Times New Roman" panose="02020603050405020304" pitchFamily="18" charset="0"/>
+              </a:rPr>
+              <a:t>Firebase</a:t>
+            </a:r>
+            <a:r>
+              <a:rPr lang="pt-PT" sz="1600" b="1" dirty="0">
+                <a:effectLst/>
+                <a:latin typeface="Gill Sans MT" panose="020B0502020104020203" pitchFamily="34" charset="0"/>
+                <a:ea typeface="Times New Roman" panose="02020603050405020304" pitchFamily="18" charset="0"/>
+              </a:rPr>
+              <a:t>.</a:t>
+            </a:r>
+            <a:r>
+              <a:rPr lang="pt-PT" sz="1200" b="1" dirty="0">
+                <a:latin typeface="Gill Sans MT" panose="020B0502020104020203" pitchFamily="34" charset="0"/>
+              </a:rPr>
+              <a:t>)</a:t>
+            </a:r>
+            <a:endParaRPr lang="pt-PT" sz="1050" b="1" dirty="0">
+              <a:solidFill>
+                <a:srgbClr val="4D4D4D"/>
+              </a:solidFill>
+              <a:latin typeface="Gill Sans MT" panose="020B0502020104020203" pitchFamily="34" charset="0"/>
+            </a:endParaRPr>
+          </a:p>
+        </p:txBody>
+      </p:sp>
+      <p:pic>
+        <p:nvPicPr>
+          <p:cNvPr id="7" name="Imagem 6">
+            <a:extLst>
+              <a:ext uri="{FF2B5EF4-FFF2-40B4-BE49-F238E27FC236}">
+                <a16:creationId xmlns:a16="http://schemas.microsoft.com/office/drawing/2014/main" id="{67E48251-2650-4C67-A1EA-246DC9C1466B}"/>
+              </a:ext>
+            </a:extLst>
+          </p:cNvPr>
+          <p:cNvPicPr/>
+          <p:nvPr/>
+        </p:nvPicPr>
+        <p:blipFill>
+          <a:blip r:embed="rId3" cstate="print">
+            <a:extLst>
+              <a:ext uri="{28A0092B-C50C-407E-A947-70E740481C1C}">
+                <a14:useLocalDpi xmlns:a14="http://schemas.microsoft.com/office/drawing/2010/main" val="0"/>
+              </a:ext>
+            </a:extLst>
+          </a:blip>
+          <a:srcRect/>
+          <a:stretch>
+            <a:fillRect/>
+          </a:stretch>
+        </p:blipFill>
+        <p:spPr bwMode="auto">
+          <a:xfrm>
+            <a:off x="1892350" y="1510507"/>
+            <a:ext cx="8036718" cy="4687093"/>
+          </a:xfrm>
+          <a:prstGeom prst="rect">
+            <a:avLst/>
+          </a:prstGeom>
+          <a:noFill/>
+          <a:ln>
+            <a:noFill/>
+          </a:ln>
+        </p:spPr>
+      </p:pic>
     </p:spTree>
     <p:extLst>
       <p:ext uri="{BB962C8B-B14F-4D97-AF65-F5344CB8AC3E}">
-        <p14:creationId xmlns:p14="http://schemas.microsoft.com/office/powerpoint/2010/main" val="2742117703"/>
+        <p14:creationId xmlns:p14="http://schemas.microsoft.com/office/powerpoint/2010/main" val="329230911"/>
       </p:ext>
     </p:extLst>
   </p:cSld>
